--- a/docs/SA_Presentation.pptx
+++ b/docs/SA_Presentation.pptx
@@ -5,7 +5,7 @@
     <p:sldMasterId id="2147483672" r:id="rId1"/>
   </p:sldMasterIdLst>
   <p:notesMasterIdLst>
-    <p:notesMasterId r:id="rId22"/>
+    <p:notesMasterId r:id="rId21"/>
   </p:notesMasterIdLst>
   <p:sldIdLst>
     <p:sldId id="256" r:id="rId2"/>
@@ -17,17 +17,16 @@
     <p:sldId id="261" r:id="rId8"/>
     <p:sldId id="267" r:id="rId9"/>
     <p:sldId id="278" r:id="rId10"/>
-    <p:sldId id="284" r:id="rId11"/>
-    <p:sldId id="285" r:id="rId12"/>
-    <p:sldId id="279" r:id="rId13"/>
+    <p:sldId id="279" r:id="rId11"/>
+    <p:sldId id="284" r:id="rId12"/>
+    <p:sldId id="285" r:id="rId13"/>
     <p:sldId id="270" r:id="rId14"/>
     <p:sldId id="280" r:id="rId15"/>
     <p:sldId id="281" r:id="rId16"/>
     <p:sldId id="272" r:id="rId17"/>
     <p:sldId id="287" r:id="rId18"/>
     <p:sldId id="283" r:id="rId19"/>
-    <p:sldId id="286" r:id="rId20"/>
-    <p:sldId id="269" r:id="rId21"/>
+    <p:sldId id="269" r:id="rId20"/>
   </p:sldIdLst>
   <p:sldSz cx="12192000" cy="6858000"/>
   <p:notesSz cx="6858000" cy="9144000"/>
@@ -137,21 +136,18 @@
 <file path=ppt/revisionInfo.xml><?xml version="1.0" encoding="utf-8"?>
 <p1510:revInfo xmlns:a="http://schemas.openxmlformats.org/drawingml/2006/main" xmlns:r="http://schemas.openxmlformats.org/officeDocument/2006/relationships" xmlns:p1510="http://schemas.microsoft.com/office/powerpoint/2015/10/main">
   <p1510:revLst>
-    <p1510:client id="{00000000-0000-0000-0000-000000000000}" v="116" dt="2021-02-23T07:15:08.595"/>
-    <p1510:client id="{067AAD9F-107A-B000-9465-990106D1050D}" v="55" dt="2021-02-21T17:13:17.279"/>
-    <p1510:client id="{077648ED-304D-44B9-87DD-FFD4CE992325}" v="443" dt="2021-02-22T01:37:26.948"/>
-    <p1510:client id="{1EB7B194-EA35-FA2F-1A74-E4110BFD8CA3}" v="271" dt="2021-02-22T08:36:42.740"/>
-    <p1510:client id="{23F173BB-B220-7B47-B5F2-B88EA97C4A76}" v="4" dt="2021-02-22T03:49:50.062"/>
-    <p1510:client id="{3884AD9F-8048-B000-D07B-91A45088DCCB}" v="109" dt="2021-02-21T19:37:38.233"/>
-    <p1510:client id="{422246AE-44C2-0B18-8655-9631E58B11F4}" v="955" dt="2021-02-22T05:33:47.968"/>
+    <p1510:client id="{00000000-0000-0000-0000-000000000000}" v="134" dt="2021-02-23T18:10:06.158"/>
+    <p1510:client id="{06175CDD-67D0-90FB-7474-BD06A72CCCC8}" v="43" dt="2021-02-23T15:42:07.663"/>
+    <p1510:client id="{178E5ECA-F867-932A-3092-4FC25F65BAFE}" v="49" dt="2021-02-24T05:26:05.900"/>
     <p1510:client id="{4C48B464-09E3-92A9-87A9-5F63A3EEC72C}" v="11" dt="2021-02-23T07:49:34.503"/>
-    <p1510:client id="{55895141-DFC9-A5C5-ED88-7D0BD1043511}" v="3" dt="2021-02-21T19:25:31.940"/>
-    <p1510:client id="{7887AD9F-A002-B000-9465-999FF7067883}" v="43" dt="2021-02-21T20:32:43.141"/>
+    <p1510:client id="{5E9EBCD1-2B4F-81C9-ADC4-DEFBFF266E74}" v="112" dt="2021-02-25T09:31:37.117"/>
     <p1510:client id="{7926AB57-88C2-F07E-2DE8-A7ECD230F1CF}" v="57" dt="2021-02-22T18:47:02.604"/>
-    <p1510:client id="{85918AF7-D525-C64A-AE28-489296C0A611}" v="2529" dt="2021-02-21T17:16:51.181"/>
-    <p1510:client id="{9524C58E-024F-00F1-378C-2998ECFE5B18}" v="1079" dt="2021-02-22T05:28:08.569"/>
-    <p1510:client id="{A84B050F-2447-A8CD-65DA-635280F122C6}" v="630" dt="2021-02-21T06:30:33.963"/>
-    <p1510:client id="{D30257F3-F027-D6E2-9B06-273C7F66524B}" v="4" dt="2021-02-22T04:09:20.265"/>
+    <p1510:client id="{85918AF7-D525-C64A-AE28-489296C0A611}" v="2530" dt="2021-02-23T18:26:15.006"/>
+    <p1510:client id="{A2F6B2F0-EB21-EF9E-9B1C-9EA3F68DD70D}" v="197" dt="2021-02-23T21:54:14.312"/>
+    <p1510:client id="{A39BAE9F-8007-B000-D77D-E1EFE09BDA17}" v="1" dt="2021-02-25T05:00:21.556"/>
+    <p1510:client id="{DEECC59F-5F35-F27F-76FD-2F45022171F6}" v="569" dt="2021-02-23T18:36:59.919"/>
+    <p1510:client id="{E9A4B6B0-AB85-D4CC-6503-2D8531DE451E}" v="95" dt="2021-02-23T18:34:01.564"/>
+    <p1510:client id="{EFA3AE9F-B03E-B000-9465-9D0807871752}" v="39" dt="2021-02-25T07:44:36.872"/>
   </p1510:revLst>
 </p1510:revInfo>
 </file>
@@ -238,7 +234,7 @@
           <a:p>
             <a:fld id="{23963AFE-6B6E-A44F-840F-1A880D6774FC}" type="datetimeFigureOut">
               <a:rPr lang="en-US" smtClean="0"/>
-              <a:t>2/22/2021</a:t>
+              <a:t>2/25/2021</a:t>
             </a:fld>
             <a:endParaRPr lang="en-US"/>
           </a:p>
@@ -822,7 +818,7 @@
           <a:p>
             <a:fld id="{44D72CDD-7B54-B143-A21F-D249F24A9663}" type="slidenum">
               <a:rPr lang="en-US" smtClean="0"/>
-              <a:t>12</a:t>
+              <a:t>10</a:t>
             </a:fld>
             <a:endParaRPr lang="en-US"/>
           </a:p>
@@ -1083,7 +1079,7 @@
           <a:p>
             <a:fld id="{9184DA70-C731-4C70-880D-CCD4705E623C}" type="datetime1">
               <a:rPr lang="en-US" smtClean="0"/>
-              <a:t>2/22/2021</a:t>
+              <a:t>2/25/2021</a:t>
             </a:fld>
             <a:endParaRPr lang="en-US"/>
           </a:p>
@@ -1269,7 +1265,7 @@
           <a:p>
             <a:fld id="{B612A279-0833-481D-8C56-F67FD0AC6C50}" type="datetime1">
               <a:rPr lang="en-US" smtClean="0"/>
-              <a:t>2/22/2021</a:t>
+              <a:t>2/25/2021</a:t>
             </a:fld>
             <a:endParaRPr lang="en-US"/>
           </a:p>
@@ -1509,7 +1505,7 @@
           <a:p>
             <a:fld id="{6587DA83-5663-4C9C-B9AA-0B40A3DAFF81}" type="datetime1">
               <a:rPr lang="en-US" smtClean="0"/>
-              <a:t>2/22/2021</a:t>
+              <a:t>2/25/2021</a:t>
             </a:fld>
             <a:endParaRPr lang="en-US"/>
           </a:p>
@@ -1695,7 +1691,7 @@
           <a:p>
             <a:fld id="{4BE1D723-8F53-4F53-90B0-1982A396982E}" type="datetime1">
               <a:rPr lang="en-US" smtClean="0"/>
-              <a:t>2/22/2021</a:t>
+              <a:t>2/25/2021</a:t>
             </a:fld>
             <a:endParaRPr lang="en-US"/>
           </a:p>
@@ -2059,7 +2055,7 @@
           <a:p>
             <a:fld id="{97669AF7-7BEB-44E4-9852-375E34362B5B}" type="datetime1">
               <a:rPr lang="en-US" smtClean="0"/>
-              <a:t>2/22/2021</a:t>
+              <a:t>2/25/2021</a:t>
             </a:fld>
             <a:endParaRPr lang="en-US"/>
           </a:p>
@@ -2311,7 +2307,7 @@
           <a:p>
             <a:fld id="{BAAAC38D-0552-4C82-B593-E6124DFADBE2}" type="datetime1">
               <a:rPr lang="en-US" smtClean="0"/>
-              <a:t>2/22/2021</a:t>
+              <a:t>2/25/2021</a:t>
             </a:fld>
             <a:endParaRPr lang="en-US"/>
           </a:p>
@@ -2705,7 +2701,7 @@
           <a:p>
             <a:fld id="{D9DF0F1C-5577-4ACB-BB62-DF8F3C494C7E}" type="datetime1">
               <a:rPr lang="en-US" smtClean="0"/>
-              <a:t>2/22/2021</a:t>
+              <a:t>2/25/2021</a:t>
             </a:fld>
             <a:endParaRPr lang="en-US"/>
           </a:p>
@@ -2840,7 +2836,7 @@
           <a:p>
             <a:fld id="{1775B394-D9F9-4F0C-B15D-605F45CB9E9F}" type="datetime1">
               <a:rPr lang="en-US" smtClean="0"/>
-              <a:t>2/22/2021</a:t>
+              <a:t>2/25/2021</a:t>
             </a:fld>
             <a:endParaRPr lang="en-US"/>
           </a:p>
@@ -2997,7 +2993,7 @@
           <a:p>
             <a:fld id="{39667345-2558-425A-8533-9BFDBCE15005}" type="datetime1">
               <a:rPr lang="en-US" smtClean="0"/>
-              <a:t>2/22/2021</a:t>
+              <a:t>2/25/2021</a:t>
             </a:fld>
             <a:endParaRPr lang="en-US"/>
           </a:p>
@@ -3324,7 +3320,7 @@
           <a:p>
             <a:fld id="{92BEA474-078D-4E9B-9B14-09A87B19DC46}" type="datetime1">
               <a:rPr lang="en-US" smtClean="0"/>
-              <a:t>2/22/2021</a:t>
+              <a:t>2/25/2021</a:t>
             </a:fld>
             <a:endParaRPr lang="en-US"/>
           </a:p>
@@ -3672,7 +3668,7 @@
           <a:p>
             <a:fld id="{4907D986-8816-4272-A432-0437A28A9828}" type="datetime1">
               <a:rPr lang="en-US" smtClean="0"/>
-              <a:t>2/22/2021</a:t>
+              <a:t>2/25/2021</a:t>
             </a:fld>
             <a:endParaRPr lang="en-US"/>
           </a:p>
@@ -3938,7 +3934,7 @@
           <a:p>
             <a:fld id="{62D6E202-B606-4609-B914-27C9371A1F6D}" type="datetime1">
               <a:rPr lang="en-US" smtClean="0"/>
-              <a:t>2/22/2021</a:t>
+              <a:t>2/25/2021</a:t>
             </a:fld>
             <a:endParaRPr lang="en-US"/>
           </a:p>
@@ -4744,7 +4740,7 @@
         </p:blipFill>
         <p:spPr>
           <a:xfrm>
-            <a:off x="5631248" y="640080"/>
+            <a:off x="5702132" y="631220"/>
             <a:ext cx="5577840" cy="5577840"/>
           </a:xfrm>
           <a:prstGeom prst="rect">
@@ -4768,6 +4764,14 @@
 <file path=ppt/slides/slide10.xml><?xml version="1.0" encoding="utf-8"?>
 <p:sld xmlns:a="http://schemas.openxmlformats.org/drawingml/2006/main" xmlns:r="http://schemas.openxmlformats.org/officeDocument/2006/relationships" xmlns:p="http://schemas.openxmlformats.org/presentationml/2006/main">
   <p:cSld>
+    <p:bg>
+      <p:bgPr>
+        <a:solidFill>
+          <a:schemeClr val="bg1"/>
+        </a:solidFill>
+        <a:effectLst/>
+      </p:bgPr>
+    </p:bg>
     <p:spTree>
       <p:nvGrpSpPr>
         <p:cNvPr id="1" name=""/>
@@ -4782,42 +4786,316 @@
           <a:chExt cx="0" cy="0"/>
         </a:xfrm>
       </p:grpSpPr>
+      <p:sp>
+        <p:nvSpPr>
+          <p:cNvPr id="33" name="Rectangle 29">
+            <a:extLst>
+              <a:ext uri="{FF2B5EF4-FFF2-40B4-BE49-F238E27FC236}">
+                <a16:creationId xmlns:a16="http://schemas.microsoft.com/office/drawing/2014/main" id="{416A0E3C-60E6-4F39-BC55-5F7C224E1F7C}"/>
+              </a:ext>
+              <a:ext uri="{C183D7F6-B498-43B3-948B-1728B52AA6E4}">
+                <adec:decorative xmlns:adec="http://schemas.microsoft.com/office/drawing/2017/decorative" val="1"/>
+              </a:ext>
+            </a:extLst>
+          </p:cNvPr>
+          <p:cNvSpPr>
+            <a:spLocks noGrp="1" noRot="1" noChangeAspect="1" noMove="1" noResize="1" noEditPoints="1" noAdjustHandles="1" noChangeArrowheads="1" noChangeShapeType="1" noTextEdit="1"/>
+          </p:cNvSpPr>
+          <p:nvPr>
+            <p:extLst>
+              <p:ext uri="{386F3935-93C4-4BCD-93E2-E3B085C9AB24}">
+                <p16:designElem xmlns:p16="http://schemas.microsoft.com/office/powerpoint/2015/main" val="1"/>
+              </p:ext>
+            </p:extLst>
+          </p:nvPr>
+        </p:nvSpPr>
+        <p:spPr>
+          <a:xfrm>
+            <a:off x="3175" y="6400800"/>
+            <a:ext cx="12188825" cy="457200"/>
+          </a:xfrm>
+          <a:prstGeom prst="rect">
+            <a:avLst/>
+          </a:prstGeom>
+          <a:solidFill>
+            <a:srgbClr val="262626"/>
+          </a:solidFill>
+          <a:ln>
+            <a:noFill/>
+          </a:ln>
+        </p:spPr>
+        <p:style>
+          <a:lnRef idx="2">
+            <a:schemeClr val="accent1">
+              <a:shade val="50000"/>
+            </a:schemeClr>
+          </a:lnRef>
+          <a:fillRef idx="1">
+            <a:schemeClr val="accent1"/>
+          </a:fillRef>
+          <a:effectRef idx="0">
+            <a:schemeClr val="accent1"/>
+          </a:effectRef>
+          <a:fontRef idx="minor">
+            <a:schemeClr val="lt1"/>
+          </a:fontRef>
+        </p:style>
+      </p:sp>
+      <p:cxnSp>
+        <p:nvCxnSpPr>
+          <p:cNvPr id="35" name="Straight Connector 31">
+            <a:extLst>
+              <a:ext uri="{FF2B5EF4-FFF2-40B4-BE49-F238E27FC236}">
+                <a16:creationId xmlns:a16="http://schemas.microsoft.com/office/drawing/2014/main" id="{C5025DAC-8B93-4160-B017-3A274A5828C0}"/>
+              </a:ext>
+              <a:ext uri="{C183D7F6-B498-43B3-948B-1728B52AA6E4}">
+                <adec:decorative xmlns:adec="http://schemas.microsoft.com/office/drawing/2017/decorative" val="1"/>
+              </a:ext>
+            </a:extLst>
+          </p:cNvPr>
+          <p:cNvCxnSpPr>
+            <a:cxnSpLocks noGrp="1" noRot="1" noChangeAspect="1" noMove="1" noResize="1" noEditPoints="1" noAdjustHandles="1" noChangeArrowheads="1" noChangeShapeType="1"/>
+          </p:cNvCxnSpPr>
+          <p:nvPr>
+            <p:extLst>
+              <p:ext uri="{386F3935-93C4-4BCD-93E2-E3B085C9AB24}">
+                <p16:designElem xmlns:p16="http://schemas.microsoft.com/office/powerpoint/2015/main" val="1"/>
+              </p:ext>
+            </p:extLst>
+          </p:nvPr>
+        </p:nvCxnSpPr>
+        <p:spPr>
+          <a:xfrm>
+            <a:off x="1193532" y="1897380"/>
+            <a:ext cx="9966960" cy="0"/>
+          </a:xfrm>
+          <a:prstGeom prst="line">
+            <a:avLst/>
+          </a:prstGeom>
+          <a:ln w="12700">
+            <a:solidFill>
+              <a:schemeClr val="tx1">
+                <a:lumMod val="75000"/>
+                <a:lumOff val="25000"/>
+              </a:schemeClr>
+            </a:solidFill>
+          </a:ln>
+        </p:spPr>
+        <p:style>
+          <a:lnRef idx="1">
+            <a:schemeClr val="accent1"/>
+          </a:lnRef>
+          <a:fillRef idx="0">
+            <a:schemeClr val="accent1"/>
+          </a:fillRef>
+          <a:effectRef idx="0">
+            <a:schemeClr val="accent1"/>
+          </a:effectRef>
+          <a:fontRef idx="minor">
+            <a:schemeClr val="tx1"/>
+          </a:fontRef>
+        </p:style>
+      </p:cxnSp>
+      <p:sp useBgFill="1">
+        <p:nvSpPr>
+          <p:cNvPr id="39" name="Rectangle 33">
+            <a:extLst>
+              <a:ext uri="{FF2B5EF4-FFF2-40B4-BE49-F238E27FC236}">
+                <a16:creationId xmlns:a16="http://schemas.microsoft.com/office/drawing/2014/main" id="{990D0034-F768-41E7-85D4-F38C4DE85770}"/>
+              </a:ext>
+              <a:ext uri="{C183D7F6-B498-43B3-948B-1728B52AA6E4}">
+                <adec:decorative xmlns:adec="http://schemas.microsoft.com/office/drawing/2017/decorative" val="1"/>
+              </a:ext>
+            </a:extLst>
+          </p:cNvPr>
+          <p:cNvSpPr>
+            <a:spLocks noGrp="1" noRot="1" noChangeAspect="1" noMove="1" noResize="1" noEditPoints="1" noAdjustHandles="1" noChangeArrowheads="1" noChangeShapeType="1" noTextEdit="1"/>
+          </p:cNvSpPr>
+          <p:nvPr>
+            <p:extLst>
+              <p:ext uri="{386F3935-93C4-4BCD-93E2-E3B085C9AB24}">
+                <p16:designElem xmlns:p16="http://schemas.microsoft.com/office/powerpoint/2015/main" val="1"/>
+              </p:ext>
+            </p:extLst>
+          </p:nvPr>
+        </p:nvSpPr>
+        <p:spPr>
+          <a:xfrm>
+            <a:off x="0" y="0"/>
+            <a:ext cx="12186315" cy="6858000"/>
+          </a:xfrm>
+          <a:prstGeom prst="rect">
+            <a:avLst/>
+          </a:prstGeom>
+          <a:ln>
+            <a:noFill/>
+          </a:ln>
+        </p:spPr>
+        <p:style>
+          <a:lnRef idx="2">
+            <a:schemeClr val="accent6">
+              <a:shade val="50000"/>
+            </a:schemeClr>
+          </a:lnRef>
+          <a:fillRef idx="1001">
+            <a:schemeClr val="lt1"/>
+          </a:fillRef>
+          <a:effectRef idx="0">
+            <a:schemeClr val="accent6"/>
+          </a:effectRef>
+          <a:fontRef idx="minor">
+            <a:schemeClr val="lt1"/>
+          </a:fontRef>
+        </p:style>
+        <p:txBody>
+          <a:bodyPr rtlCol="0" anchor="ctr"/>
+          <a:lstStyle/>
+          <a:p>
+            <a:pPr algn="ctr"/>
+            <a:endParaRPr lang="en-US"/>
+          </a:p>
+        </p:txBody>
+      </p:sp>
+      <p:sp>
+        <p:nvSpPr>
+          <p:cNvPr id="2" name="Title 1">
+            <a:extLst>
+              <a:ext uri="{FF2B5EF4-FFF2-40B4-BE49-F238E27FC236}">
+                <a16:creationId xmlns:a16="http://schemas.microsoft.com/office/drawing/2014/main" id="{9B7088AE-6B34-FA4F-AA11-DAAE509A7E2A}"/>
+              </a:ext>
+            </a:extLst>
+          </p:cNvPr>
+          <p:cNvSpPr>
+            <a:spLocks noGrp="1"/>
+          </p:cNvSpPr>
+          <p:nvPr>
+            <p:ph type="title"/>
+          </p:nvPr>
+        </p:nvSpPr>
+        <p:spPr>
+          <a:xfrm>
+            <a:off x="477078" y="516836"/>
+            <a:ext cx="3100136" cy="1960234"/>
+          </a:xfrm>
+        </p:spPr>
+        <p:txBody>
+          <a:bodyPr vert="horz" lIns="91440" tIns="45720" rIns="91440" bIns="45720" rtlCol="0" anchor="b">
+            <a:normAutofit/>
+          </a:bodyPr>
+          <a:lstStyle/>
+          <a:p>
+            <a:r>
+              <a:rPr lang="en-US" sz="4000">
+                <a:solidFill>
+                  <a:schemeClr val="tx1">
+                    <a:lumMod val="75000"/>
+                    <a:lumOff val="25000"/>
+                  </a:schemeClr>
+                </a:solidFill>
+              </a:rPr>
+              <a:t>Diagram 0</a:t>
+            </a:r>
+          </a:p>
+        </p:txBody>
+      </p:sp>
+      <p:cxnSp>
+        <p:nvCxnSpPr>
+          <p:cNvPr id="40" name="Straight Connector 35">
+            <a:extLst>
+              <a:ext uri="{FF2B5EF4-FFF2-40B4-BE49-F238E27FC236}">
+                <a16:creationId xmlns:a16="http://schemas.microsoft.com/office/drawing/2014/main" id="{5A0A5CF6-407C-4691-8122-49DF69D0020D}"/>
+              </a:ext>
+              <a:ext uri="{C183D7F6-B498-43B3-948B-1728B52AA6E4}">
+                <adec:decorative xmlns:adec="http://schemas.microsoft.com/office/drawing/2017/decorative" val="1"/>
+              </a:ext>
+            </a:extLst>
+          </p:cNvPr>
+          <p:cNvCxnSpPr>
+            <a:cxnSpLocks noGrp="1" noRot="1" noChangeAspect="1" noMove="1" noResize="1" noEditPoints="1" noAdjustHandles="1" noChangeArrowheads="1" noChangeShapeType="1"/>
+          </p:cNvCxnSpPr>
+          <p:nvPr>
+            <p:extLst>
+              <p:ext uri="{386F3935-93C4-4BCD-93E2-E3B085C9AB24}">
+                <p16:designElem xmlns:p16="http://schemas.microsoft.com/office/powerpoint/2015/main" val="1"/>
+              </p:ext>
+            </p:extLst>
+          </p:nvPr>
+        </p:nvCxnSpPr>
+        <p:spPr>
+          <a:xfrm>
+            <a:off x="590927" y="2633962"/>
+            <a:ext cx="2834640" cy="0"/>
+          </a:xfrm>
+          <a:prstGeom prst="line">
+            <a:avLst/>
+          </a:prstGeom>
+          <a:ln w="12700">
+            <a:solidFill>
+              <a:schemeClr val="tx1">
+                <a:lumMod val="75000"/>
+                <a:lumOff val="25000"/>
+              </a:schemeClr>
+            </a:solidFill>
+          </a:ln>
+        </p:spPr>
+        <p:style>
+          <a:lnRef idx="1">
+            <a:schemeClr val="accent1"/>
+          </a:lnRef>
+          <a:fillRef idx="0">
+            <a:schemeClr val="accent1"/>
+          </a:fillRef>
+          <a:effectRef idx="0">
+            <a:schemeClr val="accent1"/>
+          </a:effectRef>
+          <a:fontRef idx="minor">
+            <a:schemeClr val="tx1"/>
+          </a:fontRef>
+        </p:style>
+      </p:cxnSp>
+      <p:sp>
+        <p:nvSpPr>
+          <p:cNvPr id="42" name="Content Placeholder 26">
+            <a:extLst>
+              <a:ext uri="{FF2B5EF4-FFF2-40B4-BE49-F238E27FC236}">
+                <a16:creationId xmlns:a16="http://schemas.microsoft.com/office/drawing/2014/main" id="{8E149A3B-89DD-4843-86C1-CEF8AFCAF50E}"/>
+              </a:ext>
+            </a:extLst>
+          </p:cNvPr>
+          <p:cNvSpPr>
+            <a:spLocks noGrp="1"/>
+          </p:cNvSpPr>
+          <p:nvPr>
+            <p:ph idx="1"/>
+          </p:nvPr>
+        </p:nvSpPr>
+        <p:spPr>
+          <a:xfrm>
+            <a:off x="492371" y="2790855"/>
+            <a:ext cx="3084844" cy="3311766"/>
+          </a:xfrm>
+        </p:spPr>
+        <p:txBody>
+          <a:bodyPr vert="horz" lIns="0" tIns="45720" rIns="0" bIns="45720" rtlCol="0">
+            <a:normAutofit/>
+          </a:bodyPr>
+          <a:lstStyle/>
+          <a:p>
+            <a:pPr>
+              <a:lnSpc>
+                <a:spcPct val="100000"/>
+              </a:lnSpc>
+            </a:pPr>
+            <a:endParaRPr lang="en-US" sz="1600"/>
+          </a:p>
+        </p:txBody>
+      </p:sp>
       <p:pic>
         <p:nvPicPr>
-          <p:cNvPr id="4" name="Picture 4" descr="Map&#10;&#10;Description automatically generated">
-            <a:extLst>
-              <a:ext uri="{FF2B5EF4-FFF2-40B4-BE49-F238E27FC236}">
-                <a16:creationId xmlns:a16="http://schemas.microsoft.com/office/drawing/2014/main" id="{57D7C29F-23C8-44B4-A0E3-91EC3D4EE222}"/>
-              </a:ext>
-            </a:extLst>
-          </p:cNvPr>
-          <p:cNvPicPr>
-            <a:picLocks noChangeAspect="1"/>
-          </p:cNvPicPr>
-          <p:nvPr/>
-        </p:nvPicPr>
-        <p:blipFill>
-          <a:blip r:embed="rId2"/>
-          <a:stretch>
-            <a:fillRect/>
-          </a:stretch>
-        </p:blipFill>
-        <p:spPr>
-          <a:xfrm>
-            <a:off x="747386" y="2147215"/>
-            <a:ext cx="3494761" cy="2521817"/>
-          </a:xfrm>
-          <a:prstGeom prst="rect">
-            <a:avLst/>
-          </a:prstGeom>
-        </p:spPr>
-      </p:pic>
-      <p:pic>
-        <p:nvPicPr>
-          <p:cNvPr id="5" name="Picture 5" descr="Graphical user interface, chart&#10;&#10;Description automatically generated">
-            <a:extLst>
-              <a:ext uri="{FF2B5EF4-FFF2-40B4-BE49-F238E27FC236}">
-                <a16:creationId xmlns:a16="http://schemas.microsoft.com/office/drawing/2014/main" id="{91E618DE-01ED-402E-8A37-D23BCBA7BF01}"/>
+          <p:cNvPr id="4" name="Picture 5" descr="Diagram&#10;&#10;Description automatically generated">
+            <a:extLst>
+              <a:ext uri="{FF2B5EF4-FFF2-40B4-BE49-F238E27FC236}">
+                <a16:creationId xmlns:a16="http://schemas.microsoft.com/office/drawing/2014/main" id="{1D0599B9-5879-413C-9A99-CCA788C6D728}"/>
               </a:ext>
             </a:extLst>
           </p:cNvPr>
@@ -4834,156 +5112,20 @@
         </p:blipFill>
         <p:spPr>
           <a:xfrm>
-            <a:off x="5173249" y="853829"/>
-            <a:ext cx="6720213" cy="3814229"/>
+            <a:off x="4310824" y="489542"/>
+            <a:ext cx="6891634" cy="5432867"/>
           </a:xfrm>
           <a:prstGeom prst="rect">
             <a:avLst/>
           </a:prstGeom>
         </p:spPr>
       </p:pic>
-      <p:sp>
-        <p:nvSpPr>
-          <p:cNvPr id="6" name="TextBox 5">
-            <a:extLst>
-              <a:ext uri="{FF2B5EF4-FFF2-40B4-BE49-F238E27FC236}">
-                <a16:creationId xmlns:a16="http://schemas.microsoft.com/office/drawing/2014/main" id="{ECB145B7-519C-4C53-91E6-FA5EE7F2FA0C}"/>
-              </a:ext>
-            </a:extLst>
-          </p:cNvPr>
-          <p:cNvSpPr txBox="1"/>
-          <p:nvPr/>
-        </p:nvSpPr>
-        <p:spPr>
-          <a:xfrm>
-            <a:off x="2417523" y="517742"/>
-            <a:ext cx="2544872" cy="1200329"/>
-          </a:xfrm>
-          <a:prstGeom prst="rect">
-            <a:avLst/>
-          </a:prstGeom>
-          <a:noFill/>
-        </p:spPr>
-        <p:txBody>
-          <a:bodyPr rot="0" spcFirstLastPara="0" vertOverflow="overflow" horzOverflow="overflow" vert="horz" wrap="square" lIns="91440" tIns="45720" rIns="91440" bIns="45720" numCol="1" spcCol="0" rtlCol="0" fromWordArt="0" anchor="t" anchorCtr="0" forceAA="0" compatLnSpc="1">
-            <a:prstTxWarp prst="textNoShape">
-              <a:avLst/>
-            </a:prstTxWarp>
-            <a:spAutoFit/>
-          </a:bodyPr>
-          <a:lstStyle/>
-          <a:p>
-            <a:r>
-              <a:rPr lang="en-US">
-                <a:solidFill>
-                  <a:srgbClr val="404040"/>
-                </a:solidFill>
-              </a:rPr>
-              <a:t>Example of an environment item (chest) that contains loot/ currency.</a:t>
-            </a:r>
-          </a:p>
-        </p:txBody>
-      </p:sp>
-      <p:sp>
-        <p:nvSpPr>
-          <p:cNvPr id="7" name="TextBox 6">
-            <a:extLst>
-              <a:ext uri="{FF2B5EF4-FFF2-40B4-BE49-F238E27FC236}">
-                <a16:creationId xmlns:a16="http://schemas.microsoft.com/office/drawing/2014/main" id="{0FD236B6-2DF7-420E-B243-C575D8FDB887}"/>
-              </a:ext>
-            </a:extLst>
-          </p:cNvPr>
-          <p:cNvSpPr txBox="1"/>
-          <p:nvPr/>
-        </p:nvSpPr>
-        <p:spPr>
-          <a:xfrm>
-            <a:off x="5298510" y="4839222"/>
-            <a:ext cx="6062597" cy="646331"/>
-          </a:xfrm>
-          <a:prstGeom prst="rect">
-            <a:avLst/>
-          </a:prstGeom>
-          <a:noFill/>
-        </p:spPr>
-        <p:txBody>
-          <a:bodyPr rot="0" spcFirstLastPara="0" vertOverflow="overflow" horzOverflow="overflow" vert="horz" wrap="square" lIns="91440" tIns="45720" rIns="91440" bIns="45720" numCol="1" spcCol="0" rtlCol="0" fromWordArt="0" anchor="t" anchorCtr="0" forceAA="0" compatLnSpc="1">
-            <a:prstTxWarp prst="textNoShape">
-              <a:avLst/>
-            </a:prstTxWarp>
-            <a:spAutoFit/>
-          </a:bodyPr>
-          <a:lstStyle/>
-          <a:p>
-            <a:r>
-              <a:rPr lang="en-US">
-                <a:solidFill>
-                  <a:srgbClr val="404040"/>
-                </a:solidFill>
-              </a:rPr>
-              <a:t>Example of vendor function with item menu to purchase loot.</a:t>
-            </a:r>
-          </a:p>
-          <a:p>
-            <a:r>
-              <a:rPr lang="en-US">
-                <a:solidFill>
-                  <a:srgbClr val="404040"/>
-                </a:solidFill>
-              </a:rPr>
-              <a:t>Currency system is also displayed.</a:t>
-            </a:r>
-          </a:p>
-        </p:txBody>
-      </p:sp>
-      <p:sp>
-        <p:nvSpPr>
-          <p:cNvPr id="8" name="TextBox 7">
-            <a:extLst>
-              <a:ext uri="{FF2B5EF4-FFF2-40B4-BE49-F238E27FC236}">
-                <a16:creationId xmlns:a16="http://schemas.microsoft.com/office/drawing/2014/main" id="{D4C4E279-BC11-42DD-99BB-53AB6B5C1C40}"/>
-              </a:ext>
-            </a:extLst>
-          </p:cNvPr>
-          <p:cNvSpPr txBox="1"/>
-          <p:nvPr/>
-        </p:nvSpPr>
-        <p:spPr>
-          <a:xfrm>
-            <a:off x="747386" y="4839222"/>
-            <a:ext cx="2743200" cy="1200329"/>
-          </a:xfrm>
-          <a:prstGeom prst="rect">
-            <a:avLst/>
-          </a:prstGeom>
-          <a:noFill/>
-        </p:spPr>
-        <p:txBody>
-          <a:bodyPr rot="0" spcFirstLastPara="0" vertOverflow="overflow" horzOverflow="overflow" vert="horz" wrap="square" lIns="91440" tIns="45720" rIns="91440" bIns="45720" numCol="1" spcCol="0" rtlCol="0" fromWordArt="0" anchor="t" anchorCtr="0" forceAA="0" compatLnSpc="1">
-            <a:prstTxWarp prst="textNoShape">
-              <a:avLst/>
-            </a:prstTxWarp>
-            <a:spAutoFit/>
-          </a:bodyPr>
-          <a:lstStyle/>
-          <a:p>
-            <a:r>
-              <a:rPr lang="en-US">
-                <a:solidFill>
-                  <a:srgbClr val="404040"/>
-                </a:solidFill>
-              </a:rPr>
-              <a:t>Currency can be found scattered in the map or dropped by monsters or chests.</a:t>
-            </a:r>
-          </a:p>
-        </p:txBody>
-      </p:sp>
       <p:pic>
         <p:nvPicPr>
-          <p:cNvPr id="9" name="Picture 10" descr="Graphical user interface, text, application&#10;&#10;Description automatically generated">
-            <a:extLst>
-              <a:ext uri="{FF2B5EF4-FFF2-40B4-BE49-F238E27FC236}">
-                <a16:creationId xmlns:a16="http://schemas.microsoft.com/office/drawing/2014/main" id="{8A2B73A0-C08B-49F7-B8A4-67A819A965E5}"/>
+          <p:cNvPr id="3" name="Picture 3" descr="Logo&#10;&#10;Description automatically generated">
+            <a:extLst>
+              <a:ext uri="{FF2B5EF4-FFF2-40B4-BE49-F238E27FC236}">
+                <a16:creationId xmlns:a16="http://schemas.microsoft.com/office/drawing/2014/main" id="{F6C589C8-C5D2-4398-8859-C9EFD779FF7F}"/>
               </a:ext>
             </a:extLst>
           </p:cNvPr>
@@ -5000,48 +5142,75 @@
         </p:blipFill>
         <p:spPr>
           <a:xfrm>
-            <a:off x="5298509" y="5487127"/>
-            <a:ext cx="3766158" cy="821089"/>
+            <a:off x="2751899" y="1807591"/>
+            <a:ext cx="665537" cy="674830"/>
           </a:xfrm>
           <a:prstGeom prst="rect">
             <a:avLst/>
           </a:prstGeom>
         </p:spPr>
       </p:pic>
-      <p:pic>
-        <p:nvPicPr>
-          <p:cNvPr id="2" name="Picture 10" descr="A picture containing text&#10;&#10;Description automatically generated">
-            <a:extLst>
-              <a:ext uri="{FF2B5EF4-FFF2-40B4-BE49-F238E27FC236}">
-                <a16:creationId xmlns:a16="http://schemas.microsoft.com/office/drawing/2014/main" id="{72A4B460-6476-478E-AF04-4E25A7A42B5C}"/>
-              </a:ext>
-            </a:extLst>
-          </p:cNvPr>
-          <p:cNvPicPr>
-            <a:picLocks noChangeAspect="1"/>
-          </p:cNvPicPr>
-          <p:nvPr/>
-        </p:nvPicPr>
-        <p:blipFill>
-          <a:blip r:embed="rId5"/>
-          <a:stretch>
-            <a:fillRect/>
-          </a:stretch>
-        </p:blipFill>
-        <p:spPr>
-          <a:xfrm>
-            <a:off x="857482" y="514350"/>
-            <a:ext cx="1314450" cy="1257300"/>
+      <p:sp>
+        <p:nvSpPr>
+          <p:cNvPr id="38" name="Rectangle 37">
+            <a:extLst>
+              <a:ext uri="{FF2B5EF4-FFF2-40B4-BE49-F238E27FC236}">
+                <a16:creationId xmlns:a16="http://schemas.microsoft.com/office/drawing/2014/main" id="{7A3E0404-86A9-40FA-8DB8-302414EE2D9E}"/>
+              </a:ext>
+              <a:ext uri="{C183D7F6-B498-43B3-948B-1728B52AA6E4}">
+                <adec:decorative xmlns:adec="http://schemas.microsoft.com/office/drawing/2017/decorative" val="1"/>
+              </a:ext>
+            </a:extLst>
+          </p:cNvPr>
+          <p:cNvSpPr>
+            <a:spLocks noGrp="1" noRot="1" noChangeAspect="1" noMove="1" noResize="1" noEditPoints="1" noAdjustHandles="1" noChangeArrowheads="1" noChangeShapeType="1" noTextEdit="1"/>
+          </p:cNvSpPr>
+          <p:nvPr>
+            <p:extLst>
+              <p:ext uri="{386F3935-93C4-4BCD-93E2-E3B085C9AB24}">
+                <p16:designElem xmlns:p16="http://schemas.microsoft.com/office/powerpoint/2015/main" val="1"/>
+              </p:ext>
+            </p:extLst>
+          </p:nvPr>
+        </p:nvSpPr>
+        <p:spPr>
+          <a:xfrm>
+            <a:off x="1" y="6400800"/>
+            <a:ext cx="12192000" cy="457200"/>
           </a:xfrm>
           <a:prstGeom prst="rect">
             <a:avLst/>
           </a:prstGeom>
-        </p:spPr>
-      </p:pic>
+          <a:solidFill>
+            <a:srgbClr val="262626">
+              <a:alpha val="95000"/>
+            </a:srgbClr>
+          </a:solidFill>
+          <a:ln>
+            <a:noFill/>
+          </a:ln>
+        </p:spPr>
+        <p:style>
+          <a:lnRef idx="2">
+            <a:schemeClr val="accent1">
+              <a:shade val="50000"/>
+            </a:schemeClr>
+          </a:lnRef>
+          <a:fillRef idx="1">
+            <a:schemeClr val="accent1"/>
+          </a:fillRef>
+          <a:effectRef idx="0">
+            <a:schemeClr val="accent1"/>
+          </a:effectRef>
+          <a:fontRef idx="minor">
+            <a:schemeClr val="lt1"/>
+          </a:fontRef>
+        </p:style>
+      </p:sp>
     </p:spTree>
     <p:extLst>
       <p:ext uri="{BB962C8B-B14F-4D97-AF65-F5344CB8AC3E}">
-        <p14:creationId xmlns:p14="http://schemas.microsoft.com/office/powerpoint/2010/main" val="1618110728"/>
+        <p14:creationId xmlns:p14="http://schemas.microsoft.com/office/powerpoint/2010/main" val="1126837105"/>
       </p:ext>
     </p:extLst>
   </p:cSld>
@@ -5070,10 +5239,10 @@
       </p:grpSpPr>
       <p:pic>
         <p:nvPicPr>
-          <p:cNvPr id="2" name="Picture 2" descr="A picture containing text&#10;&#10;Description automatically generated">
-            <a:extLst>
-              <a:ext uri="{FF2B5EF4-FFF2-40B4-BE49-F238E27FC236}">
-                <a16:creationId xmlns:a16="http://schemas.microsoft.com/office/drawing/2014/main" id="{3B07DD9B-63DF-4933-8EE8-E4672EB4B67A}"/>
+          <p:cNvPr id="4" name="Picture 4" descr="Map&#10;&#10;Description automatically generated">
+            <a:extLst>
+              <a:ext uri="{FF2B5EF4-FFF2-40B4-BE49-F238E27FC236}">
+                <a16:creationId xmlns:a16="http://schemas.microsoft.com/office/drawing/2014/main" id="{57D7C29F-23C8-44B4-A0E3-91EC3D4EE222}"/>
               </a:ext>
             </a:extLst>
           </p:cNvPr>
@@ -5090,8 +5259,8 @@
         </p:blipFill>
         <p:spPr>
           <a:xfrm>
-            <a:off x="928687" y="529812"/>
-            <a:ext cx="2902516" cy="2280651"/>
+            <a:off x="747386" y="2147215"/>
+            <a:ext cx="3494761" cy="2521817"/>
           </a:xfrm>
           <a:prstGeom prst="rect">
             <a:avLst/>
@@ -5100,10 +5269,10 @@
       </p:pic>
       <p:pic>
         <p:nvPicPr>
-          <p:cNvPr id="3" name="Picture 3" descr="A picture containing text&#10;&#10;Description automatically generated">
-            <a:extLst>
-              <a:ext uri="{FF2B5EF4-FFF2-40B4-BE49-F238E27FC236}">
-                <a16:creationId xmlns:a16="http://schemas.microsoft.com/office/drawing/2014/main" id="{399BC3F5-F141-43F2-B16B-5EB9B75BA040}"/>
+          <p:cNvPr id="5" name="Picture 5" descr="Graphical user interface, chart&#10;&#10;Description automatically generated">
+            <a:extLst>
+              <a:ext uri="{FF2B5EF4-FFF2-40B4-BE49-F238E27FC236}">
+                <a16:creationId xmlns:a16="http://schemas.microsoft.com/office/drawing/2014/main" id="{91E618DE-01ED-402E-8A37-D23BCBA7BF01}"/>
               </a:ext>
             </a:extLst>
           </p:cNvPr>
@@ -5120,8 +5289,8 @@
         </p:blipFill>
         <p:spPr>
           <a:xfrm>
-            <a:off x="1203151" y="3433958"/>
-            <a:ext cx="2416218" cy="2150823"/>
+            <a:off x="5173249" y="853829"/>
+            <a:ext cx="6720213" cy="3814229"/>
           </a:xfrm>
           <a:prstGeom prst="rect">
             <a:avLst/>
@@ -5130,10 +5299,10 @@
       </p:pic>
       <p:sp>
         <p:nvSpPr>
-          <p:cNvPr id="5" name="TextBox 4">
-            <a:extLst>
-              <a:ext uri="{FF2B5EF4-FFF2-40B4-BE49-F238E27FC236}">
-                <a16:creationId xmlns:a16="http://schemas.microsoft.com/office/drawing/2014/main" id="{78C68ECF-1759-4CB9-AAE1-99FA2D0F1C1D}"/>
+          <p:cNvPr id="6" name="TextBox 5">
+            <a:extLst>
+              <a:ext uri="{FF2B5EF4-FFF2-40B4-BE49-F238E27FC236}">
+                <a16:creationId xmlns:a16="http://schemas.microsoft.com/office/drawing/2014/main" id="{ECB145B7-519C-4C53-91E6-FA5EE7F2FA0C}"/>
               </a:ext>
             </a:extLst>
           </p:cNvPr>
@@ -5142,8 +5311,8 @@
         </p:nvSpPr>
         <p:spPr>
           <a:xfrm>
-            <a:off x="4066784" y="1164919"/>
-            <a:ext cx="2544872" cy="646331"/>
+            <a:off x="2417523" y="517742"/>
+            <a:ext cx="2544872" cy="1200329"/>
           </a:xfrm>
           <a:prstGeom prst="rect">
             <a:avLst/>
@@ -5165,7 +5334,7 @@
                   <a:srgbClr val="404040"/>
                 </a:solidFill>
               </a:rPr>
-              <a:t>Player can attack the enemy.</a:t>
+              <a:t>Example of an environment item (chest) that contains loot/ currency.</a:t>
             </a:r>
           </a:p>
         </p:txBody>
@@ -5175,7 +5344,7 @@
           <p:cNvPr id="7" name="TextBox 6">
             <a:extLst>
               <a:ext uri="{FF2B5EF4-FFF2-40B4-BE49-F238E27FC236}">
-                <a16:creationId xmlns:a16="http://schemas.microsoft.com/office/drawing/2014/main" id="{2E31D0E3-AD0C-42CD-BA93-F2162F4FA409}"/>
+                <a16:creationId xmlns:a16="http://schemas.microsoft.com/office/drawing/2014/main" id="{0FD236B6-2DF7-420E-B243-C575D8FDB887}"/>
               </a:ext>
             </a:extLst>
           </p:cNvPr>
@@ -5184,8 +5353,8 @@
         </p:nvSpPr>
         <p:spPr>
           <a:xfrm>
-            <a:off x="3826701" y="3430043"/>
-            <a:ext cx="2544872" cy="1200329"/>
+            <a:off x="5298510" y="4839222"/>
+            <a:ext cx="6062597" cy="646331"/>
           </a:xfrm>
           <a:prstGeom prst="rect">
             <a:avLst/>
@@ -5207,17 +5376,69 @@
                   <a:srgbClr val="404040"/>
                 </a:solidFill>
               </a:rPr>
-              <a:t>Enemy attacks player once they are in range and can follow the player via Astar Pathfinding.</a:t>
+              <a:t>Example of vendor function with item menu to purchase loot.</a:t>
+            </a:r>
+          </a:p>
+          <a:p>
+            <a:r>
+              <a:rPr lang="en-US">
+                <a:solidFill>
+                  <a:srgbClr val="404040"/>
+                </a:solidFill>
+              </a:rPr>
+              <a:t>Currency system is also displayed.</a:t>
+            </a:r>
+          </a:p>
+        </p:txBody>
+      </p:sp>
+      <p:sp>
+        <p:nvSpPr>
+          <p:cNvPr id="8" name="TextBox 7">
+            <a:extLst>
+              <a:ext uri="{FF2B5EF4-FFF2-40B4-BE49-F238E27FC236}">
+                <a16:creationId xmlns:a16="http://schemas.microsoft.com/office/drawing/2014/main" id="{D4C4E279-BC11-42DD-99BB-53AB6B5C1C40}"/>
+              </a:ext>
+            </a:extLst>
+          </p:cNvPr>
+          <p:cNvSpPr txBox="1"/>
+          <p:nvPr/>
+        </p:nvSpPr>
+        <p:spPr>
+          <a:xfrm>
+            <a:off x="747386" y="4839222"/>
+            <a:ext cx="2743200" cy="1200329"/>
+          </a:xfrm>
+          <a:prstGeom prst="rect">
+            <a:avLst/>
+          </a:prstGeom>
+          <a:noFill/>
+        </p:spPr>
+        <p:txBody>
+          <a:bodyPr rot="0" spcFirstLastPara="0" vertOverflow="overflow" horzOverflow="overflow" vert="horz" wrap="square" lIns="91440" tIns="45720" rIns="91440" bIns="45720" numCol="1" spcCol="0" rtlCol="0" fromWordArt="0" anchor="t" anchorCtr="0" forceAA="0" compatLnSpc="1">
+            <a:prstTxWarp prst="textNoShape">
+              <a:avLst/>
+            </a:prstTxWarp>
+            <a:spAutoFit/>
+          </a:bodyPr>
+          <a:lstStyle/>
+          <a:p>
+            <a:r>
+              <a:rPr lang="en-US">
+                <a:solidFill>
+                  <a:srgbClr val="404040"/>
+                </a:solidFill>
+              </a:rPr>
+              <a:t>Currency can be found scattered in the map or dropped by monsters or chests.</a:t>
             </a:r>
           </a:p>
         </p:txBody>
       </p:sp>
       <p:pic>
         <p:nvPicPr>
-          <p:cNvPr id="8" name="Picture 8" descr="Graphical user interface&#10;&#10;Description automatically generated">
-            <a:extLst>
-              <a:ext uri="{FF2B5EF4-FFF2-40B4-BE49-F238E27FC236}">
-                <a16:creationId xmlns:a16="http://schemas.microsoft.com/office/drawing/2014/main" id="{64930194-9584-42A5-80E2-0201930AF9FB}"/>
+          <p:cNvPr id="9" name="Picture 10" descr="Graphical user interface, text, application&#10;&#10;Description automatically generated">
+            <a:extLst>
+              <a:ext uri="{FF2B5EF4-FFF2-40B4-BE49-F238E27FC236}">
+                <a16:creationId xmlns:a16="http://schemas.microsoft.com/office/drawing/2014/main" id="{8A2B73A0-C08B-49F7-B8A4-67A819A965E5}"/>
               </a:ext>
             </a:extLst>
           </p:cNvPr>
@@ -5234,60 +5455,48 @@
         </p:blipFill>
         <p:spPr>
           <a:xfrm>
-            <a:off x="7196397" y="2241049"/>
-            <a:ext cx="1911915" cy="1613900"/>
+            <a:off x="5298509" y="5487127"/>
+            <a:ext cx="3766158" cy="821089"/>
           </a:xfrm>
           <a:prstGeom prst="rect">
             <a:avLst/>
           </a:prstGeom>
         </p:spPr>
       </p:pic>
-      <p:sp>
-        <p:nvSpPr>
-          <p:cNvPr id="9" name="TextBox 8">
-            <a:extLst>
-              <a:ext uri="{FF2B5EF4-FFF2-40B4-BE49-F238E27FC236}">
-                <a16:creationId xmlns:a16="http://schemas.microsoft.com/office/drawing/2014/main" id="{9710DBD9-D263-49DE-A998-7FE54497E4E9}"/>
-              </a:ext>
-            </a:extLst>
-          </p:cNvPr>
-          <p:cNvSpPr txBox="1"/>
+      <p:pic>
+        <p:nvPicPr>
+          <p:cNvPr id="2" name="Picture 10" descr="A picture containing text&#10;&#10;Description automatically generated">
+            <a:extLst>
+              <a:ext uri="{FF2B5EF4-FFF2-40B4-BE49-F238E27FC236}">
+                <a16:creationId xmlns:a16="http://schemas.microsoft.com/office/drawing/2014/main" id="{72A4B460-6476-478E-AF04-4E25A7A42B5C}"/>
+              </a:ext>
+            </a:extLst>
+          </p:cNvPr>
+          <p:cNvPicPr>
+            <a:picLocks noChangeAspect="1"/>
+          </p:cNvPicPr>
           <p:nvPr/>
-        </p:nvSpPr>
-        <p:spPr>
-          <a:xfrm>
-            <a:off x="9118947" y="2448837"/>
-            <a:ext cx="2544872" cy="646331"/>
+        </p:nvPicPr>
+        <p:blipFill>
+          <a:blip r:embed="rId5"/>
+          <a:stretch>
+            <a:fillRect/>
+          </a:stretch>
+        </p:blipFill>
+        <p:spPr>
+          <a:xfrm>
+            <a:off x="857482" y="514350"/>
+            <a:ext cx="1314450" cy="1257300"/>
           </a:xfrm>
           <a:prstGeom prst="rect">
             <a:avLst/>
           </a:prstGeom>
-          <a:noFill/>
-        </p:spPr>
-        <p:txBody>
-          <a:bodyPr rot="0" spcFirstLastPara="0" vertOverflow="overflow" horzOverflow="overflow" vert="horz" wrap="square" lIns="91440" tIns="45720" rIns="91440" bIns="45720" numCol="1" spcCol="0" rtlCol="0" fromWordArt="0" anchor="t" anchorCtr="0" forceAA="0" compatLnSpc="1">
-            <a:prstTxWarp prst="textNoShape">
-              <a:avLst/>
-            </a:prstTxWarp>
-            <a:spAutoFit/>
-          </a:bodyPr>
-          <a:lstStyle/>
-          <a:p>
-            <a:r>
-              <a:rPr lang="en-US">
-                <a:solidFill>
-                  <a:srgbClr val="404040"/>
-                </a:solidFill>
-              </a:rPr>
-              <a:t>Potential environmental traps.</a:t>
-            </a:r>
-          </a:p>
-        </p:txBody>
-      </p:sp>
+        </p:spPr>
+      </p:pic>
     </p:spTree>
     <p:extLst>
       <p:ext uri="{BB962C8B-B14F-4D97-AF65-F5344CB8AC3E}">
-        <p14:creationId xmlns:p14="http://schemas.microsoft.com/office/powerpoint/2010/main" val="2253859036"/>
+        <p14:creationId xmlns:p14="http://schemas.microsoft.com/office/powerpoint/2010/main" val="1618110728"/>
       </p:ext>
     </p:extLst>
   </p:cSld>
@@ -5314,182 +5523,12 @@
           <a:chExt cx="0" cy="0"/>
         </a:xfrm>
       </p:grpSpPr>
-      <p:sp>
-        <p:nvSpPr>
-          <p:cNvPr id="10" name="Rectangle 14">
-            <a:extLst>
-              <a:ext uri="{FF2B5EF4-FFF2-40B4-BE49-F238E27FC236}">
-                <a16:creationId xmlns:a16="http://schemas.microsoft.com/office/drawing/2014/main" id="{416A0E3C-60E6-4F39-BC55-5F7C224E1F7C}"/>
-              </a:ext>
-              <a:ext uri="{C183D7F6-B498-43B3-948B-1728B52AA6E4}">
-                <adec:decorative xmlns:adec="http://schemas.microsoft.com/office/drawing/2017/decorative" val="1"/>
-              </a:ext>
-            </a:extLst>
-          </p:cNvPr>
-          <p:cNvSpPr>
-            <a:spLocks noGrp="1" noRot="1" noChangeAspect="1" noMove="1" noResize="1" noEditPoints="1" noAdjustHandles="1" noChangeArrowheads="1" noChangeShapeType="1" noTextEdit="1"/>
-          </p:cNvSpPr>
-          <p:nvPr>
-            <p:extLst>
-              <p:ext uri="{386F3935-93C4-4BCD-93E2-E3B085C9AB24}">
-                <p16:designElem xmlns:p16="http://schemas.microsoft.com/office/powerpoint/2015/main" val="1"/>
-              </p:ext>
-            </p:extLst>
-          </p:nvPr>
-        </p:nvSpPr>
-        <p:spPr>
-          <a:xfrm>
-            <a:off x="3175" y="6400800"/>
-            <a:ext cx="12188825" cy="457200"/>
-          </a:xfrm>
-          <a:prstGeom prst="rect">
-            <a:avLst/>
-          </a:prstGeom>
-          <a:solidFill>
-            <a:srgbClr val="262626"/>
-          </a:solidFill>
-          <a:ln>
-            <a:noFill/>
-          </a:ln>
-        </p:spPr>
-        <p:style>
-          <a:lnRef idx="2">
-            <a:schemeClr val="accent1">
-              <a:shade val="50000"/>
-            </a:schemeClr>
-          </a:lnRef>
-          <a:fillRef idx="1">
-            <a:schemeClr val="accent1"/>
-          </a:fillRef>
-          <a:effectRef idx="0">
-            <a:schemeClr val="accent1"/>
-          </a:effectRef>
-          <a:fontRef idx="minor">
-            <a:schemeClr val="lt1"/>
-          </a:fontRef>
-        </p:style>
-      </p:sp>
-      <p:cxnSp>
-        <p:nvCxnSpPr>
-          <p:cNvPr id="14" name="Straight Connector 16">
-            <a:extLst>
-              <a:ext uri="{FF2B5EF4-FFF2-40B4-BE49-F238E27FC236}">
-                <a16:creationId xmlns:a16="http://schemas.microsoft.com/office/drawing/2014/main" id="{C5025DAC-8B93-4160-B017-3A274A5828C0}"/>
-              </a:ext>
-              <a:ext uri="{C183D7F6-B498-43B3-948B-1728B52AA6E4}">
-                <adec:decorative xmlns:adec="http://schemas.microsoft.com/office/drawing/2017/decorative" val="1"/>
-              </a:ext>
-            </a:extLst>
-          </p:cNvPr>
-          <p:cNvCxnSpPr>
-            <a:cxnSpLocks noGrp="1" noRot="1" noChangeAspect="1" noMove="1" noResize="1" noEditPoints="1" noAdjustHandles="1" noChangeArrowheads="1" noChangeShapeType="1"/>
-          </p:cNvCxnSpPr>
-          <p:nvPr>
-            <p:extLst>
-              <p:ext uri="{386F3935-93C4-4BCD-93E2-E3B085C9AB24}">
-                <p16:designElem xmlns:p16="http://schemas.microsoft.com/office/powerpoint/2015/main" val="1"/>
-              </p:ext>
-            </p:extLst>
-          </p:nvPr>
-        </p:nvCxnSpPr>
-        <p:spPr>
-          <a:xfrm>
-            <a:off x="1193532" y="1897380"/>
-            <a:ext cx="9966960" cy="0"/>
-          </a:xfrm>
-          <a:prstGeom prst="line">
-            <a:avLst/>
-          </a:prstGeom>
-          <a:ln w="12700">
-            <a:solidFill>
-              <a:schemeClr val="tx1">
-                <a:lumMod val="75000"/>
-                <a:lumOff val="25000"/>
-              </a:schemeClr>
-            </a:solidFill>
-          </a:ln>
-        </p:spPr>
-        <p:style>
-          <a:lnRef idx="1">
-            <a:schemeClr val="accent1"/>
-          </a:lnRef>
-          <a:fillRef idx="0">
-            <a:schemeClr val="accent1"/>
-          </a:fillRef>
-          <a:effectRef idx="0">
-            <a:schemeClr val="accent1"/>
-          </a:effectRef>
-          <a:fontRef idx="minor">
-            <a:schemeClr val="tx1"/>
-          </a:fontRef>
-        </p:style>
-      </p:cxnSp>
-      <p:sp useBgFill="1">
-        <p:nvSpPr>
-          <p:cNvPr id="16" name="Rectangle 18">
-            <a:extLst>
-              <a:ext uri="{FF2B5EF4-FFF2-40B4-BE49-F238E27FC236}">
-                <a16:creationId xmlns:a16="http://schemas.microsoft.com/office/drawing/2014/main" id="{39B4056F-1959-4627-A683-77F6C0603FCD}"/>
-              </a:ext>
-              <a:ext uri="{C183D7F6-B498-43B3-948B-1728B52AA6E4}">
-                <adec:decorative xmlns:adec="http://schemas.microsoft.com/office/drawing/2017/decorative" val="1"/>
-              </a:ext>
-            </a:extLst>
-          </p:cNvPr>
-          <p:cNvSpPr>
-            <a:spLocks noGrp="1" noRot="1" noChangeAspect="1" noMove="1" noResize="1" noEditPoints="1" noAdjustHandles="1" noChangeArrowheads="1" noChangeShapeType="1" noTextEdit="1"/>
-          </p:cNvSpPr>
-          <p:nvPr>
-            <p:extLst>
-              <p:ext uri="{386F3935-93C4-4BCD-93E2-E3B085C9AB24}">
-                <p16:designElem xmlns:p16="http://schemas.microsoft.com/office/powerpoint/2015/main" val="1"/>
-              </p:ext>
-            </p:extLst>
-          </p:nvPr>
-        </p:nvSpPr>
-        <p:spPr>
-          <a:xfrm>
-            <a:off x="0" y="0"/>
-            <a:ext cx="12192001" cy="6858000"/>
-          </a:xfrm>
-          <a:prstGeom prst="rect">
-            <a:avLst/>
-          </a:prstGeom>
-          <a:ln>
-            <a:noFill/>
-          </a:ln>
-        </p:spPr>
-        <p:style>
-          <a:lnRef idx="2">
-            <a:schemeClr val="accent1">
-              <a:shade val="50000"/>
-            </a:schemeClr>
-          </a:lnRef>
-          <a:fillRef idx="1">
-            <a:schemeClr val="accent1"/>
-          </a:fillRef>
-          <a:effectRef idx="0">
-            <a:schemeClr val="accent1"/>
-          </a:effectRef>
-          <a:fontRef idx="minor">
-            <a:schemeClr val="lt1"/>
-          </a:fontRef>
-        </p:style>
-        <p:txBody>
-          <a:bodyPr rtlCol="0" anchor="ctr"/>
-          <a:lstStyle/>
-          <a:p>
-            <a:pPr algn="ctr"/>
-            <a:endParaRPr lang="en-US"/>
-          </a:p>
-        </p:txBody>
-      </p:sp>
       <p:pic>
         <p:nvPicPr>
-          <p:cNvPr id="8" name="Content Placeholder 7" descr="Diagram&#10;&#10;Description automatically generated">
-            <a:extLst>
-              <a:ext uri="{FF2B5EF4-FFF2-40B4-BE49-F238E27FC236}">
-                <a16:creationId xmlns:a16="http://schemas.microsoft.com/office/drawing/2014/main" id="{5548CC35-8784-A147-A895-EFE13DC2A69D}"/>
+          <p:cNvPr id="2" name="Picture 2" descr="A picture containing text&#10;&#10;Description automatically generated">
+            <a:extLst>
+              <a:ext uri="{FF2B5EF4-FFF2-40B4-BE49-F238E27FC236}">
+                <a16:creationId xmlns:a16="http://schemas.microsoft.com/office/drawing/2014/main" id="{3B07DD9B-63DF-4933-8EE8-E4672EB4B67A}"/>
               </a:ext>
             </a:extLst>
           </p:cNvPr>
@@ -5499,185 +5538,148 @@
           <p:nvPr/>
         </p:nvPicPr>
         <p:blipFill>
-          <a:blip r:embed="rId3">
-            <a:extLst>
-              <a:ext uri="{28A0092B-C50C-407E-A947-70E740481C1C}">
-                <a14:useLocalDpi xmlns:a14="http://schemas.microsoft.com/office/drawing/2010/main" val="0"/>
-              </a:ext>
-            </a:extLst>
-          </a:blip>
+          <a:blip r:embed="rId2"/>
           <a:stretch>
             <a:fillRect/>
           </a:stretch>
         </p:blipFill>
         <p:spPr>
           <a:xfrm>
-            <a:off x="0" y="0"/>
-            <a:ext cx="12190459" cy="4625521"/>
+            <a:off x="928687" y="529812"/>
+            <a:ext cx="2902516" cy="2280651"/>
           </a:xfrm>
           <a:prstGeom prst="rect">
             <a:avLst/>
           </a:prstGeom>
         </p:spPr>
       </p:pic>
-      <p:sp>
-        <p:nvSpPr>
-          <p:cNvPr id="21" name="Rectangle 20">
-            <a:extLst>
-              <a:ext uri="{FF2B5EF4-FFF2-40B4-BE49-F238E27FC236}">
-                <a16:creationId xmlns:a16="http://schemas.microsoft.com/office/drawing/2014/main" id="{D8D7349B-C9FA-4FCE-A1FF-948F460A3A9A}"/>
-              </a:ext>
-              <a:ext uri="{C183D7F6-B498-43B3-948B-1728B52AA6E4}">
-                <adec:decorative xmlns:adec="http://schemas.microsoft.com/office/drawing/2017/decorative" val="1"/>
-              </a:ext>
-            </a:extLst>
-          </p:cNvPr>
-          <p:cNvSpPr>
-            <a:spLocks noGrp="1" noRot="1" noChangeAspect="1" noMove="1" noResize="1" noEditPoints="1" noAdjustHandles="1" noChangeArrowheads="1" noChangeShapeType="1" noTextEdit="1"/>
-          </p:cNvSpPr>
-          <p:nvPr>
-            <p:extLst>
-              <p:ext uri="{386F3935-93C4-4BCD-93E2-E3B085C9AB24}">
-                <p16:designElem xmlns:p16="http://schemas.microsoft.com/office/powerpoint/2015/main" val="1"/>
-              </p:ext>
-            </p:extLst>
-          </p:nvPr>
-        </p:nvSpPr>
-        <p:spPr bwMode="white">
-          <a:xfrm>
-            <a:off x="1507" y="4554906"/>
-            <a:ext cx="12188952" cy="2303094"/>
+      <p:pic>
+        <p:nvPicPr>
+          <p:cNvPr id="3" name="Picture 3" descr="A picture containing text&#10;&#10;Description automatically generated">
+            <a:extLst>
+              <a:ext uri="{FF2B5EF4-FFF2-40B4-BE49-F238E27FC236}">
+                <a16:creationId xmlns:a16="http://schemas.microsoft.com/office/drawing/2014/main" id="{399BC3F5-F141-43F2-B16B-5EB9B75BA040}"/>
+              </a:ext>
+            </a:extLst>
+          </p:cNvPr>
+          <p:cNvPicPr>
+            <a:picLocks noChangeAspect="1"/>
+          </p:cNvPicPr>
+          <p:nvPr/>
+        </p:nvPicPr>
+        <p:blipFill>
+          <a:blip r:embed="rId3"/>
+          <a:stretch>
+            <a:fillRect/>
+          </a:stretch>
+        </p:blipFill>
+        <p:spPr>
+          <a:xfrm>
+            <a:off x="1203151" y="3433958"/>
+            <a:ext cx="2416218" cy="2150823"/>
           </a:xfrm>
           <a:prstGeom prst="rect">
             <a:avLst/>
           </a:prstGeom>
-          <a:solidFill>
-            <a:srgbClr val="3B5236"/>
-          </a:solidFill>
-          <a:ln>
-            <a:noFill/>
-          </a:ln>
-        </p:spPr>
-        <p:style>
-          <a:lnRef idx="2">
-            <a:schemeClr val="accent1">
-              <a:shade val="50000"/>
-            </a:schemeClr>
-          </a:lnRef>
-          <a:fillRef idx="1">
-            <a:schemeClr val="accent1"/>
-          </a:fillRef>
-          <a:effectRef idx="0">
-            <a:schemeClr val="accent1"/>
-          </a:effectRef>
-          <a:fontRef idx="minor">
-            <a:schemeClr val="lt1"/>
-          </a:fontRef>
-        </p:style>
-      </p:sp>
-      <p:sp>
-        <p:nvSpPr>
-          <p:cNvPr id="2" name="Title 1">
-            <a:extLst>
-              <a:ext uri="{FF2B5EF4-FFF2-40B4-BE49-F238E27FC236}">
-                <a16:creationId xmlns:a16="http://schemas.microsoft.com/office/drawing/2014/main" id="{9B7088AE-6B34-FA4F-AA11-DAAE509A7E2A}"/>
-              </a:ext>
-            </a:extLst>
-          </p:cNvPr>
-          <p:cNvSpPr>
-            <a:spLocks noGrp="1"/>
-          </p:cNvSpPr>
-          <p:nvPr>
-            <p:ph type="title"/>
-          </p:nvPr>
-        </p:nvSpPr>
-        <p:spPr>
-          <a:xfrm>
-            <a:off x="633999" y="4585258"/>
-            <a:ext cx="4988879" cy="1554485"/>
-          </a:xfrm>
-        </p:spPr>
-        <p:txBody>
-          <a:bodyPr vert="horz" lIns="91440" tIns="45720" rIns="91440" bIns="45720" rtlCol="0" anchor="ctr">
-            <a:normAutofit/>
+        </p:spPr>
+      </p:pic>
+      <p:sp>
+        <p:nvSpPr>
+          <p:cNvPr id="5" name="TextBox 4">
+            <a:extLst>
+              <a:ext uri="{FF2B5EF4-FFF2-40B4-BE49-F238E27FC236}">
+                <a16:creationId xmlns:a16="http://schemas.microsoft.com/office/drawing/2014/main" id="{78C68ECF-1759-4CB9-AAE1-99FA2D0F1C1D}"/>
+              </a:ext>
+            </a:extLst>
+          </p:cNvPr>
+          <p:cNvSpPr txBox="1"/>
+          <p:nvPr/>
+        </p:nvSpPr>
+        <p:spPr>
+          <a:xfrm>
+            <a:off x="4066784" y="1164919"/>
+            <a:ext cx="2544872" cy="646331"/>
+          </a:xfrm>
+          <a:prstGeom prst="rect">
+            <a:avLst/>
+          </a:prstGeom>
+          <a:noFill/>
+        </p:spPr>
+        <p:txBody>
+          <a:bodyPr rot="0" spcFirstLastPara="0" vertOverflow="overflow" horzOverflow="overflow" vert="horz" wrap="square" lIns="91440" tIns="45720" rIns="91440" bIns="45720" numCol="1" spcCol="0" rtlCol="0" fromWordArt="0" anchor="t" anchorCtr="0" forceAA="0" compatLnSpc="1">
+            <a:prstTxWarp prst="textNoShape">
+              <a:avLst/>
+            </a:prstTxWarp>
+            <a:spAutoFit/>
           </a:bodyPr>
           <a:lstStyle/>
           <a:p>
-            <a:pPr algn="r"/>
-            <a:r>
-              <a:rPr lang="en-US" sz="4000"/>
-              <a:t>Diagram 0</a:t>
-            </a:r>
-          </a:p>
-        </p:txBody>
-      </p:sp>
-      <p:cxnSp>
-        <p:nvCxnSpPr>
-          <p:cNvPr id="23" name="Straight Connector 22">
-            <a:extLst>
-              <a:ext uri="{FF2B5EF4-FFF2-40B4-BE49-F238E27FC236}">
-                <a16:creationId xmlns:a16="http://schemas.microsoft.com/office/drawing/2014/main" id="{55646586-8E5D-4A2B-BDA9-01CE28AC89A1}"/>
-              </a:ext>
-              <a:ext uri="{C183D7F6-B498-43B3-948B-1728B52AA6E4}">
-                <adec:decorative xmlns:adec="http://schemas.microsoft.com/office/drawing/2017/decorative" val="1"/>
-              </a:ext>
-            </a:extLst>
-          </p:cNvPr>
-          <p:cNvCxnSpPr>
-            <a:cxnSpLocks noGrp="1" noRot="1" noChangeAspect="1" noMove="1" noResize="1" noEditPoints="1" noAdjustHandles="1" noChangeArrowheads="1" noChangeShapeType="1"/>
-          </p:cNvCxnSpPr>
-          <p:nvPr>
-            <p:extLst>
-              <p:ext uri="{386F3935-93C4-4BCD-93E2-E3B085C9AB24}">
-                <p16:designElem xmlns:p16="http://schemas.microsoft.com/office/powerpoint/2015/main" val="1"/>
-              </p:ext>
-            </p:extLst>
-          </p:nvPr>
-        </p:nvCxnSpPr>
-        <p:spPr>
-          <a:xfrm>
-            <a:off x="5820770" y="5247564"/>
-            <a:ext cx="0" cy="873457"/>
-          </a:xfrm>
-          <a:prstGeom prst="line">
-            <a:avLst/>
-          </a:prstGeom>
-          <a:ln w="19050">
-            <a:solidFill>
-              <a:srgbClr val="016BF0"/>
-            </a:solidFill>
-          </a:ln>
-        </p:spPr>
-        <p:style>
-          <a:lnRef idx="1">
-            <a:schemeClr val="accent1"/>
-          </a:lnRef>
-          <a:fillRef idx="0">
-            <a:schemeClr val="accent1"/>
-          </a:fillRef>
-          <a:effectRef idx="0">
-            <a:schemeClr val="accent1"/>
-          </a:effectRef>
-          <a:fontRef idx="minor">
-            <a:schemeClr val="tx1"/>
-          </a:fontRef>
-        </p:style>
-      </p:cxnSp>
+            <a:r>
+              <a:rPr lang="en-US">
+                <a:solidFill>
+                  <a:srgbClr val="404040"/>
+                </a:solidFill>
+              </a:rPr>
+              <a:t>Player can attack the enemy.</a:t>
+            </a:r>
+          </a:p>
+        </p:txBody>
+      </p:sp>
+      <p:sp>
+        <p:nvSpPr>
+          <p:cNvPr id="7" name="TextBox 6">
+            <a:extLst>
+              <a:ext uri="{FF2B5EF4-FFF2-40B4-BE49-F238E27FC236}">
+                <a16:creationId xmlns:a16="http://schemas.microsoft.com/office/drawing/2014/main" id="{2E31D0E3-AD0C-42CD-BA93-F2162F4FA409}"/>
+              </a:ext>
+            </a:extLst>
+          </p:cNvPr>
+          <p:cNvSpPr txBox="1"/>
+          <p:nvPr/>
+        </p:nvSpPr>
+        <p:spPr>
+          <a:xfrm>
+            <a:off x="3826701" y="3430043"/>
+            <a:ext cx="2544872" cy="1200329"/>
+          </a:xfrm>
+          <a:prstGeom prst="rect">
+            <a:avLst/>
+          </a:prstGeom>
+          <a:noFill/>
+        </p:spPr>
+        <p:txBody>
+          <a:bodyPr rot="0" spcFirstLastPara="0" vertOverflow="overflow" horzOverflow="overflow" vert="horz" wrap="square" lIns="91440" tIns="45720" rIns="91440" bIns="45720" numCol="1" spcCol="0" rtlCol="0" fromWordArt="0" anchor="t" anchorCtr="0" forceAA="0" compatLnSpc="1">
+            <a:prstTxWarp prst="textNoShape">
+              <a:avLst/>
+            </a:prstTxWarp>
+            <a:spAutoFit/>
+          </a:bodyPr>
+          <a:lstStyle/>
+          <a:p>
+            <a:r>
+              <a:rPr lang="en-US">
+                <a:solidFill>
+                  <a:srgbClr val="404040"/>
+                </a:solidFill>
+              </a:rPr>
+              <a:t>Enemy attacks player once they are in range and can follow the player via Astar Pathfinding.</a:t>
+            </a:r>
+          </a:p>
+        </p:txBody>
+      </p:sp>
       <p:pic>
         <p:nvPicPr>
-          <p:cNvPr id="11" name="Picture 4" descr="A picture containing shape&#10;&#10;Description automatically generated">
-            <a:extLst>
-              <a:ext uri="{FF2B5EF4-FFF2-40B4-BE49-F238E27FC236}">
-                <a16:creationId xmlns:a16="http://schemas.microsoft.com/office/drawing/2014/main" id="{487B075C-BE5F-494C-865C-CBF69137EBAD}"/>
+          <p:cNvPr id="8" name="Picture 8" descr="Graphical user interface&#10;&#10;Description automatically generated">
+            <a:extLst>
+              <a:ext uri="{FF2B5EF4-FFF2-40B4-BE49-F238E27FC236}">
+                <a16:creationId xmlns:a16="http://schemas.microsoft.com/office/drawing/2014/main" id="{64930194-9584-42A5-80E2-0201930AF9FB}"/>
               </a:ext>
             </a:extLst>
           </p:cNvPr>
           <p:cNvPicPr>
-            <a:picLocks noGrp="1" noChangeAspect="1"/>
+            <a:picLocks noChangeAspect="1"/>
           </p:cNvPicPr>
-          <p:nvPr>
-            <p:ph idx="1"/>
-          </p:nvPr>
+          <p:nvPr/>
         </p:nvPicPr>
         <p:blipFill>
           <a:blip r:embed="rId4"/>
@@ -5687,8 +5689,80 @@
         </p:blipFill>
         <p:spPr>
           <a:xfrm>
-            <a:off x="6569124" y="4837777"/>
-            <a:ext cx="1833468" cy="1833468"/>
+            <a:off x="7196397" y="2241049"/>
+            <a:ext cx="1911915" cy="1613900"/>
+          </a:xfrm>
+          <a:prstGeom prst="rect">
+            <a:avLst/>
+          </a:prstGeom>
+        </p:spPr>
+      </p:pic>
+      <p:sp>
+        <p:nvSpPr>
+          <p:cNvPr id="9" name="TextBox 8">
+            <a:extLst>
+              <a:ext uri="{FF2B5EF4-FFF2-40B4-BE49-F238E27FC236}">
+                <a16:creationId xmlns:a16="http://schemas.microsoft.com/office/drawing/2014/main" id="{9710DBD9-D263-49DE-A998-7FE54497E4E9}"/>
+              </a:ext>
+            </a:extLst>
+          </p:cNvPr>
+          <p:cNvSpPr txBox="1"/>
+          <p:nvPr/>
+        </p:nvSpPr>
+        <p:spPr>
+          <a:xfrm>
+            <a:off x="9118947" y="2448837"/>
+            <a:ext cx="2544872" cy="646331"/>
+          </a:xfrm>
+          <a:prstGeom prst="rect">
+            <a:avLst/>
+          </a:prstGeom>
+          <a:noFill/>
+        </p:spPr>
+        <p:txBody>
+          <a:bodyPr rot="0" spcFirstLastPara="0" vertOverflow="overflow" horzOverflow="overflow" vert="horz" wrap="square" lIns="91440" tIns="45720" rIns="91440" bIns="45720" numCol="1" spcCol="0" rtlCol="0" fromWordArt="0" anchor="t" anchorCtr="0" forceAA="0" compatLnSpc="1">
+            <a:prstTxWarp prst="textNoShape">
+              <a:avLst/>
+            </a:prstTxWarp>
+            <a:spAutoFit/>
+          </a:bodyPr>
+          <a:lstStyle/>
+          <a:p>
+            <a:r>
+              <a:rPr lang="en-US">
+                <a:solidFill>
+                  <a:srgbClr val="404040"/>
+                </a:solidFill>
+              </a:rPr>
+              <a:t>Potential environmental traps.</a:t>
+            </a:r>
+          </a:p>
+        </p:txBody>
+      </p:sp>
+      <p:pic>
+        <p:nvPicPr>
+          <p:cNvPr id="4" name="Picture 3" descr="Logo&#10;&#10;Description automatically generated">
+            <a:extLst>
+              <a:ext uri="{FF2B5EF4-FFF2-40B4-BE49-F238E27FC236}">
+                <a16:creationId xmlns:a16="http://schemas.microsoft.com/office/drawing/2014/main" id="{86E8D1A6-DF1F-4834-884C-375E11F664AC}"/>
+              </a:ext>
+            </a:extLst>
+          </p:cNvPr>
+          <p:cNvPicPr>
+            <a:picLocks noChangeAspect="1"/>
+          </p:cNvPicPr>
+          <p:nvPr/>
+        </p:nvPicPr>
+        <p:blipFill>
+          <a:blip r:embed="rId5"/>
+          <a:stretch>
+            <a:fillRect/>
+          </a:stretch>
+        </p:blipFill>
+        <p:spPr>
+          <a:xfrm>
+            <a:off x="10123121" y="-99158"/>
+            <a:ext cx="1905000" cy="1905000"/>
           </a:xfrm>
           <a:prstGeom prst="rect">
             <a:avLst/>
@@ -5698,7 +5772,7 @@
     </p:spTree>
     <p:extLst>
       <p:ext uri="{BB962C8B-B14F-4D97-AF65-F5344CB8AC3E}">
-        <p14:creationId xmlns:p14="http://schemas.microsoft.com/office/powerpoint/2010/main" val="1126837105"/>
+        <p14:creationId xmlns:p14="http://schemas.microsoft.com/office/powerpoint/2010/main" val="2253859036"/>
       </p:ext>
     </p:extLst>
   </p:cSld>
@@ -5793,23 +5867,27 @@
               <a:t>-Player Attack Basics: Medium Priority</a:t>
             </a:r>
           </a:p>
+          <a:p>
+            <a:r>
+              <a:rPr lang="en-US"/>
+              <a:t>-Boss Patterns: High Priority</a:t>
+            </a:r>
+          </a:p>
         </p:txBody>
       </p:sp>
       <p:pic>
         <p:nvPicPr>
-          <p:cNvPr id="8" name="Picture 8" descr="Diagram&#10;&#10;Description automatically generated">
-            <a:extLst>
-              <a:ext uri="{FF2B5EF4-FFF2-40B4-BE49-F238E27FC236}">
-                <a16:creationId xmlns:a16="http://schemas.microsoft.com/office/drawing/2014/main" id="{349F9688-941C-416D-9E28-7C4A045CD4D7}"/>
+          <p:cNvPr id="3" name="Picture 4" descr="A picture containing text&#10;&#10;Description automatically generated">
+            <a:extLst>
+              <a:ext uri="{FF2B5EF4-FFF2-40B4-BE49-F238E27FC236}">
+                <a16:creationId xmlns:a16="http://schemas.microsoft.com/office/drawing/2014/main" id="{F058651A-1221-4C00-BCC8-DFCABCBE8A8F}"/>
               </a:ext>
             </a:extLst>
           </p:cNvPr>
           <p:cNvPicPr>
-            <a:picLocks noGrp="1" noChangeAspect="1"/>
+            <a:picLocks noChangeAspect="1"/>
           </p:cNvPicPr>
-          <p:nvPr>
-            <p:ph idx="1"/>
-          </p:nvPr>
+          <p:nvPr/>
         </p:nvPicPr>
         <p:blipFill>
           <a:blip r:embed="rId2"/>
@@ -5819,9 +5897,12 @@
         </p:blipFill>
         <p:spPr>
           <a:xfrm>
-            <a:off x="5534112" y="92081"/>
-            <a:ext cx="5928344" cy="2237263"/>
-          </a:xfrm>
+            <a:off x="1533051" y="395990"/>
+            <a:ext cx="1742684" cy="1540442"/>
+          </a:xfrm>
+          <a:prstGeom prst="rect">
+            <a:avLst/>
+          </a:prstGeom>
         </p:spPr>
       </p:pic>
       <p:pic>
@@ -5829,14 +5910,16 @@
           <p:cNvPr id="9" name="Picture 9" descr="Diagram&#10;&#10;Description automatically generated">
             <a:extLst>
               <a:ext uri="{FF2B5EF4-FFF2-40B4-BE49-F238E27FC236}">
-                <a16:creationId xmlns:a16="http://schemas.microsoft.com/office/drawing/2014/main" id="{4E55B5C1-788A-47BA-86FC-E26CE1E9691B}"/>
+                <a16:creationId xmlns:a16="http://schemas.microsoft.com/office/drawing/2014/main" id="{CA9499F0-69AB-4B6F-A3FF-ACA5C24000A5}"/>
               </a:ext>
             </a:extLst>
           </p:cNvPr>
           <p:cNvPicPr>
-            <a:picLocks noChangeAspect="1"/>
+            <a:picLocks noGrp="1" noChangeAspect="1"/>
           </p:cNvPicPr>
-          <p:nvPr/>
+          <p:nvPr>
+            <p:ph idx="1"/>
+          </p:nvPr>
         </p:nvPicPr>
         <p:blipFill>
           <a:blip r:embed="rId3"/>
@@ -5846,8 +5929,125 @@
         </p:blipFill>
         <p:spPr>
           <a:xfrm>
-            <a:off x="6446729" y="2191638"/>
-            <a:ext cx="3306871" cy="3988284"/>
+            <a:off x="8197368" y="117632"/>
+            <a:ext cx="3691218" cy="2274795"/>
+          </a:xfrm>
+        </p:spPr>
+      </p:pic>
+      <p:pic>
+        <p:nvPicPr>
+          <p:cNvPr id="10" name="Picture 10" descr="Diagram&#10;&#10;Description automatically generated">
+            <a:extLst>
+              <a:ext uri="{FF2B5EF4-FFF2-40B4-BE49-F238E27FC236}">
+                <a16:creationId xmlns:a16="http://schemas.microsoft.com/office/drawing/2014/main" id="{11222DF0-700A-4062-B227-6084F18737FD}"/>
+              </a:ext>
+            </a:extLst>
+          </p:cNvPr>
+          <p:cNvPicPr>
+            <a:picLocks noChangeAspect="1"/>
+          </p:cNvPicPr>
+          <p:nvPr/>
+        </p:nvPicPr>
+        <p:blipFill>
+          <a:blip r:embed="rId4"/>
+          <a:stretch>
+            <a:fillRect/>
+          </a:stretch>
+        </p:blipFill>
+        <p:spPr>
+          <a:xfrm>
+            <a:off x="8091662" y="2838612"/>
+            <a:ext cx="1846052" cy="2590260"/>
+          </a:xfrm>
+          <a:prstGeom prst="rect">
+            <a:avLst/>
+          </a:prstGeom>
+        </p:spPr>
+      </p:pic>
+      <p:pic>
+        <p:nvPicPr>
+          <p:cNvPr id="11" name="Picture 11" descr="Diagram&#10;&#10;Description automatically generated">
+            <a:extLst>
+              <a:ext uri="{FF2B5EF4-FFF2-40B4-BE49-F238E27FC236}">
+                <a16:creationId xmlns:a16="http://schemas.microsoft.com/office/drawing/2014/main" id="{BFC6BF1E-B461-46B6-8E5E-EC6E9621BD8C}"/>
+              </a:ext>
+            </a:extLst>
+          </p:cNvPr>
+          <p:cNvPicPr>
+            <a:picLocks noChangeAspect="1"/>
+          </p:cNvPicPr>
+          <p:nvPr/>
+        </p:nvPicPr>
+        <p:blipFill>
+          <a:blip r:embed="rId5"/>
+          <a:stretch>
+            <a:fillRect/>
+          </a:stretch>
+        </p:blipFill>
+        <p:spPr>
+          <a:xfrm>
+            <a:off x="4730711" y="90038"/>
+            <a:ext cx="3325123" cy="2275576"/>
+          </a:xfrm>
+          <a:prstGeom prst="rect">
+            <a:avLst/>
+          </a:prstGeom>
+        </p:spPr>
+      </p:pic>
+      <p:pic>
+        <p:nvPicPr>
+          <p:cNvPr id="12" name="Picture 12" descr="Diagram&#10;&#10;Description automatically generated">
+            <a:extLst>
+              <a:ext uri="{FF2B5EF4-FFF2-40B4-BE49-F238E27FC236}">
+                <a16:creationId xmlns:a16="http://schemas.microsoft.com/office/drawing/2014/main" id="{B4B77844-F36A-478A-9586-E4D1E9B77698}"/>
+              </a:ext>
+            </a:extLst>
+          </p:cNvPr>
+          <p:cNvPicPr>
+            <a:picLocks noChangeAspect="1"/>
+          </p:cNvPicPr>
+          <p:nvPr/>
+        </p:nvPicPr>
+        <p:blipFill>
+          <a:blip r:embed="rId6"/>
+          <a:stretch>
+            <a:fillRect/>
+          </a:stretch>
+        </p:blipFill>
+        <p:spPr>
+          <a:xfrm>
+            <a:off x="4733365" y="2878540"/>
+            <a:ext cx="3155576" cy="2687673"/>
+          </a:xfrm>
+          <a:prstGeom prst="rect">
+            <a:avLst/>
+          </a:prstGeom>
+        </p:spPr>
+      </p:pic>
+      <p:pic>
+        <p:nvPicPr>
+          <p:cNvPr id="13" name="Picture 13" descr="Diagram&#10;&#10;Description automatically generated">
+            <a:extLst>
+              <a:ext uri="{FF2B5EF4-FFF2-40B4-BE49-F238E27FC236}">
+                <a16:creationId xmlns:a16="http://schemas.microsoft.com/office/drawing/2014/main" id="{763B533E-BFF3-4481-83BD-787F48E1380A}"/>
+              </a:ext>
+            </a:extLst>
+          </p:cNvPr>
+          <p:cNvPicPr>
+            <a:picLocks noChangeAspect="1"/>
+          </p:cNvPicPr>
+          <p:nvPr/>
+        </p:nvPicPr>
+        <p:blipFill>
+          <a:blip r:embed="rId7"/>
+          <a:stretch>
+            <a:fillRect/>
+          </a:stretch>
+        </p:blipFill>
+        <p:spPr>
+          <a:xfrm>
+            <a:off x="10124487" y="2842683"/>
+            <a:ext cx="1181100" cy="2019300"/>
           </a:xfrm>
           <a:prstGeom prst="rect">
             <a:avLst/>
@@ -5912,21 +6112,87 @@
           </a:p>
         </p:txBody>
       </p:sp>
+      <p:sp>
+        <p:nvSpPr>
+          <p:cNvPr id="4" name="Text Placeholder 3">
+            <a:extLst>
+              <a:ext uri="{FF2B5EF4-FFF2-40B4-BE49-F238E27FC236}">
+                <a16:creationId xmlns:a16="http://schemas.microsoft.com/office/drawing/2014/main" id="{A1B5656D-9A6C-014B-8080-B1CF4F43691F}"/>
+              </a:ext>
+            </a:extLst>
+          </p:cNvPr>
+          <p:cNvSpPr>
+            <a:spLocks noGrp="1"/>
+          </p:cNvSpPr>
+          <p:nvPr>
+            <p:ph type="body" sz="half" idx="2"/>
+          </p:nvPr>
+        </p:nvSpPr>
+        <p:spPr/>
+        <p:txBody>
+          <a:bodyPr vert="horz" lIns="91440" tIns="45720" rIns="91440" bIns="45720" rtlCol="0" anchor="t">
+            <a:normAutofit/>
+          </a:bodyPr>
+          <a:lstStyle/>
+          <a:p>
+            <a:r>
+              <a:rPr lang="en-US"/>
+              <a:t>- Player Movement (High Priority)</a:t>
+            </a:r>
+          </a:p>
+          <a:p>
+            <a:r>
+              <a:rPr lang="en-US">
+                <a:ea typeface="+mn-lt"/>
+                <a:cs typeface="+mn-lt"/>
+              </a:rPr>
+              <a:t>- Player Manager (High Priority)</a:t>
+            </a:r>
+            <a:endParaRPr lang="en-US"/>
+          </a:p>
+          <a:p>
+            <a:r>
+              <a:rPr lang="en-US">
+                <a:ea typeface="+mn-lt"/>
+                <a:cs typeface="+mn-lt"/>
+              </a:rPr>
+              <a:t>- Health Bars (Low Priority)</a:t>
+            </a:r>
+            <a:endParaRPr lang="en-US"/>
+          </a:p>
+          <a:p>
+            <a:r>
+              <a:rPr lang="en-US"/>
+              <a:t>- Animations (Low Priority)  </a:t>
+            </a:r>
+          </a:p>
+          <a:p>
+            <a:r>
+              <a:rPr lang="en-US"/>
+              <a:t>- Sprites (Low Priority)</a:t>
+            </a:r>
+          </a:p>
+          <a:p>
+            <a:r>
+              <a:rPr lang="en-US"/>
+              <a:t>- Tile-set (Low Priority)</a:t>
+            </a:r>
+          </a:p>
+        </p:txBody>
+      </p:sp>
       <p:pic>
         <p:nvPicPr>
-          <p:cNvPr id="5" name="Picture 5" descr="Diagram&#10;&#10;Description automatically generated">
-            <a:extLst>
-              <a:ext uri="{FF2B5EF4-FFF2-40B4-BE49-F238E27FC236}">
-                <a16:creationId xmlns:a16="http://schemas.microsoft.com/office/drawing/2014/main" id="{744C4B37-236E-4A4B-92D5-712C89BE10E5}"/>
+          <p:cNvPr id="3" name="Picture 4">
+            <a:extLst>
+              <a:ext uri="{FF2B5EF4-FFF2-40B4-BE49-F238E27FC236}">
+                <a16:creationId xmlns:a16="http://schemas.microsoft.com/office/drawing/2014/main" id="{52FB459C-635B-4879-B026-B012481A9317}"/>
               </a:ext>
             </a:extLst>
           </p:cNvPr>
           <p:cNvPicPr>
-            <a:picLocks noGrp="1" noChangeAspect="1"/>
+            <a:picLocks noChangeAspect="1"/>
           </p:cNvPicPr>
-          <p:nvPr>
-            <p:ph idx="1"/>
-          </p:nvPr>
+          <p:nvPr/>
         </p:nvPicPr>
         <p:blipFill>
           <a:blip r:embed="rId2"/>
@@ -5936,78 +6202,29 @@
         </p:blipFill>
         <p:spPr>
           <a:xfrm>
-            <a:off x="4836023" y="624098"/>
-            <a:ext cx="5928344" cy="2743386"/>
-          </a:xfrm>
+            <a:off x="1530263" y="258644"/>
+            <a:ext cx="1751557" cy="1831340"/>
+          </a:xfrm>
+          <a:prstGeom prst="rect">
+            <a:avLst/>
+          </a:prstGeom>
         </p:spPr>
       </p:pic>
-      <p:sp>
-        <p:nvSpPr>
-          <p:cNvPr id="4" name="Text Placeholder 3">
-            <a:extLst>
-              <a:ext uri="{FF2B5EF4-FFF2-40B4-BE49-F238E27FC236}">
-                <a16:creationId xmlns:a16="http://schemas.microsoft.com/office/drawing/2014/main" id="{A1B5656D-9A6C-014B-8080-B1CF4F43691F}"/>
-              </a:ext>
-            </a:extLst>
-          </p:cNvPr>
-          <p:cNvSpPr>
-            <a:spLocks noGrp="1"/>
-          </p:cNvSpPr>
-          <p:nvPr>
-            <p:ph type="body" sz="half" idx="2"/>
-          </p:nvPr>
-        </p:nvSpPr>
-        <p:spPr/>
-        <p:txBody>
-          <a:bodyPr vert="horz" lIns="91440" tIns="45720" rIns="91440" bIns="45720" rtlCol="0" anchor="t">
-            <a:normAutofit/>
-          </a:bodyPr>
-          <a:lstStyle/>
-          <a:p>
-            <a:r>
-              <a:rPr lang="en-US"/>
-              <a:t>- Player Movement (High Priority)</a:t>
-            </a:r>
-          </a:p>
-          <a:p>
-            <a:r>
-              <a:rPr lang="en-US"/>
-              <a:t>- Animations (Medium Priority)</a:t>
-            </a:r>
-          </a:p>
-          <a:p>
-            <a:r>
-              <a:rPr lang="en-US"/>
-              <a:t>- Health Bars (Low Priority)</a:t>
-            </a:r>
-          </a:p>
-          <a:p>
-            <a:r>
-              <a:rPr lang="en-US"/>
-              <a:t>- Sprites (Low Priority)</a:t>
-            </a:r>
-          </a:p>
-          <a:p>
-            <a:r>
-              <a:rPr lang="en-US"/>
-              <a:t>- Tile-set (Low Priority)</a:t>
-            </a:r>
-          </a:p>
-        </p:txBody>
-      </p:sp>
       <p:pic>
         <p:nvPicPr>
-          <p:cNvPr id="3" name="Picture 5" descr="Diagram&#10;&#10;Description automatically generated">
-            <a:extLst>
-              <a:ext uri="{FF2B5EF4-FFF2-40B4-BE49-F238E27FC236}">
-                <a16:creationId xmlns:a16="http://schemas.microsoft.com/office/drawing/2014/main" id="{04ECC9D1-6FF2-4A19-AB0B-666154D05749}"/>
+          <p:cNvPr id="7" name="Picture 9" descr="Diagram&#10;&#10;Description automatically generated">
+            <a:extLst>
+              <a:ext uri="{FF2B5EF4-FFF2-40B4-BE49-F238E27FC236}">
+                <a16:creationId xmlns:a16="http://schemas.microsoft.com/office/drawing/2014/main" id="{60F3A36F-6007-43B0-B022-B052B57AB2A7}"/>
               </a:ext>
             </a:extLst>
           </p:cNvPr>
           <p:cNvPicPr>
-            <a:picLocks noChangeAspect="1"/>
+            <a:picLocks noGrp="1" noChangeAspect="1"/>
           </p:cNvPicPr>
-          <p:nvPr/>
+          <p:nvPr>
+            <p:ph idx="1"/>
+          </p:nvPr>
         </p:nvPicPr>
         <p:blipFill>
           <a:blip r:embed="rId3"/>
@@ -6017,20 +6234,17 @@
         </p:blipFill>
         <p:spPr>
           <a:xfrm>
-            <a:off x="4673342" y="3365111"/>
-            <a:ext cx="2743200" cy="2379862"/>
-          </a:xfrm>
-          <a:prstGeom prst="rect">
-            <a:avLst/>
-          </a:prstGeom>
+            <a:off x="6502673" y="671964"/>
+            <a:ext cx="5690220" cy="2321354"/>
+          </a:xfrm>
         </p:spPr>
       </p:pic>
       <p:pic>
         <p:nvPicPr>
-          <p:cNvPr id="6" name="Picture 6" descr="Diagram&#10;&#10;Description automatically generated">
-            <a:extLst>
-              <a:ext uri="{FF2B5EF4-FFF2-40B4-BE49-F238E27FC236}">
-                <a16:creationId xmlns:a16="http://schemas.microsoft.com/office/drawing/2014/main" id="{494EA654-8E75-40C9-B45B-03E0A1FAC2EE}"/>
+          <p:cNvPr id="10" name="Picture 10" descr="Diagram&#10;&#10;Description automatically generated">
+            <a:extLst>
+              <a:ext uri="{FF2B5EF4-FFF2-40B4-BE49-F238E27FC236}">
+                <a16:creationId xmlns:a16="http://schemas.microsoft.com/office/drawing/2014/main" id="{616182CE-731C-47AB-ABBF-A64565EC0B82}"/>
               </a:ext>
             </a:extLst>
           </p:cNvPr>
@@ -6047,8 +6261,8 @@
         </p:blipFill>
         <p:spPr>
           <a:xfrm>
-            <a:off x="7422906" y="3414835"/>
-            <a:ext cx="1390650" cy="2705100"/>
+            <a:off x="8480161" y="3387931"/>
+            <a:ext cx="2600325" cy="1152525"/>
           </a:xfrm>
           <a:prstGeom prst="rect">
             <a:avLst/>
@@ -6057,10 +6271,10 @@
       </p:pic>
       <p:pic>
         <p:nvPicPr>
-          <p:cNvPr id="7" name="Picture 7" descr="Diagram&#10;&#10;Description automatically generated">
-            <a:extLst>
-              <a:ext uri="{FF2B5EF4-FFF2-40B4-BE49-F238E27FC236}">
-                <a16:creationId xmlns:a16="http://schemas.microsoft.com/office/drawing/2014/main" id="{6954F8B2-591D-4520-9C61-BC83411A1430}"/>
+          <p:cNvPr id="11" name="Picture 12" descr="Diagram&#10;&#10;Description automatically generated">
+            <a:extLst>
+              <a:ext uri="{FF2B5EF4-FFF2-40B4-BE49-F238E27FC236}">
+                <a16:creationId xmlns:a16="http://schemas.microsoft.com/office/drawing/2014/main" id="{4BF83FB8-DA90-4F12-B4C0-1EB00C01DD62}"/>
               </a:ext>
             </a:extLst>
           </p:cNvPr>
@@ -6077,8 +6291,38 @@
         </p:blipFill>
         <p:spPr>
           <a:xfrm>
-            <a:off x="9325708" y="3455455"/>
-            <a:ext cx="1893277" cy="2418705"/>
+            <a:off x="5230761" y="3341495"/>
+            <a:ext cx="2457450" cy="1352550"/>
+          </a:xfrm>
+          <a:prstGeom prst="rect">
+            <a:avLst/>
+          </a:prstGeom>
+        </p:spPr>
+      </p:pic>
+      <p:pic>
+        <p:nvPicPr>
+          <p:cNvPr id="14" name="Picture 16" descr="Diagram&#10;&#10;Description automatically generated">
+            <a:extLst>
+              <a:ext uri="{FF2B5EF4-FFF2-40B4-BE49-F238E27FC236}">
+                <a16:creationId xmlns:a16="http://schemas.microsoft.com/office/drawing/2014/main" id="{36B58284-42B9-4CE6-9B4B-A1014BF17F61}"/>
+              </a:ext>
+            </a:extLst>
+          </p:cNvPr>
+          <p:cNvPicPr>
+            <a:picLocks noChangeAspect="1"/>
+          </p:cNvPicPr>
+          <p:nvPr/>
+        </p:nvPicPr>
+        <p:blipFill>
+          <a:blip r:embed="rId6"/>
+          <a:stretch>
+            <a:fillRect/>
+          </a:stretch>
+        </p:blipFill>
+        <p:spPr>
+          <a:xfrm>
+            <a:off x="4666604" y="1153466"/>
+            <a:ext cx="1852201" cy="1136180"/>
           </a:xfrm>
           <a:prstGeom prst="rect">
             <a:avLst/>
@@ -6148,36 +6392,35 @@
           </a:p>
         </p:txBody>
       </p:sp>
-      <p:sp>
-        <p:nvSpPr>
-          <p:cNvPr id="3" name="Content Placeholder 2">
-            <a:extLst>
-              <a:ext uri="{FF2B5EF4-FFF2-40B4-BE49-F238E27FC236}">
-                <a16:creationId xmlns:a16="http://schemas.microsoft.com/office/drawing/2014/main" id="{B984B3AA-8F02-624F-BFD4-C2C5AF5CBF2F}"/>
-              </a:ext>
-            </a:extLst>
-          </p:cNvPr>
-          <p:cNvSpPr>
-            <a:spLocks noGrp="1"/>
-          </p:cNvSpPr>
+      <p:pic>
+        <p:nvPicPr>
+          <p:cNvPr id="6" name="Picture 6" descr="A picture containing text, clipart&#10;&#10;Description automatically generated">
+            <a:extLst>
+              <a:ext uri="{FF2B5EF4-FFF2-40B4-BE49-F238E27FC236}">
+                <a16:creationId xmlns:a16="http://schemas.microsoft.com/office/drawing/2014/main" id="{F94000F8-3462-4862-9148-024DF95773DA}"/>
+              </a:ext>
+            </a:extLst>
+          </p:cNvPr>
+          <p:cNvPicPr>
+            <a:picLocks noGrp="1" noChangeAspect="1"/>
+          </p:cNvPicPr>
           <p:nvPr>
             <p:ph idx="1"/>
           </p:nvPr>
-        </p:nvSpPr>
-        <p:spPr>
-          <a:xfrm>
-            <a:off x="5620190" y="1421148"/>
-            <a:ext cx="5928344" cy="5294757"/>
-          </a:xfrm>
-        </p:spPr>
-        <p:txBody>
-          <a:bodyPr/>
-          <a:lstStyle/>
-          <a:p>
-            <a:endParaRPr lang="en-US"/>
-          </a:p>
-        </p:txBody>
-      </p:sp>
+        </p:nvPicPr>
+        <p:blipFill>
+          <a:blip r:embed="rId2"/>
+          <a:stretch>
+            <a:fillRect/>
+          </a:stretch>
+        </p:blipFill>
+        <p:spPr>
+          <a:xfrm>
+            <a:off x="1056220" y="155905"/>
+            <a:ext cx="2091847" cy="1207327"/>
+          </a:xfrm>
+        </p:spPr>
+      </p:pic>
       <p:sp>
         <p:nvSpPr>
           <p:cNvPr id="4" name="Text Placeholder 3">
@@ -6247,10 +6490,10 @@
       </p:sp>
       <p:pic>
         <p:nvPicPr>
-          <p:cNvPr id="9" name="Picture 8" descr="Diagram&#10;&#10;Description automatically generated">
-            <a:extLst>
-              <a:ext uri="{FF2B5EF4-FFF2-40B4-BE49-F238E27FC236}">
-                <a16:creationId xmlns:a16="http://schemas.microsoft.com/office/drawing/2014/main" id="{42047716-41F5-3E48-9F9C-1CBDED70AEAE}"/>
+          <p:cNvPr id="5" name="Picture 6" descr="Diagram&#10;&#10;Description automatically generated">
+            <a:extLst>
+              <a:ext uri="{FF2B5EF4-FFF2-40B4-BE49-F238E27FC236}">
+                <a16:creationId xmlns:a16="http://schemas.microsoft.com/office/drawing/2014/main" id="{B2AC0BF4-E962-418F-BDC0-4BE119C27CD3}"/>
               </a:ext>
             </a:extLst>
           </p:cNvPr>
@@ -6260,21 +6503,15 @@
           <p:nvPr/>
         </p:nvPicPr>
         <p:blipFill>
-          <a:blip r:embed="rId2">
-            <a:extLst>
-              <a:ext uri="{28A0092B-C50C-407E-A947-70E740481C1C}">
-                <a14:useLocalDpi xmlns:a14="http://schemas.microsoft.com/office/drawing/2010/main" val="0"/>
-              </a:ext>
-            </a:extLst>
-          </a:blip>
+          <a:blip r:embed="rId3"/>
           <a:stretch>
             <a:fillRect/>
           </a:stretch>
         </p:blipFill>
         <p:spPr>
           <a:xfrm>
-            <a:off x="3555540" y="0"/>
-            <a:ext cx="8950858" cy="6858000"/>
+            <a:off x="4724400" y="1356531"/>
+            <a:ext cx="7200180" cy="2451603"/>
           </a:xfrm>
           <a:prstGeom prst="rect">
             <a:avLst/>
@@ -6649,8 +6886,8 @@
         </p:nvSpPr>
         <p:spPr>
           <a:xfrm>
-            <a:off x="525289" y="2232802"/>
-            <a:ext cx="3051925" cy="4239737"/>
+            <a:off x="79241" y="2232802"/>
+            <a:ext cx="3981193" cy="4239737"/>
           </a:xfrm>
         </p:spPr>
         <p:txBody>
@@ -6666,7 +6903,7 @@
             </a:pPr>
             <a:r>
               <a:rPr lang="en-US" sz="2000"/>
-              <a:t>Main Menu (Medium Priority)</a:t>
+              <a:t>Main Menu/Game Menu (Medium)</a:t>
             </a:r>
           </a:p>
           <a:p>
@@ -6678,8 +6915,8 @@
               <a:buChar char="•"/>
             </a:pPr>
             <a:r>
-              <a:rPr lang="en-US" sz="2000"/>
-              <a:t>Play</a:t>
+              <a:rPr lang="en-US"/>
+              <a:t>Main Menu</a:t>
             </a:r>
           </a:p>
           <a:p>
@@ -6696,7 +6933,56 @@
                   <a:srgbClr val="FFFFFF"/>
                 </a:solidFill>
               </a:rPr>
-              <a:t>Launches Level 1.</a:t>
+              <a:t>Play: Launches Level 1.</a:t>
+            </a:r>
+          </a:p>
+          <a:p>
+            <a:pPr lvl="1">
+              <a:lnSpc>
+                <a:spcPct val="100000"/>
+              </a:lnSpc>
+              <a:buFont typeface="Arial" panose="020F0502020204030204" pitchFamily="34" charset="0"/>
+              <a:buChar char="•"/>
+            </a:pPr>
+            <a:r>
+              <a:rPr lang="en-US" sz="1400">
+                <a:solidFill>
+                  <a:srgbClr val="FFFFFF"/>
+                </a:solidFill>
+              </a:rPr>
+              <a:t>Options: </a:t>
+            </a:r>
+            <a:r>
+              <a:rPr lang="en-US" sz="1400">
+                <a:solidFill>
+                  <a:srgbClr val="FFFFFF"/>
+                </a:solidFill>
+                <a:ea typeface="+mn-lt"/>
+                <a:cs typeface="+mn-lt"/>
+              </a:rPr>
+              <a:t>"RFU" slider represents anything added to options menu in further development.</a:t>
+            </a:r>
+            <a:endParaRPr lang="en-US" sz="1400">
+              <a:solidFill>
+                <a:srgbClr val="FFFFFF"/>
+              </a:solidFill>
+            </a:endParaRPr>
+          </a:p>
+          <a:p>
+            <a:pPr lvl="1">
+              <a:lnSpc>
+                <a:spcPct val="100000"/>
+              </a:lnSpc>
+              <a:buFont typeface="Arial" panose="020F0502020204030204" pitchFamily="34" charset="0"/>
+              <a:buChar char="•"/>
+            </a:pPr>
+            <a:r>
+              <a:rPr lang="en-US" sz="1400">
+                <a:solidFill>
+                  <a:srgbClr val="FFFFFF"/>
+                </a:solidFill>
+              </a:rPr>
+              <a:t>Quit: Quits application.</a:t>
             </a:r>
             <a:endParaRPr lang="en-US" sz="1400"/>
           </a:p>
@@ -6712,8 +6998,8 @@
               <a:buChar char="•"/>
             </a:pPr>
             <a:r>
-              <a:rPr lang="en-US" sz="2000"/>
-              <a:t>Options</a:t>
+              <a:rPr lang="en-US"/>
+              <a:t>In-Game Menu (needs implementation)</a:t>
             </a:r>
           </a:p>
           <a:p>
@@ -6730,25 +7016,9 @@
                   <a:srgbClr val="FFFFFF"/>
                 </a:solidFill>
               </a:rPr>
-              <a:t>"RFU" slider represents anything added to options menu in further development.</a:t>
+              <a:t>Options: Player can change options during gameplay</a:t>
             </a:r>
             <a:endParaRPr lang="en-US" sz="1400"/>
-          </a:p>
-          <a:p>
-            <a:pPr marL="342900" indent="-342900">
-              <a:lnSpc>
-                <a:spcPct val="100000"/>
-              </a:lnSpc>
-              <a:buClr>
-                <a:srgbClr val="1CADE4"/>
-              </a:buClr>
-              <a:buFont typeface="Arial" panose="020F0502020204030204" pitchFamily="34" charset="0"/>
-              <a:buChar char="•"/>
-            </a:pPr>
-            <a:r>
-              <a:rPr lang="en-US" sz="2000"/>
-              <a:t>Quit</a:t>
-            </a:r>
           </a:p>
           <a:p>
             <a:pPr lvl="1">
@@ -6764,7 +7034,7 @@
                   <a:srgbClr val="FFFFFF"/>
                 </a:solidFill>
               </a:rPr>
-              <a:t>Quits application.</a:t>
+              <a:t>Save Game: Saves player progress</a:t>
             </a:r>
             <a:endParaRPr lang="en-US" sz="1400"/>
           </a:p>
@@ -6779,7 +7049,7 @@
             </a:pPr>
             <a:r>
               <a:rPr lang="en-US" sz="1400"/>
-              <a:t>** More functionality to be determined as game develops, such as saved games, volume level, and "Dr. BC Mode".</a:t>
+              <a:t>** More functionality to be determined as game develops, such as load saved games, volume level, and "Dr. BC Mode".</a:t>
             </a:r>
           </a:p>
           <a:p>
@@ -6824,19 +7094,17 @@
       </p:sp>
       <p:pic>
         <p:nvPicPr>
-          <p:cNvPr id="13" name="Picture 14" descr="Diagram&#10;&#10;Description automatically generated">
-            <a:extLst>
-              <a:ext uri="{FF2B5EF4-FFF2-40B4-BE49-F238E27FC236}">
-                <a16:creationId xmlns:a16="http://schemas.microsoft.com/office/drawing/2014/main" id="{9E8E0362-5B27-4511-ADFC-5F6C33E938F1}"/>
+          <p:cNvPr id="5" name="Picture 5" descr="Text, whiteboard&#10;&#10;Description automatically generated">
+            <a:extLst>
+              <a:ext uri="{FF2B5EF4-FFF2-40B4-BE49-F238E27FC236}">
+                <a16:creationId xmlns:a16="http://schemas.microsoft.com/office/drawing/2014/main" id="{5BA36FE3-DC43-42AB-81CF-80C307CE3F67}"/>
               </a:ext>
             </a:extLst>
           </p:cNvPr>
           <p:cNvPicPr>
-            <a:picLocks noGrp="1" noChangeAspect="1"/>
+            <a:picLocks noChangeAspect="1"/>
           </p:cNvPicPr>
-          <p:nvPr>
-            <p:ph idx="1"/>
-          </p:nvPr>
+          <p:nvPr/>
         </p:nvPicPr>
         <p:blipFill>
           <a:blip r:embed="rId2"/>
@@ -6846,8 +7114,40 @@
         </p:blipFill>
         <p:spPr>
           <a:xfrm>
-            <a:off x="5895844" y="26218"/>
-            <a:ext cx="4649041" cy="6794175"/>
+            <a:off x="1145005" y="125205"/>
+            <a:ext cx="1600201" cy="1253535"/>
+          </a:xfrm>
+          <a:prstGeom prst="rect">
+            <a:avLst/>
+          </a:prstGeom>
+        </p:spPr>
+      </p:pic>
+      <p:pic>
+        <p:nvPicPr>
+          <p:cNvPr id="7" name="Picture 7" descr="Diagram&#10;&#10;Description automatically generated">
+            <a:extLst>
+              <a:ext uri="{FF2B5EF4-FFF2-40B4-BE49-F238E27FC236}">
+                <a16:creationId xmlns:a16="http://schemas.microsoft.com/office/drawing/2014/main" id="{E5F1CF13-2D2E-4F2E-8C18-982FDBDD7320}"/>
+              </a:ext>
+            </a:extLst>
+          </p:cNvPr>
+          <p:cNvPicPr>
+            <a:picLocks noGrp="1" noChangeAspect="1"/>
+          </p:cNvPicPr>
+          <p:nvPr>
+            <p:ph idx="1"/>
+          </p:nvPr>
+        </p:nvPicPr>
+        <p:blipFill>
+          <a:blip r:embed="rId3"/>
+          <a:stretch>
+            <a:fillRect/>
+          </a:stretch>
+        </p:blipFill>
+        <p:spPr>
+          <a:xfrm>
+            <a:off x="4406415" y="2024223"/>
+            <a:ext cx="7164021" cy="2451832"/>
           </a:xfrm>
         </p:spPr>
       </p:pic>
@@ -7130,6 +7430,36 @@
           </a:prstGeom>
         </p:spPr>
       </p:pic>
+      <p:pic>
+        <p:nvPicPr>
+          <p:cNvPr id="4" name="Picture 3" descr="Logo&#10;&#10;Description automatically generated">
+            <a:extLst>
+              <a:ext uri="{FF2B5EF4-FFF2-40B4-BE49-F238E27FC236}">
+                <a16:creationId xmlns:a16="http://schemas.microsoft.com/office/drawing/2014/main" id="{D9050315-6CA7-4DA3-84C6-DD5C043225E8}"/>
+              </a:ext>
+            </a:extLst>
+          </p:cNvPr>
+          <p:cNvPicPr>
+            <a:picLocks noChangeAspect="1"/>
+          </p:cNvPicPr>
+          <p:nvPr/>
+        </p:nvPicPr>
+        <p:blipFill>
+          <a:blip r:embed="rId4"/>
+          <a:stretch>
+            <a:fillRect/>
+          </a:stretch>
+        </p:blipFill>
+        <p:spPr>
+          <a:xfrm>
+            <a:off x="5591175" y="5715000"/>
+            <a:ext cx="1104900" cy="1104900"/>
+          </a:xfrm>
+          <a:prstGeom prst="rect">
+            <a:avLst/>
+          </a:prstGeom>
+        </p:spPr>
+      </p:pic>
     </p:spTree>
     <p:extLst>
       <p:ext uri="{BB962C8B-B14F-4D97-AF65-F5344CB8AC3E}">
@@ -7228,23 +7558,24 @@
               <a:t>- Obstacles: Low Priority</a:t>
             </a:r>
           </a:p>
+          <a:p>
+            <a:endParaRPr lang="en-US"/>
+          </a:p>
         </p:txBody>
       </p:sp>
       <p:pic>
         <p:nvPicPr>
-          <p:cNvPr id="7" name="Picture 7" descr="Diagram&#10;&#10;Description automatically generated">
-            <a:extLst>
-              <a:ext uri="{FF2B5EF4-FFF2-40B4-BE49-F238E27FC236}">
-                <a16:creationId xmlns:a16="http://schemas.microsoft.com/office/drawing/2014/main" id="{FC81456B-DE95-40DC-90C4-CB58E661DF07}"/>
+          <p:cNvPr id="6" name="Picture 6" descr="A picture containing linedrawing&#10;&#10;Description automatically generated">
+            <a:extLst>
+              <a:ext uri="{FF2B5EF4-FFF2-40B4-BE49-F238E27FC236}">
+                <a16:creationId xmlns:a16="http://schemas.microsoft.com/office/drawing/2014/main" id="{9D78A6A5-E526-4B40-A971-2C5E9E3E80D7}"/>
               </a:ext>
             </a:extLst>
           </p:cNvPr>
           <p:cNvPicPr>
-            <a:picLocks noGrp="1" noChangeAspect="1"/>
+            <a:picLocks noChangeAspect="1"/>
           </p:cNvPicPr>
-          <p:nvPr>
-            <p:ph idx="1"/>
-          </p:nvPr>
+          <p:nvPr/>
         </p:nvPicPr>
         <p:blipFill>
           <a:blip r:embed="rId2"/>
@@ -7254,24 +7585,29 @@
         </p:blipFill>
         <p:spPr>
           <a:xfrm>
-            <a:off x="4656163" y="133330"/>
-            <a:ext cx="7343486" cy="3387982"/>
-          </a:xfrm>
+            <a:off x="1295400" y="332191"/>
+            <a:ext cx="1911016" cy="1782039"/>
+          </a:xfrm>
+          <a:prstGeom prst="rect">
+            <a:avLst/>
+          </a:prstGeom>
         </p:spPr>
       </p:pic>
       <p:pic>
         <p:nvPicPr>
-          <p:cNvPr id="8" name="Picture 8" descr="Text&#10;&#10;Description automatically generated">
-            <a:extLst>
-              <a:ext uri="{FF2B5EF4-FFF2-40B4-BE49-F238E27FC236}">
-                <a16:creationId xmlns:a16="http://schemas.microsoft.com/office/drawing/2014/main" id="{755676E2-B014-40BE-AD2E-E37C706261FB}"/>
+          <p:cNvPr id="7" name="Picture 8" descr="Diagram&#10;&#10;Description automatically generated">
+            <a:extLst>
+              <a:ext uri="{FF2B5EF4-FFF2-40B4-BE49-F238E27FC236}">
+                <a16:creationId xmlns:a16="http://schemas.microsoft.com/office/drawing/2014/main" id="{A9E262E6-6F66-4E94-B9AF-22B7C73B24D5}"/>
               </a:ext>
             </a:extLst>
           </p:cNvPr>
           <p:cNvPicPr>
-            <a:picLocks noChangeAspect="1"/>
+            <a:picLocks noGrp="1" noChangeAspect="1"/>
           </p:cNvPicPr>
-          <p:nvPr/>
+          <p:nvPr>
+            <p:ph idx="1"/>
+          </p:nvPr>
         </p:nvPicPr>
         <p:blipFill>
           <a:blip r:embed="rId3"/>
@@ -7281,8 +7617,65 @@
         </p:blipFill>
         <p:spPr>
           <a:xfrm>
-            <a:off x="5846990" y="4238113"/>
-            <a:ext cx="4961164" cy="1178043"/>
+            <a:off x="4667251" y="781766"/>
+            <a:ext cx="7123621" cy="2438218"/>
+          </a:xfrm>
+        </p:spPr>
+      </p:pic>
+      <p:pic>
+        <p:nvPicPr>
+          <p:cNvPr id="9" name="Picture 9" descr="Diagram&#10;&#10;Description automatically generated">
+            <a:extLst>
+              <a:ext uri="{FF2B5EF4-FFF2-40B4-BE49-F238E27FC236}">
+                <a16:creationId xmlns:a16="http://schemas.microsoft.com/office/drawing/2014/main" id="{E4EF289E-AC31-492C-90E4-6A27CB3C63F1}"/>
+              </a:ext>
+            </a:extLst>
+          </p:cNvPr>
+          <p:cNvPicPr>
+            <a:picLocks noChangeAspect="1"/>
+          </p:cNvPicPr>
+          <p:nvPr/>
+        </p:nvPicPr>
+        <p:blipFill>
+          <a:blip r:embed="rId4"/>
+          <a:stretch>
+            <a:fillRect/>
+          </a:stretch>
+        </p:blipFill>
+        <p:spPr>
+          <a:xfrm>
+            <a:off x="4755761" y="3933466"/>
+            <a:ext cx="2047875" cy="1924050"/>
+          </a:xfrm>
+          <a:prstGeom prst="rect">
+            <a:avLst/>
+          </a:prstGeom>
+        </p:spPr>
+      </p:pic>
+      <p:pic>
+        <p:nvPicPr>
+          <p:cNvPr id="10" name="Picture 10" descr="Diagram&#10;&#10;Description automatically generated">
+            <a:extLst>
+              <a:ext uri="{FF2B5EF4-FFF2-40B4-BE49-F238E27FC236}">
+                <a16:creationId xmlns:a16="http://schemas.microsoft.com/office/drawing/2014/main" id="{D5C5436B-1053-49B9-876E-260DCBDFD886}"/>
+              </a:ext>
+            </a:extLst>
+          </p:cNvPr>
+          <p:cNvPicPr>
+            <a:picLocks noChangeAspect="1"/>
+          </p:cNvPicPr>
+          <p:nvPr/>
+        </p:nvPicPr>
+        <p:blipFill>
+          <a:blip r:embed="rId5"/>
+          <a:stretch>
+            <a:fillRect/>
+          </a:stretch>
+        </p:blipFill>
+        <p:spPr>
+          <a:xfrm>
+            <a:off x="6981466" y="3936700"/>
+            <a:ext cx="1162050" cy="1428750"/>
           </a:xfrm>
           <a:prstGeom prst="rect">
             <a:avLst/>
@@ -7324,7 +7717,7 @@
           <p:cNvPr id="2" name="Title 1">
             <a:extLst>
               <a:ext uri="{FF2B5EF4-FFF2-40B4-BE49-F238E27FC236}">
-                <a16:creationId xmlns:a16="http://schemas.microsoft.com/office/drawing/2014/main" id="{8AC684FD-B0B8-446A-9558-5053D3804070}"/>
+                <a16:creationId xmlns:a16="http://schemas.microsoft.com/office/drawing/2014/main" id="{3835FBDD-A08B-8F40-9D1A-9BE60A9E01A4}"/>
               </a:ext>
             </a:extLst>
           </p:cNvPr>
@@ -7342,143 +7735,46 @@
           <a:p>
             <a:r>
               <a:rPr lang="en-US"/>
-              <a:t>Known Limitations</a:t>
-            </a:r>
-          </a:p>
-        </p:txBody>
-      </p:sp>
-      <p:sp>
-        <p:nvSpPr>
-          <p:cNvPr id="3" name="Content Placeholder 2">
-            <a:extLst>
-              <a:ext uri="{FF2B5EF4-FFF2-40B4-BE49-F238E27FC236}">
-                <a16:creationId xmlns:a16="http://schemas.microsoft.com/office/drawing/2014/main" id="{20F278A4-4B98-4AAB-B12F-36B3D75FDF23}"/>
-              </a:ext>
-            </a:extLst>
-          </p:cNvPr>
-          <p:cNvSpPr>
-            <a:spLocks noGrp="1"/>
-          </p:cNvSpPr>
+              <a:t>Final Questions?</a:t>
+            </a:r>
+          </a:p>
+        </p:txBody>
+      </p:sp>
+      <p:pic>
+        <p:nvPicPr>
+          <p:cNvPr id="5" name="Picture 5">
+            <a:extLst>
+              <a:ext uri="{FF2B5EF4-FFF2-40B4-BE49-F238E27FC236}">
+                <a16:creationId xmlns:a16="http://schemas.microsoft.com/office/drawing/2014/main" id="{5817596E-3E3B-4B47-B79A-4768469F7F8A}"/>
+              </a:ext>
+            </a:extLst>
+          </p:cNvPr>
+          <p:cNvPicPr>
+            <a:picLocks noGrp="1" noChangeAspect="1"/>
+          </p:cNvPicPr>
           <p:nvPr>
             <p:ph idx="1"/>
           </p:nvPr>
-        </p:nvSpPr>
-        <p:spPr/>
-        <p:txBody>
-          <a:bodyPr vert="horz" lIns="0" tIns="45720" rIns="0" bIns="45720" rtlCol="0" anchor="t">
-            <a:normAutofit/>
-          </a:bodyPr>
-          <a:lstStyle/>
-          <a:p>
-            <a:pPr marL="383540" lvl="1"/>
-            <a:endParaRPr lang="en-US">
-              <a:ea typeface="+mn-lt"/>
-              <a:cs typeface="+mn-lt"/>
-            </a:endParaRPr>
-          </a:p>
-          <a:p>
-            <a:pPr marL="383540" lvl="1"/>
-            <a:endParaRPr lang="en-US">
-              <a:ea typeface="+mn-lt"/>
-              <a:cs typeface="+mn-lt"/>
-            </a:endParaRPr>
-          </a:p>
-          <a:p>
-            <a:pPr marL="383540" lvl="1"/>
-            <a:endParaRPr lang="en-US">
-              <a:ea typeface="+mn-lt"/>
-              <a:cs typeface="+mn-lt"/>
-            </a:endParaRPr>
-          </a:p>
-          <a:p>
-            <a:pPr marL="383540" lvl="1"/>
-            <a:endParaRPr lang="en-US">
-              <a:ea typeface="+mn-lt"/>
-              <a:cs typeface="+mn-lt"/>
-            </a:endParaRPr>
-          </a:p>
-          <a:p>
-            <a:pPr marL="383540" lvl="1"/>
-            <a:r>
-              <a:rPr lang="en-US">
-                <a:ea typeface="+mn-lt"/>
-                <a:cs typeface="+mn-lt"/>
-              </a:rPr>
-              <a:t>Necessary time to complete development of game.</a:t>
-            </a:r>
-            <a:endParaRPr lang="en-US"/>
-          </a:p>
-          <a:p>
-            <a:pPr marL="566420" lvl="2"/>
-            <a:r>
-              <a:rPr lang="en-US">
-                <a:ea typeface="+mn-lt"/>
-                <a:cs typeface="+mn-lt"/>
-              </a:rPr>
-              <a:t>The development of the game needs to be completed by April 29, 2021. Including any UI, scripts, design inside of Unity.</a:t>
-            </a:r>
-          </a:p>
-          <a:p>
-            <a:pPr marL="383540" lvl="1"/>
-            <a:r>
-              <a:rPr lang="en-US">
-                <a:ea typeface="+mn-lt"/>
-                <a:cs typeface="+mn-lt"/>
-              </a:rPr>
-              <a:t>Limited software for game development (Unity)</a:t>
-            </a:r>
-          </a:p>
-          <a:p>
-            <a:pPr marL="566420" lvl="2"/>
-            <a:r>
-              <a:rPr lang="en-US">
-                <a:ea typeface="+mn-lt"/>
-                <a:cs typeface="+mn-lt"/>
-              </a:rPr>
-              <a:t>Our team has decided that Unity best fits the need for the game to be implemented.</a:t>
-            </a:r>
-          </a:p>
-          <a:p>
-            <a:pPr marL="383540" lvl="1"/>
-            <a:r>
-              <a:rPr lang="en-US">
-                <a:ea typeface="+mn-lt"/>
-                <a:cs typeface="+mn-lt"/>
-              </a:rPr>
-              <a:t>Code implementation</a:t>
-            </a:r>
-          </a:p>
-          <a:p>
-            <a:pPr marL="566420" lvl="2"/>
-            <a:r>
-              <a:rPr lang="en-US">
-                <a:ea typeface="+mn-lt"/>
-                <a:cs typeface="+mn-lt"/>
-              </a:rPr>
-              <a:t>Must use C# to work with Unity.</a:t>
-            </a:r>
-          </a:p>
-          <a:p>
-            <a:pPr marL="566420" lvl="2"/>
-            <a:r>
-              <a:rPr lang="en-US">
-                <a:ea typeface="+mn-lt"/>
-                <a:cs typeface="+mn-lt"/>
-              </a:rPr>
-              <a:t>Any compatible editor may be used.</a:t>
-            </a:r>
-          </a:p>
-          <a:p>
-            <a:endParaRPr lang="en-US"/>
-          </a:p>
-        </p:txBody>
-      </p:sp>
+        </p:nvPicPr>
+        <p:blipFill>
+          <a:blip r:embed="rId2"/>
+          <a:stretch>
+            <a:fillRect/>
+          </a:stretch>
+        </p:blipFill>
+        <p:spPr>
+          <a:xfrm>
+            <a:off x="4621427" y="1"/>
+            <a:ext cx="7570573" cy="6858000"/>
+          </a:xfrm>
+        </p:spPr>
+      </p:pic>
       <p:sp>
         <p:nvSpPr>
           <p:cNvPr id="4" name="Text Placeholder 3">
             <a:extLst>
               <a:ext uri="{FF2B5EF4-FFF2-40B4-BE49-F238E27FC236}">
-                <a16:creationId xmlns:a16="http://schemas.microsoft.com/office/drawing/2014/main" id="{E5947870-6119-4D10-BC1A-F3B88F41CC12}"/>
+                <a16:creationId xmlns:a16="http://schemas.microsoft.com/office/drawing/2014/main" id="{8302400D-72BF-B64E-BD07-34C94D8F9A8B}"/>
               </a:ext>
             </a:extLst>
           </p:cNvPr>
@@ -7501,7 +7797,7 @@
     </p:spTree>
     <p:extLst>
       <p:ext uri="{BB962C8B-B14F-4D97-AF65-F5344CB8AC3E}">
-        <p14:creationId xmlns:p14="http://schemas.microsoft.com/office/powerpoint/2010/main" val="322871362"/>
+        <p14:creationId xmlns:p14="http://schemas.microsoft.com/office/powerpoint/2010/main" val="2400740985"/>
       </p:ext>
     </p:extLst>
   </p:cSld>
@@ -7797,118 +8093,6 @@
     <p:extLst>
       <p:ext uri="{BB962C8B-B14F-4D97-AF65-F5344CB8AC3E}">
         <p14:creationId xmlns:p14="http://schemas.microsoft.com/office/powerpoint/2010/main" val="1087654509"/>
-      </p:ext>
-    </p:extLst>
-  </p:cSld>
-  <p:clrMapOvr>
-    <a:masterClrMapping/>
-  </p:clrMapOvr>
-</p:sld>
-</file>
-
-<file path=ppt/slides/slide20.xml><?xml version="1.0" encoding="utf-8"?>
-<p:sld xmlns:a="http://schemas.openxmlformats.org/drawingml/2006/main" xmlns:r="http://schemas.openxmlformats.org/officeDocument/2006/relationships" xmlns:p="http://schemas.openxmlformats.org/presentationml/2006/main">
-  <p:cSld>
-    <p:spTree>
-      <p:nvGrpSpPr>
-        <p:cNvPr id="1" name=""/>
-        <p:cNvGrpSpPr/>
-        <p:nvPr/>
-      </p:nvGrpSpPr>
-      <p:grpSpPr>
-        <a:xfrm>
-          <a:off x="0" y="0"/>
-          <a:ext cx="0" cy="0"/>
-          <a:chOff x="0" y="0"/>
-          <a:chExt cx="0" cy="0"/>
-        </a:xfrm>
-      </p:grpSpPr>
-      <p:sp>
-        <p:nvSpPr>
-          <p:cNvPr id="2" name="Title 1">
-            <a:extLst>
-              <a:ext uri="{FF2B5EF4-FFF2-40B4-BE49-F238E27FC236}">
-                <a16:creationId xmlns:a16="http://schemas.microsoft.com/office/drawing/2014/main" id="{3835FBDD-A08B-8F40-9D1A-9BE60A9E01A4}"/>
-              </a:ext>
-            </a:extLst>
-          </p:cNvPr>
-          <p:cNvSpPr>
-            <a:spLocks noGrp="1"/>
-          </p:cNvSpPr>
-          <p:nvPr>
-            <p:ph type="title"/>
-          </p:nvPr>
-        </p:nvSpPr>
-        <p:spPr/>
-        <p:txBody>
-          <a:bodyPr/>
-          <a:lstStyle/>
-          <a:p>
-            <a:r>
-              <a:rPr lang="en-US"/>
-              <a:t>Final Questions?</a:t>
-            </a:r>
-          </a:p>
-        </p:txBody>
-      </p:sp>
-      <p:pic>
-        <p:nvPicPr>
-          <p:cNvPr id="5" name="Picture 5">
-            <a:extLst>
-              <a:ext uri="{FF2B5EF4-FFF2-40B4-BE49-F238E27FC236}">
-                <a16:creationId xmlns:a16="http://schemas.microsoft.com/office/drawing/2014/main" id="{5817596E-3E3B-4B47-B79A-4768469F7F8A}"/>
-              </a:ext>
-            </a:extLst>
-          </p:cNvPr>
-          <p:cNvPicPr>
-            <a:picLocks noGrp="1" noChangeAspect="1"/>
-          </p:cNvPicPr>
-          <p:nvPr>
-            <p:ph idx="1"/>
-          </p:nvPr>
-        </p:nvPicPr>
-        <p:blipFill>
-          <a:blip r:embed="rId2"/>
-          <a:stretch>
-            <a:fillRect/>
-          </a:stretch>
-        </p:blipFill>
-        <p:spPr>
-          <a:xfrm>
-            <a:off x="4621427" y="1"/>
-            <a:ext cx="7570573" cy="6858000"/>
-          </a:xfrm>
-        </p:spPr>
-      </p:pic>
-      <p:sp>
-        <p:nvSpPr>
-          <p:cNvPr id="4" name="Text Placeholder 3">
-            <a:extLst>
-              <a:ext uri="{FF2B5EF4-FFF2-40B4-BE49-F238E27FC236}">
-                <a16:creationId xmlns:a16="http://schemas.microsoft.com/office/drawing/2014/main" id="{8302400D-72BF-B64E-BD07-34C94D8F9A8B}"/>
-              </a:ext>
-            </a:extLst>
-          </p:cNvPr>
-          <p:cNvSpPr>
-            <a:spLocks noGrp="1"/>
-          </p:cNvSpPr>
-          <p:nvPr>
-            <p:ph type="body" sz="half" idx="2"/>
-          </p:nvPr>
-        </p:nvSpPr>
-        <p:spPr/>
-        <p:txBody>
-          <a:bodyPr/>
-          <a:lstStyle/>
-          <a:p>
-            <a:endParaRPr lang="en-US"/>
-          </a:p>
-        </p:txBody>
-      </p:sp>
-    </p:spTree>
-    <p:extLst>
-      <p:ext uri="{BB962C8B-B14F-4D97-AF65-F5344CB8AC3E}">
-        <p14:creationId xmlns:p14="http://schemas.microsoft.com/office/powerpoint/2010/main" val="2400740985"/>
       </p:ext>
     </p:extLst>
   </p:cSld>
@@ -9980,6 +10164,36 @@
           </a:prstGeom>
         </p:spPr>
       </p:pic>
+      <p:pic>
+        <p:nvPicPr>
+          <p:cNvPr id="3" name="Picture 5" descr="Diagram&#10;&#10;Description automatically generated">
+            <a:extLst>
+              <a:ext uri="{FF2B5EF4-FFF2-40B4-BE49-F238E27FC236}">
+                <a16:creationId xmlns:a16="http://schemas.microsoft.com/office/drawing/2014/main" id="{75475F99-05B6-419D-8838-7B54E6451C12}"/>
+              </a:ext>
+            </a:extLst>
+          </p:cNvPr>
+          <p:cNvPicPr>
+            <a:picLocks noChangeAspect="1"/>
+          </p:cNvPicPr>
+          <p:nvPr/>
+        </p:nvPicPr>
+        <p:blipFill>
+          <a:blip r:embed="rId4"/>
+          <a:stretch>
+            <a:fillRect/>
+          </a:stretch>
+        </p:blipFill>
+        <p:spPr>
+          <a:xfrm>
+            <a:off x="569935" y="3857250"/>
+            <a:ext cx="2942419" cy="2745053"/>
+          </a:xfrm>
+          <a:prstGeom prst="rect">
+            <a:avLst/>
+          </a:prstGeom>
+        </p:spPr>
+      </p:pic>
     </p:spTree>
     <p:extLst>
       <p:ext uri="{BB962C8B-B14F-4D97-AF65-F5344CB8AC3E}">
@@ -10363,10 +10577,10 @@
       </p:pic>
       <p:pic>
         <p:nvPicPr>
-          <p:cNvPr id="68" name="Picture 4" descr="A picture containing shape&#10;&#10;Description automatically generated">
-            <a:extLst>
-              <a:ext uri="{FF2B5EF4-FFF2-40B4-BE49-F238E27FC236}">
-                <a16:creationId xmlns:a16="http://schemas.microsoft.com/office/drawing/2014/main" id="{7C11D00D-A70C-5B48-94B3-87E2249B23FB}"/>
+          <p:cNvPr id="3" name="Picture 3" descr="Logo&#10;&#10;Description automatically generated">
+            <a:extLst>
+              <a:ext uri="{FF2B5EF4-FFF2-40B4-BE49-F238E27FC236}">
+                <a16:creationId xmlns:a16="http://schemas.microsoft.com/office/drawing/2014/main" id="{39752096-0637-4033-B9DB-8FA6515CF7F7}"/>
               </a:ext>
             </a:extLst>
           </p:cNvPr>
@@ -10383,8 +10597,8 @@
         </p:blipFill>
         <p:spPr>
           <a:xfrm>
-            <a:off x="1027464" y="4000714"/>
-            <a:ext cx="2476055" cy="2476055"/>
+            <a:off x="3159279" y="1570928"/>
+            <a:ext cx="1293542" cy="1293542"/>
           </a:xfrm>
           <a:prstGeom prst="rect">
             <a:avLst/>
@@ -10407,6 +10621,14 @@
 <file path=ppt/slides/slide9.xml><?xml version="1.0" encoding="utf-8"?>
 <p:sld xmlns:a="http://schemas.openxmlformats.org/drawingml/2006/main" xmlns:r="http://schemas.openxmlformats.org/officeDocument/2006/relationships" xmlns:p="http://schemas.openxmlformats.org/presentationml/2006/main">
   <p:cSld>
+    <p:bg>
+      <p:bgPr>
+        <a:solidFill>
+          <a:schemeClr val="bg1"/>
+        </a:solidFill>
+        <a:effectLst/>
+      </p:bgPr>
+    </p:bg>
     <p:spTree>
       <p:nvGrpSpPr>
         <p:cNvPr id="1" name=""/>
@@ -10423,10 +10645,10 @@
       </p:grpSpPr>
       <p:sp>
         <p:nvSpPr>
-          <p:cNvPr id="11" name="Rectangle 10">
-            <a:extLst>
-              <a:ext uri="{FF2B5EF4-FFF2-40B4-BE49-F238E27FC236}">
-                <a16:creationId xmlns:a16="http://schemas.microsoft.com/office/drawing/2014/main" id="{416A0E3C-60E6-4F39-BC55-5F7C224E1F7C}"/>
+          <p:cNvPr id="24" name="Rectangle 23">
+            <a:extLst>
+              <a:ext uri="{FF2B5EF4-FFF2-40B4-BE49-F238E27FC236}">
+                <a16:creationId xmlns:a16="http://schemas.microsoft.com/office/drawing/2014/main" id="{39E3965E-AC41-4711-9D10-E25ABB132D86}"/>
               </a:ext>
               <a:ext uri="{C183D7F6-B498-43B3-948B-1728B52AA6E4}">
                 <adec:decorative xmlns:adec="http://schemas.microsoft.com/office/drawing/2017/decorative" val="1"/>
@@ -10478,10 +10700,10 @@
       </p:sp>
       <p:cxnSp>
         <p:nvCxnSpPr>
-          <p:cNvPr id="13" name="Straight Connector 12">
-            <a:extLst>
-              <a:ext uri="{FF2B5EF4-FFF2-40B4-BE49-F238E27FC236}">
-                <a16:creationId xmlns:a16="http://schemas.microsoft.com/office/drawing/2014/main" id="{C5025DAC-8B93-4160-B017-3A274A5828C0}"/>
+          <p:cNvPr id="26" name="Straight Connector 25">
+            <a:extLst>
+              <a:ext uri="{FF2B5EF4-FFF2-40B4-BE49-F238E27FC236}">
+                <a16:creationId xmlns:a16="http://schemas.microsoft.com/office/drawing/2014/main" id="{1F5DC8C3-BA5F-4EED-BB9A-A14272BD82A1}"/>
               </a:ext>
               <a:ext uri="{C183D7F6-B498-43B3-948B-1728B52AA6E4}">
                 <adec:decorative xmlns:adec="http://schemas.microsoft.com/office/drawing/2017/decorative" val="1"/>
@@ -10501,8 +10723,8 @@
         </p:nvCxnSpPr>
         <p:spPr>
           <a:xfrm>
-            <a:off x="1193532" y="1897380"/>
-            <a:ext cx="9966960" cy="0"/>
+            <a:off x="1207658" y="4474741"/>
+            <a:ext cx="9875520" cy="0"/>
           </a:xfrm>
           <a:prstGeom prst="line">
             <a:avLst/>
@@ -10531,12 +10753,12 @@
           </a:fontRef>
         </p:style>
       </p:cxnSp>
-      <p:sp useBgFill="1">
-        <p:nvSpPr>
-          <p:cNvPr id="15" name="Rectangle 14">
-            <a:extLst>
-              <a:ext uri="{FF2B5EF4-FFF2-40B4-BE49-F238E27FC236}">
-                <a16:creationId xmlns:a16="http://schemas.microsoft.com/office/drawing/2014/main" id="{39B4056F-1959-4627-A683-77F6C0603FCD}"/>
+      <p:sp>
+        <p:nvSpPr>
+          <p:cNvPr id="28" name="Rectangle 27">
+            <a:extLst>
+              <a:ext uri="{FF2B5EF4-FFF2-40B4-BE49-F238E27FC236}">
+                <a16:creationId xmlns:a16="http://schemas.microsoft.com/office/drawing/2014/main" id="{2FDF0794-1B86-42B2-B8C7-F60123E638ED}"/>
               </a:ext>
               <a:ext uri="{C183D7F6-B498-43B3-948B-1728B52AA6E4}">
                 <adec:decorative xmlns:adec="http://schemas.microsoft.com/office/drawing/2017/decorative" val="1"/>
@@ -10556,12 +10778,15 @@
         </p:nvSpPr>
         <p:spPr>
           <a:xfrm>
-            <a:off x="0" y="0"/>
-            <a:ext cx="12192001" cy="6858000"/>
+            <a:off x="3274" y="0"/>
+            <a:ext cx="12188726" cy="6858975"/>
           </a:xfrm>
           <a:prstGeom prst="rect">
             <a:avLst/>
           </a:prstGeom>
+          <a:solidFill>
+            <a:schemeClr val="bg1"/>
+          </a:solidFill>
           <a:ln>
             <a:noFill/>
           </a:ln>
@@ -10591,50 +10816,12 @@
           </a:p>
         </p:txBody>
       </p:sp>
-      <p:pic>
-        <p:nvPicPr>
-          <p:cNvPr id="6" name="Content Placeholder 5" descr="Diagram&#10;&#10;Description automatically generated">
-            <a:extLst>
-              <a:ext uri="{FF2B5EF4-FFF2-40B4-BE49-F238E27FC236}">
-                <a16:creationId xmlns:a16="http://schemas.microsoft.com/office/drawing/2014/main" id="{E2E794CF-EAF5-D148-B527-855D5BFF2A5C}"/>
-              </a:ext>
-            </a:extLst>
-          </p:cNvPr>
-          <p:cNvPicPr>
-            <a:picLocks noGrp="1" noChangeAspect="1"/>
-          </p:cNvPicPr>
-          <p:nvPr>
-            <p:ph idx="1"/>
-          </p:nvPr>
-        </p:nvPicPr>
-        <p:blipFill>
-          <a:blip r:embed="rId3">
-            <a:extLst>
-              <a:ext uri="{28A0092B-C50C-407E-A947-70E740481C1C}">
-                <a14:useLocalDpi xmlns:a14="http://schemas.microsoft.com/office/drawing/2010/main" val="0"/>
-              </a:ext>
-            </a:extLst>
-          </a:blip>
-          <a:stretch>
-            <a:fillRect/>
-          </a:stretch>
-        </p:blipFill>
-        <p:spPr>
-          <a:xfrm>
-            <a:off x="0" y="0"/>
-            <a:ext cx="12192000" cy="4554906"/>
-          </a:xfrm>
-          <a:prstGeom prst="rect">
-            <a:avLst/>
-          </a:prstGeom>
-        </p:spPr>
-      </p:pic>
-      <p:sp>
-        <p:nvSpPr>
-          <p:cNvPr id="17" name="Rectangle 16">
-            <a:extLst>
-              <a:ext uri="{FF2B5EF4-FFF2-40B4-BE49-F238E27FC236}">
-                <a16:creationId xmlns:a16="http://schemas.microsoft.com/office/drawing/2014/main" id="{D8D7349B-C9FA-4FCE-A1FF-948F460A3A9A}"/>
+      <p:sp>
+        <p:nvSpPr>
+          <p:cNvPr id="30" name="Rectangle 29">
+            <a:extLst>
+              <a:ext uri="{FF2B5EF4-FFF2-40B4-BE49-F238E27FC236}">
+                <a16:creationId xmlns:a16="http://schemas.microsoft.com/office/drawing/2014/main" id="{C5373426-E26E-431D-959C-5DB96C0B6208}"/>
               </a:ext>
               <a:ext uri="{C183D7F6-B498-43B3-948B-1728B52AA6E4}">
                 <adec:decorative xmlns:adec="http://schemas.microsoft.com/office/drawing/2017/decorative" val="1"/>
@@ -10652,16 +10839,18 @@
             </p:extLst>
           </p:nvPr>
         </p:nvSpPr>
-        <p:spPr bwMode="white">
-          <a:xfrm>
-            <a:off x="1507" y="4554906"/>
-            <a:ext cx="12188952" cy="2303094"/>
+        <p:spPr>
+          <a:xfrm>
+            <a:off x="643467" y="643467"/>
+            <a:ext cx="3635926" cy="5111915"/>
           </a:xfrm>
           <a:prstGeom prst="rect">
             <a:avLst/>
           </a:prstGeom>
           <a:solidFill>
-            <a:srgbClr val="262626"/>
+            <a:schemeClr val="tx1">
+              <a:alpha val="85000"/>
+            </a:schemeClr>
           </a:solidFill>
           <a:ln>
             <a:noFill/>
@@ -10683,6 +10872,14 @@
             <a:schemeClr val="lt1"/>
           </a:fontRef>
         </p:style>
+        <p:txBody>
+          <a:bodyPr rtlCol="0" anchor="ctr"/>
+          <a:lstStyle/>
+          <a:p>
+            <a:pPr algn="ctr"/>
+            <a:endParaRPr lang="en-US"/>
+          </a:p>
+        </p:txBody>
       </p:sp>
       <p:sp>
         <p:nvSpPr>
@@ -10702,19 +10899,22 @@
         </p:nvSpPr>
         <p:spPr>
           <a:xfrm>
-            <a:off x="633998" y="4905301"/>
-            <a:ext cx="4988879" cy="1554485"/>
-          </a:xfrm>
-        </p:spPr>
-        <p:txBody>
-          <a:bodyPr vert="horz" lIns="91440" tIns="45720" rIns="91440" bIns="45720" rtlCol="0" anchor="ctr">
+            <a:off x="854277" y="884521"/>
+            <a:ext cx="3214307" cy="2867252"/>
+          </a:xfrm>
+        </p:spPr>
+        <p:txBody>
+          <a:bodyPr vert="horz" lIns="91440" tIns="45720" rIns="91440" bIns="45720" rtlCol="0" anchor="b">
             <a:normAutofit/>
           </a:bodyPr>
           <a:lstStyle/>
           <a:p>
-            <a:pPr algn="r"/>
-            <a:r>
-              <a:rPr lang="en-US" sz="4000"/>
+            <a:r>
+              <a:rPr lang="en-US" sz="4400">
+                <a:solidFill>
+                  <a:schemeClr val="bg1"/>
+                </a:solidFill>
+              </a:rPr>
               <a:t>Context Diagram</a:t>
             </a:r>
           </a:p>
@@ -10722,10 +10922,10 @@
       </p:sp>
       <p:cxnSp>
         <p:nvCxnSpPr>
-          <p:cNvPr id="19" name="Straight Connector 18">
-            <a:extLst>
-              <a:ext uri="{FF2B5EF4-FFF2-40B4-BE49-F238E27FC236}">
-                <a16:creationId xmlns:a16="http://schemas.microsoft.com/office/drawing/2014/main" id="{55646586-8E5D-4A2B-BDA9-01CE28AC89A1}"/>
+          <p:cNvPr id="32" name="Straight Connector 31">
+            <a:extLst>
+              <a:ext uri="{FF2B5EF4-FFF2-40B4-BE49-F238E27FC236}">
+                <a16:creationId xmlns:a16="http://schemas.microsoft.com/office/drawing/2014/main" id="{96D07482-83A3-4451-943C-B46961082957}"/>
               </a:ext>
               <a:ext uri="{C183D7F6-B498-43B3-948B-1728B52AA6E4}">
                 <adec:decorative xmlns:adec="http://schemas.microsoft.com/office/drawing/2017/decorative" val="1"/>
@@ -10745,15 +10945,15 @@
         </p:nvCxnSpPr>
         <p:spPr>
           <a:xfrm>
-            <a:off x="5820770" y="5247564"/>
-            <a:ext cx="0" cy="873457"/>
+            <a:off x="906950" y="3883364"/>
+            <a:ext cx="3108960" cy="0"/>
           </a:xfrm>
           <a:prstGeom prst="line">
             <a:avLst/>
           </a:prstGeom>
           <a:ln w="19050">
             <a:solidFill>
-              <a:srgbClr val="E70900"/>
+              <a:schemeClr val="accent1"/>
             </a:solidFill>
           </a:ln>
         </p:spPr>
@@ -10774,10 +10974,40 @@
       </p:cxnSp>
       <p:pic>
         <p:nvPicPr>
-          <p:cNvPr id="12" name="Picture 4" descr="A picture containing shape&#10;&#10;Description automatically generated">
-            <a:extLst>
-              <a:ext uri="{FF2B5EF4-FFF2-40B4-BE49-F238E27FC236}">
-                <a16:creationId xmlns:a16="http://schemas.microsoft.com/office/drawing/2014/main" id="{BD7B0AC0-B1C3-3E47-9C9F-DA694715135F}"/>
+          <p:cNvPr id="4" name="Picture 4" descr="A picture containing diagram&#10;&#10;Description automatically generated">
+            <a:extLst>
+              <a:ext uri="{FF2B5EF4-FFF2-40B4-BE49-F238E27FC236}">
+                <a16:creationId xmlns:a16="http://schemas.microsoft.com/office/drawing/2014/main" id="{DDA435FC-FA64-4C12-8CAA-F54AA5B4E3C2}"/>
+              </a:ext>
+            </a:extLst>
+          </p:cNvPr>
+          <p:cNvPicPr>
+            <a:picLocks noChangeAspect="1"/>
+          </p:cNvPicPr>
+          <p:nvPr/>
+        </p:nvPicPr>
+        <p:blipFill>
+          <a:blip r:embed="rId3"/>
+          <a:stretch>
+            <a:fillRect/>
+          </a:stretch>
+        </p:blipFill>
+        <p:spPr>
+          <a:xfrm>
+            <a:off x="4874296" y="2354258"/>
+            <a:ext cx="6431369" cy="1689834"/>
+          </a:xfrm>
+          <a:prstGeom prst="rect">
+            <a:avLst/>
+          </a:prstGeom>
+        </p:spPr>
+      </p:pic>
+      <p:pic>
+        <p:nvPicPr>
+          <p:cNvPr id="3" name="Picture 3" descr="Logo&#10;&#10;Description automatically generated">
+            <a:extLst>
+              <a:ext uri="{FF2B5EF4-FFF2-40B4-BE49-F238E27FC236}">
+                <a16:creationId xmlns:a16="http://schemas.microsoft.com/office/drawing/2014/main" id="{74A1A18B-3E9D-4661-9CF2-9635FEA59F2E}"/>
               </a:ext>
             </a:extLst>
           </p:cNvPr>
@@ -10794,14 +11024,71 @@
         </p:blipFill>
         <p:spPr>
           <a:xfrm>
-            <a:off x="6095983" y="4710446"/>
-            <a:ext cx="1995995" cy="1995995"/>
+            <a:off x="2983976" y="2621917"/>
+            <a:ext cx="950577" cy="950577"/>
           </a:xfrm>
           <a:prstGeom prst="rect">
             <a:avLst/>
           </a:prstGeom>
         </p:spPr>
       </p:pic>
+      <p:sp>
+        <p:nvSpPr>
+          <p:cNvPr id="34" name="Rectangle 33">
+            <a:extLst>
+              <a:ext uri="{FF2B5EF4-FFF2-40B4-BE49-F238E27FC236}">
+                <a16:creationId xmlns:a16="http://schemas.microsoft.com/office/drawing/2014/main" id="{E239D8CC-16F4-4B2B-80F0-203C56D0D2DE}"/>
+              </a:ext>
+              <a:ext uri="{C183D7F6-B498-43B3-948B-1728B52AA6E4}">
+                <adec:decorative xmlns:adec="http://schemas.microsoft.com/office/drawing/2017/decorative" val="1"/>
+              </a:ext>
+            </a:extLst>
+          </p:cNvPr>
+          <p:cNvSpPr>
+            <a:spLocks noGrp="1" noRot="1" noChangeAspect="1" noMove="1" noResize="1" noEditPoints="1" noAdjustHandles="1" noChangeArrowheads="1" noChangeShapeType="1" noTextEdit="1"/>
+          </p:cNvSpPr>
+          <p:nvPr>
+            <p:extLst>
+              <p:ext uri="{386F3935-93C4-4BCD-93E2-E3B085C9AB24}">
+                <p16:designElem xmlns:p16="http://schemas.microsoft.com/office/powerpoint/2015/main" val="1"/>
+              </p:ext>
+            </p:extLst>
+          </p:nvPr>
+        </p:nvSpPr>
+        <p:spPr>
+          <a:xfrm>
+            <a:off x="1" y="6400800"/>
+            <a:ext cx="12192000" cy="457200"/>
+          </a:xfrm>
+          <a:prstGeom prst="rect">
+            <a:avLst/>
+          </a:prstGeom>
+          <a:solidFill>
+            <a:srgbClr val="262626">
+              <a:alpha val="95000"/>
+            </a:srgbClr>
+          </a:solidFill>
+          <a:ln>
+            <a:noFill/>
+          </a:ln>
+        </p:spPr>
+        <p:style>
+          <a:lnRef idx="2">
+            <a:schemeClr val="accent1">
+              <a:shade val="50000"/>
+            </a:schemeClr>
+          </a:lnRef>
+          <a:fillRef idx="1">
+            <a:schemeClr val="accent1"/>
+          </a:fillRef>
+          <a:effectRef idx="0">
+            <a:schemeClr val="accent1"/>
+          </a:effectRef>
+          <a:fontRef idx="minor">
+            <a:schemeClr val="lt1"/>
+          </a:fontRef>
+        </p:style>
+      </p:sp>
     </p:spTree>
     <p:extLst>
       <p:ext uri="{BB962C8B-B14F-4D97-AF65-F5344CB8AC3E}">

--- a/docs/SA_Presentation.pptx
+++ b/docs/SA_Presentation.pptx
@@ -5,7 +5,7 @@
     <p:sldMasterId id="2147483672" r:id="rId1"/>
   </p:sldMasterIdLst>
   <p:notesMasterIdLst>
-    <p:notesMasterId r:id="rId21"/>
+    <p:notesMasterId r:id="rId26"/>
   </p:notesMasterIdLst>
   <p:sldIdLst>
     <p:sldId id="256" r:id="rId2"/>
@@ -21,12 +21,17 @@
     <p:sldId id="284" r:id="rId12"/>
     <p:sldId id="285" r:id="rId13"/>
     <p:sldId id="270" r:id="rId14"/>
-    <p:sldId id="280" r:id="rId15"/>
-    <p:sldId id="281" r:id="rId16"/>
-    <p:sldId id="272" r:id="rId17"/>
-    <p:sldId id="287" r:id="rId18"/>
-    <p:sldId id="283" r:id="rId19"/>
-    <p:sldId id="269" r:id="rId20"/>
+    <p:sldId id="288" r:id="rId15"/>
+    <p:sldId id="280" r:id="rId16"/>
+    <p:sldId id="292" r:id="rId17"/>
+    <p:sldId id="289" r:id="rId18"/>
+    <p:sldId id="281" r:id="rId19"/>
+    <p:sldId id="291" r:id="rId20"/>
+    <p:sldId id="272" r:id="rId21"/>
+    <p:sldId id="287" r:id="rId22"/>
+    <p:sldId id="283" r:id="rId23"/>
+    <p:sldId id="290" r:id="rId24"/>
+    <p:sldId id="269" r:id="rId25"/>
   </p:sldIdLst>
   <p:sldSz cx="12192000" cy="6858000"/>
   <p:notesSz cx="6858000" cy="9144000"/>
@@ -136,18 +141,7 @@
 <file path=ppt/revisionInfo.xml><?xml version="1.0" encoding="utf-8"?>
 <p1510:revInfo xmlns:a="http://schemas.openxmlformats.org/drawingml/2006/main" xmlns:r="http://schemas.openxmlformats.org/officeDocument/2006/relationships" xmlns:p1510="http://schemas.microsoft.com/office/powerpoint/2015/10/main">
   <p1510:revLst>
-    <p1510:client id="{00000000-0000-0000-0000-000000000000}" v="134" dt="2021-02-23T18:10:06.158"/>
-    <p1510:client id="{06175CDD-67D0-90FB-7474-BD06A72CCCC8}" v="43" dt="2021-02-23T15:42:07.663"/>
-    <p1510:client id="{178E5ECA-F867-932A-3092-4FC25F65BAFE}" v="49" dt="2021-02-24T05:26:05.900"/>
-    <p1510:client id="{4C48B464-09E3-92A9-87A9-5F63A3EEC72C}" v="11" dt="2021-02-23T07:49:34.503"/>
-    <p1510:client id="{5E9EBCD1-2B4F-81C9-ADC4-DEFBFF266E74}" v="112" dt="2021-02-25T09:31:37.117"/>
-    <p1510:client id="{7926AB57-88C2-F07E-2DE8-A7ECD230F1CF}" v="57" dt="2021-02-22T18:47:02.604"/>
-    <p1510:client id="{85918AF7-D525-C64A-AE28-489296C0A611}" v="2530" dt="2021-02-23T18:26:15.006"/>
-    <p1510:client id="{A2F6B2F0-EB21-EF9E-9B1C-9EA3F68DD70D}" v="197" dt="2021-02-23T21:54:14.312"/>
-    <p1510:client id="{A39BAE9F-8007-B000-D77D-E1EFE09BDA17}" v="1" dt="2021-02-25T05:00:21.556"/>
-    <p1510:client id="{DEECC59F-5F35-F27F-76FD-2F45022171F6}" v="569" dt="2021-02-23T18:36:59.919"/>
-    <p1510:client id="{E9A4B6B0-AB85-D4CC-6503-2D8531DE451E}" v="95" dt="2021-02-23T18:34:01.564"/>
-    <p1510:client id="{EFA3AE9F-B03E-B000-9465-9D0807871752}" v="39" dt="2021-02-25T07:44:36.872"/>
+    <p1510:client id="{23F173BB-B220-7B47-B5F2-B88EA97C4A76}" v="4" dt="2021-02-26T17:46:22.296"/>
   </p1510:revLst>
 </p1510:revInfo>
 </file>
@@ -234,7 +228,7 @@
           <a:p>
             <a:fld id="{23963AFE-6B6E-A44F-840F-1A880D6774FC}" type="datetimeFigureOut">
               <a:rPr lang="en-US" smtClean="0"/>
-              <a:t>2/25/2021</a:t>
+              <a:t>2/27/2021</a:t>
             </a:fld>
             <a:endParaRPr lang="en-US"/>
           </a:p>
@@ -1079,7 +1073,7 @@
           <a:p>
             <a:fld id="{9184DA70-C731-4C70-880D-CCD4705E623C}" type="datetime1">
               <a:rPr lang="en-US" smtClean="0"/>
-              <a:t>2/25/2021</a:t>
+              <a:t>2/27/2021</a:t>
             </a:fld>
             <a:endParaRPr lang="en-US"/>
           </a:p>
@@ -1265,7 +1259,7 @@
           <a:p>
             <a:fld id="{B612A279-0833-481D-8C56-F67FD0AC6C50}" type="datetime1">
               <a:rPr lang="en-US" smtClean="0"/>
-              <a:t>2/25/2021</a:t>
+              <a:t>2/27/2021</a:t>
             </a:fld>
             <a:endParaRPr lang="en-US"/>
           </a:p>
@@ -1505,7 +1499,7 @@
           <a:p>
             <a:fld id="{6587DA83-5663-4C9C-B9AA-0B40A3DAFF81}" type="datetime1">
               <a:rPr lang="en-US" smtClean="0"/>
-              <a:t>2/25/2021</a:t>
+              <a:t>2/27/2021</a:t>
             </a:fld>
             <a:endParaRPr lang="en-US"/>
           </a:p>
@@ -1691,7 +1685,7 @@
           <a:p>
             <a:fld id="{4BE1D723-8F53-4F53-90B0-1982A396982E}" type="datetime1">
               <a:rPr lang="en-US" smtClean="0"/>
-              <a:t>2/25/2021</a:t>
+              <a:t>2/27/2021</a:t>
             </a:fld>
             <a:endParaRPr lang="en-US"/>
           </a:p>
@@ -2055,7 +2049,7 @@
           <a:p>
             <a:fld id="{97669AF7-7BEB-44E4-9852-375E34362B5B}" type="datetime1">
               <a:rPr lang="en-US" smtClean="0"/>
-              <a:t>2/25/2021</a:t>
+              <a:t>2/27/2021</a:t>
             </a:fld>
             <a:endParaRPr lang="en-US"/>
           </a:p>
@@ -2307,7 +2301,7 @@
           <a:p>
             <a:fld id="{BAAAC38D-0552-4C82-B593-E6124DFADBE2}" type="datetime1">
               <a:rPr lang="en-US" smtClean="0"/>
-              <a:t>2/25/2021</a:t>
+              <a:t>2/27/2021</a:t>
             </a:fld>
             <a:endParaRPr lang="en-US"/>
           </a:p>
@@ -2701,7 +2695,7 @@
           <a:p>
             <a:fld id="{D9DF0F1C-5577-4ACB-BB62-DF8F3C494C7E}" type="datetime1">
               <a:rPr lang="en-US" smtClean="0"/>
-              <a:t>2/25/2021</a:t>
+              <a:t>2/27/2021</a:t>
             </a:fld>
             <a:endParaRPr lang="en-US"/>
           </a:p>
@@ -2836,7 +2830,7 @@
           <a:p>
             <a:fld id="{1775B394-D9F9-4F0C-B15D-605F45CB9E9F}" type="datetime1">
               <a:rPr lang="en-US" smtClean="0"/>
-              <a:t>2/25/2021</a:t>
+              <a:t>2/27/2021</a:t>
             </a:fld>
             <a:endParaRPr lang="en-US"/>
           </a:p>
@@ -2993,7 +2987,7 @@
           <a:p>
             <a:fld id="{39667345-2558-425A-8533-9BFDBCE15005}" type="datetime1">
               <a:rPr lang="en-US" smtClean="0"/>
-              <a:t>2/25/2021</a:t>
+              <a:t>2/27/2021</a:t>
             </a:fld>
             <a:endParaRPr lang="en-US"/>
           </a:p>
@@ -3320,7 +3314,7 @@
           <a:p>
             <a:fld id="{92BEA474-078D-4E9B-9B14-09A87B19DC46}" type="datetime1">
               <a:rPr lang="en-US" smtClean="0"/>
-              <a:t>2/25/2021</a:t>
+              <a:t>2/27/2021</a:t>
             </a:fld>
             <a:endParaRPr lang="en-US"/>
           </a:p>
@@ -3668,7 +3662,7 @@
           <a:p>
             <a:fld id="{4907D986-8816-4272-A432-0437A28A9828}" type="datetime1">
               <a:rPr lang="en-US" smtClean="0"/>
-              <a:t>2/25/2021</a:t>
+              <a:t>2/27/2021</a:t>
             </a:fld>
             <a:endParaRPr lang="en-US"/>
           </a:p>
@@ -3934,7 +3928,7 @@
           <a:p>
             <a:fld id="{62D6E202-B606-4609-B914-27C9371A1F6D}" type="datetime1">
               <a:rPr lang="en-US" smtClean="0"/>
-              <a:t>2/25/2021</a:t>
+              <a:t>2/27/2021</a:t>
             </a:fld>
             <a:endParaRPr lang="en-US"/>
           </a:p>
@@ -5112,7 +5106,7 @@
         </p:blipFill>
         <p:spPr>
           <a:xfrm>
-            <a:off x="4310824" y="489542"/>
+            <a:off x="4781770" y="516836"/>
             <a:ext cx="6891634" cy="5432867"/>
           </a:xfrm>
           <a:prstGeom prst="rect">
@@ -5662,7 +5656,23 @@
                   <a:srgbClr val="404040"/>
                 </a:solidFill>
               </a:rPr>
-              <a:t>Enemy attacks player once they are in range and can follow the player via Astar Pathfinding.</a:t>
+              <a:t>Enemy attacks player once they are in range and can follow the player via </a:t>
+            </a:r>
+            <a:r>
+              <a:rPr lang="en-US" err="1">
+                <a:solidFill>
+                  <a:srgbClr val="404040"/>
+                </a:solidFill>
+              </a:rPr>
+              <a:t>Astar</a:t>
+            </a:r>
+            <a:r>
+              <a:rPr lang="en-US">
+                <a:solidFill>
+                  <a:srgbClr val="404040"/>
+                </a:solidFill>
+              </a:rPr>
+              <a:t> Pathfinding.</a:t>
             </a:r>
           </a:p>
         </p:txBody>
@@ -5689,7 +5699,7 @@
         </p:blipFill>
         <p:spPr>
           <a:xfrm>
-            <a:off x="7196397" y="2241049"/>
+            <a:off x="6997614" y="934054"/>
             <a:ext cx="1911915" cy="1613900"/>
           </a:xfrm>
           <a:prstGeom prst="rect">
@@ -5711,7 +5721,7 @@
         </p:nvSpPr>
         <p:spPr>
           <a:xfrm>
-            <a:off x="9118947" y="2448837"/>
+            <a:off x="8909529" y="1256141"/>
             <a:ext cx="2544872" cy="646331"/>
           </a:xfrm>
           <a:prstGeom prst="rect">
@@ -5769,6 +5779,77 @@
           </a:prstGeom>
         </p:spPr>
       </p:pic>
+      <p:pic>
+        <p:nvPicPr>
+          <p:cNvPr id="10" name="Picture 9" descr="A picture containing text&#10;&#10;Description automatically generated">
+            <a:extLst>
+              <a:ext uri="{FF2B5EF4-FFF2-40B4-BE49-F238E27FC236}">
+                <a16:creationId xmlns:a16="http://schemas.microsoft.com/office/drawing/2014/main" id="{CCEEF378-7668-482A-BC26-CE464A5E87EC}"/>
+              </a:ext>
+            </a:extLst>
+          </p:cNvPr>
+          <p:cNvPicPr>
+            <a:picLocks noChangeAspect="1"/>
+          </p:cNvPicPr>
+          <p:nvPr/>
+        </p:nvPicPr>
+        <p:blipFill>
+          <a:blip r:embed="rId6">
+            <a:extLst>
+              <a:ext uri="{28A0092B-C50C-407E-A947-70E740481C1C}">
+                <a14:useLocalDpi xmlns:a14="http://schemas.microsoft.com/office/drawing/2010/main" val="0"/>
+              </a:ext>
+            </a:extLst>
+          </a:blip>
+          <a:stretch>
+            <a:fillRect/>
+          </a:stretch>
+        </p:blipFill>
+        <p:spPr>
+          <a:xfrm>
+            <a:off x="6817823" y="3322665"/>
+            <a:ext cx="1657362" cy="2081228"/>
+          </a:xfrm>
+          <a:prstGeom prst="rect">
+            <a:avLst/>
+          </a:prstGeom>
+        </p:spPr>
+      </p:pic>
+      <p:sp>
+        <p:nvSpPr>
+          <p:cNvPr id="11" name="TextBox 10">
+            <a:extLst>
+              <a:ext uri="{FF2B5EF4-FFF2-40B4-BE49-F238E27FC236}">
+                <a16:creationId xmlns:a16="http://schemas.microsoft.com/office/drawing/2014/main" id="{3BFD6F61-5241-4C9A-9CC9-AED6313865D8}"/>
+              </a:ext>
+            </a:extLst>
+          </p:cNvPr>
+          <p:cNvSpPr txBox="1"/>
+          <p:nvPr/>
+        </p:nvSpPr>
+        <p:spPr>
+          <a:xfrm>
+            <a:off x="8711648" y="3513483"/>
+            <a:ext cx="2479813" cy="646331"/>
+          </a:xfrm>
+          <a:prstGeom prst="rect">
+            <a:avLst/>
+          </a:prstGeom>
+          <a:noFill/>
+        </p:spPr>
+        <p:txBody>
+          <a:bodyPr wrap="square" rtlCol="0">
+            <a:spAutoFit/>
+          </a:bodyPr>
+          <a:lstStyle/>
+          <a:p>
+            <a:r>
+              <a:rPr lang="en-US"/>
+              <a:t>Player can interact with stairs to change levels.</a:t>
+            </a:r>
+          </a:p>
+        </p:txBody>
+      </p:sp>
     </p:spTree>
     <p:extLst>
       <p:ext uri="{BB962C8B-B14F-4D97-AF65-F5344CB8AC3E}">
@@ -6089,7 +6170,7 @@
           <p:cNvPr id="2" name="Title 1">
             <a:extLst>
               <a:ext uri="{FF2B5EF4-FFF2-40B4-BE49-F238E27FC236}">
-                <a16:creationId xmlns:a16="http://schemas.microsoft.com/office/drawing/2014/main" id="{94A4E944-762E-B64E-9FEA-6C1B17942EC7}"/>
+                <a16:creationId xmlns:a16="http://schemas.microsoft.com/office/drawing/2014/main" id="{E8C396EE-C7F9-4429-92D5-A5B5EFF11125}"/>
               </a:ext>
             </a:extLst>
           </p:cNvPr>
@@ -6107,92 +6188,26 @@
           <a:p>
             <a:r>
               <a:rPr lang="en-US"/>
-              <a:t>Nathan V.</a:t>
-            </a:r>
-          </a:p>
-        </p:txBody>
-      </p:sp>
-      <p:sp>
-        <p:nvSpPr>
-          <p:cNvPr id="4" name="Text Placeholder 3">
-            <a:extLst>
-              <a:ext uri="{FF2B5EF4-FFF2-40B4-BE49-F238E27FC236}">
-                <a16:creationId xmlns:a16="http://schemas.microsoft.com/office/drawing/2014/main" id="{A1B5656D-9A6C-014B-8080-B1CF4F43691F}"/>
-              </a:ext>
-            </a:extLst>
-          </p:cNvPr>
-          <p:cNvSpPr>
-            <a:spLocks noGrp="1"/>
-          </p:cNvSpPr>
-          <p:nvPr>
-            <p:ph type="body" sz="half" idx="2"/>
-          </p:nvPr>
-        </p:nvSpPr>
-        <p:spPr/>
-        <p:txBody>
-          <a:bodyPr vert="horz" lIns="91440" tIns="45720" rIns="91440" bIns="45720" rtlCol="0" anchor="t">
-            <a:normAutofit/>
-          </a:bodyPr>
-          <a:lstStyle/>
-          <a:p>
-            <a:r>
-              <a:rPr lang="en-US"/>
-              <a:t>- Player Movement (High Priority)</a:t>
-            </a:r>
-          </a:p>
-          <a:p>
-            <a:r>
-              <a:rPr lang="en-US">
-                <a:ea typeface="+mn-lt"/>
-                <a:cs typeface="+mn-lt"/>
-              </a:rPr>
-              <a:t>- Player Manager (High Priority)</a:t>
-            </a:r>
-            <a:endParaRPr lang="en-US"/>
-          </a:p>
-          <a:p>
-            <a:r>
-              <a:rPr lang="en-US">
-                <a:ea typeface="+mn-lt"/>
-                <a:cs typeface="+mn-lt"/>
-              </a:rPr>
-              <a:t>- Health Bars (Low Priority)</a:t>
-            </a:r>
-            <a:endParaRPr lang="en-US"/>
-          </a:p>
-          <a:p>
-            <a:r>
-              <a:rPr lang="en-US"/>
-              <a:t>- Animations (Low Priority)  </a:t>
-            </a:r>
-          </a:p>
-          <a:p>
-            <a:r>
-              <a:rPr lang="en-US"/>
-              <a:t>- Sprites (Low Priority)</a:t>
-            </a:r>
-          </a:p>
-          <a:p>
-            <a:r>
-              <a:rPr lang="en-US"/>
-              <a:t>- Tile-set (Low Priority)</a:t>
+              <a:t>Kim H.</a:t>
             </a:r>
           </a:p>
         </p:txBody>
       </p:sp>
       <p:pic>
         <p:nvPicPr>
-          <p:cNvPr id="3" name="Picture 4">
-            <a:extLst>
-              <a:ext uri="{FF2B5EF4-FFF2-40B4-BE49-F238E27FC236}">
-                <a16:creationId xmlns:a16="http://schemas.microsoft.com/office/drawing/2014/main" id="{52FB459C-635B-4879-B026-B012481A9317}"/>
+          <p:cNvPr id="5" name="Picture 5" descr="Diagram&#10;&#10;Description automatically generated">
+            <a:extLst>
+              <a:ext uri="{FF2B5EF4-FFF2-40B4-BE49-F238E27FC236}">
+                <a16:creationId xmlns:a16="http://schemas.microsoft.com/office/drawing/2014/main" id="{15037D37-27CE-4739-93F4-F2894DE6182D}"/>
               </a:ext>
             </a:extLst>
           </p:cNvPr>
           <p:cNvPicPr>
-            <a:picLocks noChangeAspect="1"/>
+            <a:picLocks noGrp="1" noChangeAspect="1"/>
           </p:cNvPicPr>
-          <p:nvPr/>
+          <p:nvPr>
+            <p:ph idx="1"/>
+          </p:nvPr>
         </p:nvPicPr>
         <p:blipFill>
           <a:blip r:embed="rId2"/>
@@ -6202,29 +6217,81 @@
         </p:blipFill>
         <p:spPr>
           <a:xfrm>
-            <a:off x="1530263" y="258644"/>
-            <a:ext cx="1751557" cy="1831340"/>
-          </a:xfrm>
-          <a:prstGeom prst="rect">
-            <a:avLst/>
-          </a:prstGeom>
+            <a:off x="5188274" y="2153675"/>
+            <a:ext cx="5928344" cy="3996636"/>
+          </a:xfrm>
         </p:spPr>
       </p:pic>
+      <p:sp>
+        <p:nvSpPr>
+          <p:cNvPr id="4" name="Text Placeholder 3">
+            <a:extLst>
+              <a:ext uri="{FF2B5EF4-FFF2-40B4-BE49-F238E27FC236}">
+                <a16:creationId xmlns:a16="http://schemas.microsoft.com/office/drawing/2014/main" id="{605347AA-028A-47A9-9D35-5E7C3ABB31E9}"/>
+              </a:ext>
+            </a:extLst>
+          </p:cNvPr>
+          <p:cNvSpPr>
+            <a:spLocks noGrp="1"/>
+          </p:cNvSpPr>
+          <p:nvPr>
+            <p:ph type="body" sz="half" idx="2"/>
+          </p:nvPr>
+        </p:nvSpPr>
+        <p:spPr/>
+        <p:txBody>
+          <a:bodyPr vert="horz" lIns="91440" tIns="45720" rIns="91440" bIns="45720" rtlCol="0" anchor="t">
+            <a:normAutofit/>
+          </a:bodyPr>
+          <a:lstStyle/>
+          <a:p>
+            <a:r>
+              <a:rPr lang="en-US"/>
+              <a:t>Complexity level:</a:t>
+            </a:r>
+          </a:p>
+          <a:p>
+            <a:r>
+              <a:rPr lang="en-US"/>
+              <a:t>-Vendor/ Loot System: Medium-High</a:t>
+            </a:r>
+          </a:p>
+          <a:p>
+            <a:r>
+              <a:rPr lang="en-US"/>
+              <a:t>-Dialogue System: Low(?)</a:t>
+            </a:r>
+          </a:p>
+          <a:p>
+            <a:r>
+              <a:rPr lang="en-US"/>
+              <a:t>-Player Attack Basics: Low</a:t>
+            </a:r>
+          </a:p>
+          <a:p>
+            <a:r>
+              <a:rPr lang="en-US"/>
+              <a:t>-Boss Patterns: High</a:t>
+            </a:r>
+          </a:p>
+          <a:p>
+            <a:endParaRPr lang="en-US"/>
+          </a:p>
+        </p:txBody>
+      </p:sp>
       <p:pic>
         <p:nvPicPr>
-          <p:cNvPr id="7" name="Picture 9" descr="Diagram&#10;&#10;Description automatically generated">
-            <a:extLst>
-              <a:ext uri="{FF2B5EF4-FFF2-40B4-BE49-F238E27FC236}">
-                <a16:creationId xmlns:a16="http://schemas.microsoft.com/office/drawing/2014/main" id="{60F3A36F-6007-43B0-B022-B052B57AB2A7}"/>
+          <p:cNvPr id="7" name="Picture 4" descr="A picture containing text&#10;&#10;Description automatically generated">
+            <a:extLst>
+              <a:ext uri="{FF2B5EF4-FFF2-40B4-BE49-F238E27FC236}">
+                <a16:creationId xmlns:a16="http://schemas.microsoft.com/office/drawing/2014/main" id="{E96ED7C4-284B-4304-8331-745FE6061C0A}"/>
               </a:ext>
             </a:extLst>
           </p:cNvPr>
           <p:cNvPicPr>
-            <a:picLocks noGrp="1" noChangeAspect="1"/>
+            <a:picLocks noChangeAspect="1"/>
           </p:cNvPicPr>
-          <p:nvPr>
-            <p:ph idx="1"/>
-          </p:nvPr>
+          <p:nvPr/>
         </p:nvPicPr>
         <p:blipFill>
           <a:blip r:embed="rId3"/>
@@ -6234,95 +6301,8 @@
         </p:blipFill>
         <p:spPr>
           <a:xfrm>
-            <a:off x="6502673" y="671964"/>
-            <a:ext cx="5690220" cy="2321354"/>
-          </a:xfrm>
-        </p:spPr>
-      </p:pic>
-      <p:pic>
-        <p:nvPicPr>
-          <p:cNvPr id="10" name="Picture 10" descr="Diagram&#10;&#10;Description automatically generated">
-            <a:extLst>
-              <a:ext uri="{FF2B5EF4-FFF2-40B4-BE49-F238E27FC236}">
-                <a16:creationId xmlns:a16="http://schemas.microsoft.com/office/drawing/2014/main" id="{616182CE-731C-47AB-ABBF-A64565EC0B82}"/>
-              </a:ext>
-            </a:extLst>
-          </p:cNvPr>
-          <p:cNvPicPr>
-            <a:picLocks noChangeAspect="1"/>
-          </p:cNvPicPr>
-          <p:nvPr/>
-        </p:nvPicPr>
-        <p:blipFill>
-          <a:blip r:embed="rId4"/>
-          <a:stretch>
-            <a:fillRect/>
-          </a:stretch>
-        </p:blipFill>
-        <p:spPr>
-          <a:xfrm>
-            <a:off x="8480161" y="3387931"/>
-            <a:ext cx="2600325" cy="1152525"/>
-          </a:xfrm>
-          <a:prstGeom prst="rect">
-            <a:avLst/>
-          </a:prstGeom>
-        </p:spPr>
-      </p:pic>
-      <p:pic>
-        <p:nvPicPr>
-          <p:cNvPr id="11" name="Picture 12" descr="Diagram&#10;&#10;Description automatically generated">
-            <a:extLst>
-              <a:ext uri="{FF2B5EF4-FFF2-40B4-BE49-F238E27FC236}">
-                <a16:creationId xmlns:a16="http://schemas.microsoft.com/office/drawing/2014/main" id="{4BF83FB8-DA90-4F12-B4C0-1EB00C01DD62}"/>
-              </a:ext>
-            </a:extLst>
-          </p:cNvPr>
-          <p:cNvPicPr>
-            <a:picLocks noChangeAspect="1"/>
-          </p:cNvPicPr>
-          <p:nvPr/>
-        </p:nvPicPr>
-        <p:blipFill>
-          <a:blip r:embed="rId5"/>
-          <a:stretch>
-            <a:fillRect/>
-          </a:stretch>
-        </p:blipFill>
-        <p:spPr>
-          <a:xfrm>
-            <a:off x="5230761" y="3341495"/>
-            <a:ext cx="2457450" cy="1352550"/>
-          </a:xfrm>
-          <a:prstGeom prst="rect">
-            <a:avLst/>
-          </a:prstGeom>
-        </p:spPr>
-      </p:pic>
-      <p:pic>
-        <p:nvPicPr>
-          <p:cNvPr id="14" name="Picture 16" descr="Diagram&#10;&#10;Description automatically generated">
-            <a:extLst>
-              <a:ext uri="{FF2B5EF4-FFF2-40B4-BE49-F238E27FC236}">
-                <a16:creationId xmlns:a16="http://schemas.microsoft.com/office/drawing/2014/main" id="{36B58284-42B9-4CE6-9B4B-A1014BF17F61}"/>
-              </a:ext>
-            </a:extLst>
-          </p:cNvPr>
-          <p:cNvPicPr>
-            <a:picLocks noChangeAspect="1"/>
-          </p:cNvPicPr>
-          <p:nvPr/>
-        </p:nvPicPr>
-        <p:blipFill>
-          <a:blip r:embed="rId6"/>
-          <a:stretch>
-            <a:fillRect/>
-          </a:stretch>
-        </p:blipFill>
-        <p:spPr>
-          <a:xfrm>
-            <a:off x="4666604" y="1153466"/>
-            <a:ext cx="1852201" cy="1136180"/>
+            <a:off x="1533051" y="395990"/>
+            <a:ext cx="1742684" cy="1540442"/>
           </a:xfrm>
           <a:prstGeom prst="rect">
             <a:avLst/>
@@ -6332,7 +6312,7 @@
     </p:spTree>
     <p:extLst>
       <p:ext uri="{BB962C8B-B14F-4D97-AF65-F5344CB8AC3E}">
-        <p14:creationId xmlns:p14="http://schemas.microsoft.com/office/powerpoint/2010/main" val="791375580"/>
+        <p14:creationId xmlns:p14="http://schemas.microsoft.com/office/powerpoint/2010/main" val="861258501"/>
       </p:ext>
     </p:extLst>
   </p:cSld>
@@ -6364,7 +6344,7 @@
           <p:cNvPr id="2" name="Title 1">
             <a:extLst>
               <a:ext uri="{FF2B5EF4-FFF2-40B4-BE49-F238E27FC236}">
-                <a16:creationId xmlns:a16="http://schemas.microsoft.com/office/drawing/2014/main" id="{F04C28DE-F11A-7A46-AA6E-C3AEB79696A3}"/>
+                <a16:creationId xmlns:a16="http://schemas.microsoft.com/office/drawing/2014/main" id="{94A4E944-762E-B64E-9FEA-6C1B17942EC7}"/>
               </a:ext>
             </a:extLst>
           </p:cNvPr>
@@ -6375,38 +6355,99 @@
             <p:ph type="title"/>
           </p:nvPr>
         </p:nvSpPr>
-        <p:spPr>
-          <a:xfrm>
-            <a:off x="343839" y="0"/>
-            <a:ext cx="3517567" cy="2093975"/>
-          </a:xfrm>
-        </p:spPr>
+        <p:spPr/>
         <p:txBody>
           <a:bodyPr/>
           <a:lstStyle/>
           <a:p>
             <a:r>
               <a:rPr lang="en-US"/>
-              <a:t>Matt M.</a:t>
+              <a:t>Nathan V.</a:t>
+            </a:r>
+          </a:p>
+        </p:txBody>
+      </p:sp>
+      <p:sp>
+        <p:nvSpPr>
+          <p:cNvPr id="4" name="Text Placeholder 3">
+            <a:extLst>
+              <a:ext uri="{FF2B5EF4-FFF2-40B4-BE49-F238E27FC236}">
+                <a16:creationId xmlns:a16="http://schemas.microsoft.com/office/drawing/2014/main" id="{A1B5656D-9A6C-014B-8080-B1CF4F43691F}"/>
+              </a:ext>
+            </a:extLst>
+          </p:cNvPr>
+          <p:cNvSpPr>
+            <a:spLocks noGrp="1"/>
+          </p:cNvSpPr>
+          <p:nvPr>
+            <p:ph type="body" sz="half" idx="2"/>
+          </p:nvPr>
+        </p:nvSpPr>
+        <p:spPr/>
+        <p:txBody>
+          <a:bodyPr vert="horz" lIns="91440" tIns="45720" rIns="91440" bIns="45720" rtlCol="0" anchor="t">
+            <a:normAutofit/>
+          </a:bodyPr>
+          <a:lstStyle/>
+          <a:p>
+            <a:r>
+              <a:rPr lang="en-US"/>
+              <a:t>- Player Movement (High Priority)</a:t>
+            </a:r>
+          </a:p>
+          <a:p>
+            <a:r>
+              <a:rPr lang="en-US">
+                <a:ea typeface="+mn-lt"/>
+                <a:cs typeface="+mn-lt"/>
+              </a:rPr>
+              <a:t>- Player Manager (High Priority)</a:t>
+            </a:r>
+            <a:endParaRPr lang="en-US"/>
+          </a:p>
+          <a:p>
+            <a:r>
+              <a:rPr lang="en-US">
+                <a:ea typeface="+mn-lt"/>
+                <a:cs typeface="+mn-lt"/>
+              </a:rPr>
+              <a:t>- Health Bars (Low Priority)</a:t>
+            </a:r>
+            <a:endParaRPr lang="en-US"/>
+          </a:p>
+          <a:p>
+            <a:r>
+              <a:rPr lang="en-US"/>
+              <a:t>- Animations (Low Priority)  </a:t>
+            </a:r>
+          </a:p>
+          <a:p>
+            <a:r>
+              <a:rPr lang="en-US"/>
+              <a:t>- Sprites (Low Priority)</a:t>
+            </a:r>
+          </a:p>
+          <a:p>
+            <a:r>
+              <a:rPr lang="en-US"/>
+              <a:t>- Tile-set (Low Priority)</a:t>
             </a:r>
           </a:p>
         </p:txBody>
       </p:sp>
       <p:pic>
         <p:nvPicPr>
-          <p:cNvPr id="6" name="Picture 6" descr="A picture containing text, clipart&#10;&#10;Description automatically generated">
-            <a:extLst>
-              <a:ext uri="{FF2B5EF4-FFF2-40B4-BE49-F238E27FC236}">
-                <a16:creationId xmlns:a16="http://schemas.microsoft.com/office/drawing/2014/main" id="{F94000F8-3462-4862-9148-024DF95773DA}"/>
+          <p:cNvPr id="3" name="Picture 4">
+            <a:extLst>
+              <a:ext uri="{FF2B5EF4-FFF2-40B4-BE49-F238E27FC236}">
+                <a16:creationId xmlns:a16="http://schemas.microsoft.com/office/drawing/2014/main" id="{52FB459C-635B-4879-B026-B012481A9317}"/>
               </a:ext>
             </a:extLst>
           </p:cNvPr>
           <p:cNvPicPr>
-            <a:picLocks noGrp="1" noChangeAspect="1"/>
+            <a:picLocks noChangeAspect="1"/>
           </p:cNvPicPr>
-          <p:nvPr>
-            <p:ph idx="1"/>
-          </p:nvPr>
+          <p:nvPr/>
         </p:nvPicPr>
         <p:blipFill>
           <a:blip r:embed="rId2"/>
@@ -6416,91 +6457,29 @@
         </p:blipFill>
         <p:spPr>
           <a:xfrm>
-            <a:off x="1056220" y="155905"/>
-            <a:ext cx="2091847" cy="1207327"/>
-          </a:xfrm>
+            <a:off x="1530263" y="258644"/>
+            <a:ext cx="1751557" cy="1831340"/>
+          </a:xfrm>
+          <a:prstGeom prst="rect">
+            <a:avLst/>
+          </a:prstGeom>
         </p:spPr>
       </p:pic>
-      <p:sp>
-        <p:nvSpPr>
-          <p:cNvPr id="4" name="Text Placeholder 3">
-            <a:extLst>
-              <a:ext uri="{FF2B5EF4-FFF2-40B4-BE49-F238E27FC236}">
-                <a16:creationId xmlns:a16="http://schemas.microsoft.com/office/drawing/2014/main" id="{6C62D82B-216F-E542-BF98-54EE55738AF1}"/>
-              </a:ext>
-            </a:extLst>
-          </p:cNvPr>
-          <p:cNvSpPr>
-            <a:spLocks noGrp="1"/>
-          </p:cNvSpPr>
-          <p:nvPr>
-            <p:ph type="body" sz="half" idx="2"/>
-          </p:nvPr>
-        </p:nvSpPr>
-        <p:spPr>
-          <a:xfrm>
-            <a:off x="37973" y="2550543"/>
-            <a:ext cx="3517567" cy="4307457"/>
-          </a:xfrm>
-        </p:spPr>
-        <p:txBody>
-          <a:bodyPr/>
-          <a:lstStyle/>
-          <a:p>
-            <a:pPr marL="285750" indent="-285750">
-              <a:buFont typeface="Arial" panose="020B0604020202020204" pitchFamily="34" charset="0"/>
-              <a:buChar char="•"/>
-            </a:pPr>
-            <a:r>
-              <a:rPr lang="en-US"/>
-              <a:t>Enemy AI patrol and detection</a:t>
-            </a:r>
-          </a:p>
-          <a:p>
-            <a:pPr marL="285750" indent="-285750">
-              <a:buFont typeface="Arial" panose="020B0604020202020204" pitchFamily="34" charset="0"/>
-              <a:buChar char="•"/>
-            </a:pPr>
-            <a:r>
-              <a:rPr lang="en-US"/>
-              <a:t>Top Priority given the necessity to have interactable enemies in a game</a:t>
-            </a:r>
-          </a:p>
-          <a:p>
-            <a:pPr marL="285750" indent="-285750">
-              <a:buFont typeface="Arial" panose="020B0604020202020204" pitchFamily="34" charset="0"/>
-              <a:buChar char="•"/>
-            </a:pPr>
-            <a:r>
-              <a:rPr lang="en-US"/>
-              <a:t>The Enemy AI can move in all directions dictated by whether it is following its search path or chasing a player.</a:t>
-            </a:r>
-          </a:p>
-          <a:p>
-            <a:pPr marL="285750" indent="-285750">
-              <a:buFont typeface="Arial" panose="020B0604020202020204" pitchFamily="34" charset="0"/>
-              <a:buChar char="•"/>
-            </a:pPr>
-            <a:r>
-              <a:rPr lang="en-US"/>
-              <a:t>The work was a learning curve but once a foundation was established it was easy to implement more features onto it</a:t>
-            </a:r>
-          </a:p>
-        </p:txBody>
-      </p:sp>
       <p:pic>
         <p:nvPicPr>
-          <p:cNvPr id="5" name="Picture 6" descr="Diagram&#10;&#10;Description automatically generated">
-            <a:extLst>
-              <a:ext uri="{FF2B5EF4-FFF2-40B4-BE49-F238E27FC236}">
-                <a16:creationId xmlns:a16="http://schemas.microsoft.com/office/drawing/2014/main" id="{B2AC0BF4-E962-418F-BDC0-4BE119C27CD3}"/>
+          <p:cNvPr id="7" name="Picture 9" descr="Diagram&#10;&#10;Description automatically generated">
+            <a:extLst>
+              <a:ext uri="{FF2B5EF4-FFF2-40B4-BE49-F238E27FC236}">
+                <a16:creationId xmlns:a16="http://schemas.microsoft.com/office/drawing/2014/main" id="{60F3A36F-6007-43B0-B022-B052B57AB2A7}"/>
               </a:ext>
             </a:extLst>
           </p:cNvPr>
           <p:cNvPicPr>
-            <a:picLocks noChangeAspect="1"/>
+            <a:picLocks noGrp="1" noChangeAspect="1"/>
           </p:cNvPicPr>
-          <p:nvPr/>
+          <p:nvPr>
+            <p:ph idx="1"/>
+          </p:nvPr>
         </p:nvPicPr>
         <p:blipFill>
           <a:blip r:embed="rId3"/>
@@ -6510,8 +6489,95 @@
         </p:blipFill>
         <p:spPr>
           <a:xfrm>
-            <a:off x="4724400" y="1356531"/>
-            <a:ext cx="7200180" cy="2451603"/>
+            <a:off x="6502673" y="671964"/>
+            <a:ext cx="5690220" cy="2321354"/>
+          </a:xfrm>
+        </p:spPr>
+      </p:pic>
+      <p:pic>
+        <p:nvPicPr>
+          <p:cNvPr id="10" name="Picture 10" descr="Diagram&#10;&#10;Description automatically generated">
+            <a:extLst>
+              <a:ext uri="{FF2B5EF4-FFF2-40B4-BE49-F238E27FC236}">
+                <a16:creationId xmlns:a16="http://schemas.microsoft.com/office/drawing/2014/main" id="{616182CE-731C-47AB-ABBF-A64565EC0B82}"/>
+              </a:ext>
+            </a:extLst>
+          </p:cNvPr>
+          <p:cNvPicPr>
+            <a:picLocks noChangeAspect="1"/>
+          </p:cNvPicPr>
+          <p:nvPr/>
+        </p:nvPicPr>
+        <p:blipFill>
+          <a:blip r:embed="rId4"/>
+          <a:stretch>
+            <a:fillRect/>
+          </a:stretch>
+        </p:blipFill>
+        <p:spPr>
+          <a:xfrm>
+            <a:off x="8480161" y="3387931"/>
+            <a:ext cx="2600325" cy="1152525"/>
+          </a:xfrm>
+          <a:prstGeom prst="rect">
+            <a:avLst/>
+          </a:prstGeom>
+        </p:spPr>
+      </p:pic>
+      <p:pic>
+        <p:nvPicPr>
+          <p:cNvPr id="11" name="Picture 12" descr="Diagram&#10;&#10;Description automatically generated">
+            <a:extLst>
+              <a:ext uri="{FF2B5EF4-FFF2-40B4-BE49-F238E27FC236}">
+                <a16:creationId xmlns:a16="http://schemas.microsoft.com/office/drawing/2014/main" id="{4BF83FB8-DA90-4F12-B4C0-1EB00C01DD62}"/>
+              </a:ext>
+            </a:extLst>
+          </p:cNvPr>
+          <p:cNvPicPr>
+            <a:picLocks noChangeAspect="1"/>
+          </p:cNvPicPr>
+          <p:nvPr/>
+        </p:nvPicPr>
+        <p:blipFill>
+          <a:blip r:embed="rId5"/>
+          <a:stretch>
+            <a:fillRect/>
+          </a:stretch>
+        </p:blipFill>
+        <p:spPr>
+          <a:xfrm>
+            <a:off x="5230761" y="3341495"/>
+            <a:ext cx="2457450" cy="1352550"/>
+          </a:xfrm>
+          <a:prstGeom prst="rect">
+            <a:avLst/>
+          </a:prstGeom>
+        </p:spPr>
+      </p:pic>
+      <p:pic>
+        <p:nvPicPr>
+          <p:cNvPr id="14" name="Picture 16" descr="Diagram&#10;&#10;Description automatically generated">
+            <a:extLst>
+              <a:ext uri="{FF2B5EF4-FFF2-40B4-BE49-F238E27FC236}">
+                <a16:creationId xmlns:a16="http://schemas.microsoft.com/office/drawing/2014/main" id="{36B58284-42B9-4CE6-9B4B-A1014BF17F61}"/>
+              </a:ext>
+            </a:extLst>
+          </p:cNvPr>
+          <p:cNvPicPr>
+            <a:picLocks noChangeAspect="1"/>
+          </p:cNvPicPr>
+          <p:nvPr/>
+        </p:nvPicPr>
+        <p:blipFill>
+          <a:blip r:embed="rId6"/>
+          <a:stretch>
+            <a:fillRect/>
+          </a:stretch>
+        </p:blipFill>
+        <p:spPr>
+          <a:xfrm>
+            <a:off x="4666604" y="1153466"/>
+            <a:ext cx="1852201" cy="1136180"/>
           </a:xfrm>
           <a:prstGeom prst="rect">
             <a:avLst/>
@@ -6521,7 +6587,7 @@
     </p:spTree>
     <p:extLst>
       <p:ext uri="{BB962C8B-B14F-4D97-AF65-F5344CB8AC3E}">
-        <p14:creationId xmlns:p14="http://schemas.microsoft.com/office/powerpoint/2010/main" val="1508664037"/>
+        <p14:creationId xmlns:p14="http://schemas.microsoft.com/office/powerpoint/2010/main" val="791375580"/>
       </p:ext>
     </p:extLst>
   </p:cSld>
@@ -6534,14 +6600,6 @@
 <file path=ppt/slides/slide16.xml><?xml version="1.0" encoding="utf-8"?>
 <p:sld xmlns:a="http://schemas.openxmlformats.org/drawingml/2006/main" xmlns:r="http://schemas.openxmlformats.org/officeDocument/2006/relationships" xmlns:p="http://schemas.openxmlformats.org/presentationml/2006/main">
   <p:cSld>
-    <p:bg>
-      <p:bgPr>
-        <a:solidFill>
-          <a:schemeClr val="bg1"/>
-        </a:solidFill>
-        <a:effectLst/>
-      </p:bgPr>
-    </p:bg>
     <p:spTree>
       <p:nvGrpSpPr>
         <p:cNvPr id="1" name=""/>
@@ -6558,235 +6616,38 @@
       </p:grpSpPr>
       <p:sp>
         <p:nvSpPr>
-          <p:cNvPr id="10" name="Rectangle 9">
-            <a:extLst>
-              <a:ext uri="{FF2B5EF4-FFF2-40B4-BE49-F238E27FC236}">
-                <a16:creationId xmlns:a16="http://schemas.microsoft.com/office/drawing/2014/main" id="{416A0E3C-60E6-4F39-BC55-5F7C224E1F7C}"/>
-              </a:ext>
-              <a:ext uri="{C183D7F6-B498-43B3-948B-1728B52AA6E4}">
-                <adec:decorative xmlns:adec="http://schemas.microsoft.com/office/drawing/2017/decorative" val="1"/>
-              </a:ext>
-            </a:extLst>
-          </p:cNvPr>
-          <p:cNvSpPr>
-            <a:spLocks noGrp="1" noRot="1" noChangeAspect="1" noMove="1" noResize="1" noEditPoints="1" noAdjustHandles="1" noChangeArrowheads="1" noChangeShapeType="1" noTextEdit="1"/>
-          </p:cNvSpPr>
-          <p:nvPr>
-            <p:extLst>
-              <p:ext uri="{386F3935-93C4-4BCD-93E2-E3B085C9AB24}">
-                <p16:designElem xmlns:p16="http://schemas.microsoft.com/office/powerpoint/2015/main" val="1"/>
-              </p:ext>
-            </p:extLst>
-          </p:nvPr>
-        </p:nvSpPr>
-        <p:spPr>
-          <a:xfrm>
-            <a:off x="3175" y="6400800"/>
-            <a:ext cx="12188825" cy="457200"/>
-          </a:xfrm>
-          <a:prstGeom prst="rect">
-            <a:avLst/>
-          </a:prstGeom>
-          <a:solidFill>
-            <a:srgbClr val="262626"/>
-          </a:solidFill>
-          <a:ln>
-            <a:noFill/>
-          </a:ln>
-        </p:spPr>
-        <p:style>
-          <a:lnRef idx="2">
-            <a:schemeClr val="accent1">
-              <a:shade val="50000"/>
-            </a:schemeClr>
-          </a:lnRef>
-          <a:fillRef idx="1">
-            <a:schemeClr val="accent1"/>
-          </a:fillRef>
-          <a:effectRef idx="0">
-            <a:schemeClr val="accent1"/>
-          </a:effectRef>
-          <a:fontRef idx="minor">
-            <a:schemeClr val="lt1"/>
-          </a:fontRef>
-        </p:style>
-      </p:sp>
-      <p:cxnSp>
-        <p:nvCxnSpPr>
-          <p:cNvPr id="12" name="Straight Connector 11">
-            <a:extLst>
-              <a:ext uri="{FF2B5EF4-FFF2-40B4-BE49-F238E27FC236}">
-                <a16:creationId xmlns:a16="http://schemas.microsoft.com/office/drawing/2014/main" id="{C5025DAC-8B93-4160-B017-3A274A5828C0}"/>
-              </a:ext>
-              <a:ext uri="{C183D7F6-B498-43B3-948B-1728B52AA6E4}">
-                <adec:decorative xmlns:adec="http://schemas.microsoft.com/office/drawing/2017/decorative" val="1"/>
-              </a:ext>
-            </a:extLst>
-          </p:cNvPr>
-          <p:cNvCxnSpPr>
-            <a:cxnSpLocks noGrp="1" noRot="1" noChangeAspect="1" noMove="1" noResize="1" noEditPoints="1" noAdjustHandles="1" noChangeArrowheads="1" noChangeShapeType="1"/>
-          </p:cNvCxnSpPr>
-          <p:nvPr>
-            <p:extLst>
-              <p:ext uri="{386F3935-93C4-4BCD-93E2-E3B085C9AB24}">
-                <p16:designElem xmlns:p16="http://schemas.microsoft.com/office/powerpoint/2015/main" val="1"/>
-              </p:ext>
-            </p:extLst>
-          </p:nvPr>
-        </p:nvCxnSpPr>
-        <p:spPr>
-          <a:xfrm>
-            <a:off x="1193532" y="1897380"/>
-            <a:ext cx="9966960" cy="0"/>
-          </a:xfrm>
-          <a:prstGeom prst="line">
-            <a:avLst/>
-          </a:prstGeom>
-          <a:ln w="12700">
-            <a:solidFill>
-              <a:schemeClr val="tx1">
-                <a:lumMod val="75000"/>
-                <a:lumOff val="25000"/>
-              </a:schemeClr>
-            </a:solidFill>
-          </a:ln>
-        </p:spPr>
-        <p:style>
-          <a:lnRef idx="1">
-            <a:schemeClr val="accent1"/>
-          </a:lnRef>
-          <a:fillRef idx="0">
-            <a:schemeClr val="accent1"/>
-          </a:fillRef>
-          <a:effectRef idx="0">
-            <a:schemeClr val="accent1"/>
-          </a:effectRef>
-          <a:fontRef idx="minor">
-            <a:schemeClr val="tx1"/>
-          </a:fontRef>
-        </p:style>
-      </p:cxnSp>
-      <p:sp useBgFill="1">
-        <p:nvSpPr>
-          <p:cNvPr id="14" name="Rectangle 13">
-            <a:extLst>
-              <a:ext uri="{FF2B5EF4-FFF2-40B4-BE49-F238E27FC236}">
-                <a16:creationId xmlns:a16="http://schemas.microsoft.com/office/drawing/2014/main" id="{0AB6E427-3F73-4C06-A5D5-AE52C3883B50}"/>
-              </a:ext>
-              <a:ext uri="{C183D7F6-B498-43B3-948B-1728B52AA6E4}">
-                <adec:decorative xmlns:adec="http://schemas.microsoft.com/office/drawing/2017/decorative" val="1"/>
-              </a:ext>
-            </a:extLst>
-          </p:cNvPr>
-          <p:cNvSpPr>
-            <a:spLocks noGrp="1" noRot="1" noChangeAspect="1" noMove="1" noResize="1" noEditPoints="1" noAdjustHandles="1" noChangeArrowheads="1" noChangeShapeType="1" noTextEdit="1"/>
-          </p:cNvSpPr>
-          <p:nvPr>
-            <p:extLst>
-              <p:ext uri="{386F3935-93C4-4BCD-93E2-E3B085C9AB24}">
-                <p16:designElem xmlns:p16="http://schemas.microsoft.com/office/powerpoint/2015/main" val="1"/>
-              </p:ext>
-            </p:extLst>
-          </p:nvPr>
-        </p:nvSpPr>
-        <p:spPr>
-          <a:xfrm>
-            <a:off x="5685" y="0"/>
-            <a:ext cx="12186315" cy="6858000"/>
-          </a:xfrm>
-          <a:prstGeom prst="rect">
-            <a:avLst/>
-          </a:prstGeom>
-          <a:ln>
-            <a:noFill/>
-          </a:ln>
-        </p:spPr>
-        <p:style>
-          <a:lnRef idx="2">
-            <a:schemeClr val="accent6">
-              <a:shade val="50000"/>
-            </a:schemeClr>
-          </a:lnRef>
-          <a:fillRef idx="1001">
-            <a:schemeClr val="lt1"/>
-          </a:fillRef>
-          <a:effectRef idx="0">
-            <a:schemeClr val="accent6"/>
-          </a:effectRef>
-          <a:fontRef idx="minor">
-            <a:schemeClr val="lt1"/>
-          </a:fontRef>
-        </p:style>
+          <p:cNvPr id="2" name="Title 1">
+            <a:extLst>
+              <a:ext uri="{FF2B5EF4-FFF2-40B4-BE49-F238E27FC236}">
+                <a16:creationId xmlns:a16="http://schemas.microsoft.com/office/drawing/2014/main" id="{94A4E944-762E-B64E-9FEA-6C1B17942EC7}"/>
+              </a:ext>
+            </a:extLst>
+          </p:cNvPr>
+          <p:cNvSpPr>
+            <a:spLocks noGrp="1"/>
+          </p:cNvSpPr>
+          <p:nvPr>
+            <p:ph type="title"/>
+          </p:nvPr>
+        </p:nvSpPr>
+        <p:spPr/>
         <p:txBody>
-          <a:bodyPr rtlCol="0" anchor="ctr"/>
+          <a:bodyPr/>
           <a:lstStyle/>
           <a:p>
-            <a:pPr algn="ctr"/>
-            <a:endParaRPr lang="en-US"/>
+            <a:r>
+              <a:rPr lang="en-US"/>
+              <a:t>Nathan V.</a:t>
+            </a:r>
           </a:p>
         </p:txBody>
       </p:sp>
       <p:sp>
         <p:nvSpPr>
-          <p:cNvPr id="16" name="Rectangle 15">
-            <a:extLst>
-              <a:ext uri="{FF2B5EF4-FFF2-40B4-BE49-F238E27FC236}">
-                <a16:creationId xmlns:a16="http://schemas.microsoft.com/office/drawing/2014/main" id="{D8C9BDAA-0390-4B39-9B5C-BC95E5120DA4}"/>
-              </a:ext>
-              <a:ext uri="{C183D7F6-B498-43B3-948B-1728B52AA6E4}">
-                <adec:decorative xmlns:adec="http://schemas.microsoft.com/office/drawing/2017/decorative" val="1"/>
-              </a:ext>
-            </a:extLst>
-          </p:cNvPr>
-          <p:cNvSpPr>
-            <a:spLocks noGrp="1" noRot="1" noChangeAspect="1" noMove="1" noResize="1" noEditPoints="1" noAdjustHandles="1" noChangeArrowheads="1" noChangeShapeType="1" noTextEdit="1"/>
-          </p:cNvSpPr>
-          <p:nvPr>
-            <p:extLst>
-              <p:ext uri="{386F3935-93C4-4BCD-93E2-E3B085C9AB24}">
-                <p16:designElem xmlns:p16="http://schemas.microsoft.com/office/powerpoint/2015/main" val="1"/>
-              </p:ext>
-            </p:extLst>
-          </p:nvPr>
-        </p:nvSpPr>
-        <p:spPr>
-          <a:xfrm>
-            <a:off x="16" y="0"/>
-            <a:ext cx="4059919" cy="6858000"/>
-          </a:xfrm>
-          <a:prstGeom prst="rect">
-            <a:avLst/>
-          </a:prstGeom>
-          <a:solidFill>
-            <a:srgbClr val="262626"/>
-          </a:solidFill>
-          <a:ln>
-            <a:noFill/>
-          </a:ln>
-        </p:spPr>
-        <p:style>
-          <a:lnRef idx="2">
-            <a:schemeClr val="accent1">
-              <a:shade val="50000"/>
-            </a:schemeClr>
-          </a:lnRef>
-          <a:fillRef idx="1">
-            <a:schemeClr val="accent1"/>
-          </a:fillRef>
-          <a:effectRef idx="0">
-            <a:schemeClr val="accent1"/>
-          </a:effectRef>
-          <a:fontRef idx="minor">
-            <a:schemeClr val="lt1"/>
-          </a:fontRef>
-        </p:style>
-      </p:sp>
-      <p:sp>
-        <p:nvSpPr>
-          <p:cNvPr id="2" name="Title 1">
-            <a:extLst>
-              <a:ext uri="{FF2B5EF4-FFF2-40B4-BE49-F238E27FC236}">
-                <a16:creationId xmlns:a16="http://schemas.microsoft.com/office/drawing/2014/main" id="{520FC691-6D9B-4C79-8BB5-0C179541A584}"/>
+          <p:cNvPr id="4" name="Text Placeholder 3">
+            <a:extLst>
+              <a:ext uri="{FF2B5EF4-FFF2-40B4-BE49-F238E27FC236}">
+                <a16:creationId xmlns:a16="http://schemas.microsoft.com/office/drawing/2014/main" id="{A1B5656D-9A6C-014B-8080-B1CF4F43691F}"/>
               </a:ext>
             </a:extLst>
           </p:cNvPr>
@@ -6794,310 +6655,67 @@
             <a:spLocks noGrp="1"/>
           </p:cNvSpPr>
           <p:nvPr>
-            <p:ph type="title"/>
-          </p:nvPr>
-        </p:nvSpPr>
-        <p:spPr>
-          <a:xfrm>
-            <a:off x="492370" y="516836"/>
-            <a:ext cx="3084844" cy="1505745"/>
-          </a:xfrm>
-        </p:spPr>
+            <p:ph type="body" sz="half" idx="2"/>
+          </p:nvPr>
+        </p:nvSpPr>
+        <p:spPr/>
         <p:txBody>
-          <a:bodyPr vert="horz" lIns="91440" tIns="45720" rIns="91440" bIns="45720" rtlCol="0" anchor="b">
+          <a:bodyPr vert="horz" lIns="91440" tIns="45720" rIns="91440" bIns="45720" rtlCol="0" anchor="t">
             <a:normAutofit/>
           </a:bodyPr>
           <a:lstStyle/>
           <a:p>
             <a:r>
-              <a:rPr lang="en-US" sz="4000"/>
-              <a:t>Dawson H.</a:t>
-            </a:r>
-          </a:p>
-        </p:txBody>
-      </p:sp>
-      <p:cxnSp>
-        <p:nvCxnSpPr>
-          <p:cNvPr id="18" name="Straight Connector 17">
-            <a:extLst>
-              <a:ext uri="{FF2B5EF4-FFF2-40B4-BE49-F238E27FC236}">
-                <a16:creationId xmlns:a16="http://schemas.microsoft.com/office/drawing/2014/main" id="{E04A321A-A039-4720-87B4-66A4210E0D57}"/>
-              </a:ext>
-              <a:ext uri="{C183D7F6-B498-43B3-948B-1728B52AA6E4}">
-                <adec:decorative xmlns:adec="http://schemas.microsoft.com/office/drawing/2017/decorative" val="1"/>
-              </a:ext>
-            </a:extLst>
-          </p:cNvPr>
-          <p:cNvCxnSpPr>
-            <a:cxnSpLocks noGrp="1" noRot="1" noChangeAspect="1" noMove="1" noResize="1" noEditPoints="1" noAdjustHandles="1" noChangeArrowheads="1" noChangeShapeType="1"/>
-          </p:cNvCxnSpPr>
-          <p:nvPr>
-            <p:extLst>
-              <p:ext uri="{386F3935-93C4-4BCD-93E2-E3B085C9AB24}">
-                <p16:designElem xmlns:p16="http://schemas.microsoft.com/office/powerpoint/2015/main" val="1"/>
-              </p:ext>
-            </p:extLst>
-          </p:nvPr>
-        </p:nvCxnSpPr>
-        <p:spPr>
-          <a:xfrm>
-            <a:off x="571752" y="2638787"/>
-            <a:ext cx="2743200" cy="0"/>
-          </a:xfrm>
-          <a:prstGeom prst="line">
-            <a:avLst/>
-          </a:prstGeom>
-          <a:ln w="19050">
-            <a:solidFill>
-              <a:schemeClr val="accent1"/>
-            </a:solidFill>
-          </a:ln>
-        </p:spPr>
-        <p:style>
-          <a:lnRef idx="1">
-            <a:schemeClr val="accent1"/>
-          </a:lnRef>
-          <a:fillRef idx="0">
-            <a:schemeClr val="accent1"/>
-          </a:fillRef>
-          <a:effectRef idx="0">
-            <a:schemeClr val="accent1"/>
-          </a:effectRef>
-          <a:fontRef idx="minor">
-            <a:schemeClr val="tx1"/>
-          </a:fontRef>
-        </p:style>
-      </p:cxnSp>
-      <p:sp>
-        <p:nvSpPr>
-          <p:cNvPr id="4" name="Text Placeholder 3">
-            <a:extLst>
-              <a:ext uri="{FF2B5EF4-FFF2-40B4-BE49-F238E27FC236}">
-                <a16:creationId xmlns:a16="http://schemas.microsoft.com/office/drawing/2014/main" id="{DA5DCBDF-480D-4858-AD00-C46748D9C825}"/>
-              </a:ext>
-            </a:extLst>
-          </p:cNvPr>
-          <p:cNvSpPr>
-            <a:spLocks noGrp="1"/>
-          </p:cNvSpPr>
-          <p:nvPr>
-            <p:ph type="body" sz="half" idx="2"/>
-          </p:nvPr>
-        </p:nvSpPr>
-        <p:spPr>
-          <a:xfrm>
-            <a:off x="79241" y="2232802"/>
-            <a:ext cx="3981193" cy="4239737"/>
-          </a:xfrm>
-        </p:spPr>
-        <p:txBody>
-          <a:bodyPr vert="horz" lIns="0" tIns="45720" rIns="0" bIns="45720" rtlCol="0" anchor="t">
-            <a:normAutofit/>
-          </a:bodyPr>
-          <a:lstStyle/>
-          <a:p>
-            <a:pPr>
-              <a:lnSpc>
-                <a:spcPct val="100000"/>
-              </a:lnSpc>
-            </a:pPr>
-            <a:r>
-              <a:rPr lang="en-US" sz="2000"/>
-              <a:t>Main Menu/Game Menu (Medium)</a:t>
-            </a:r>
-          </a:p>
-          <a:p>
-            <a:pPr marL="342900" indent="-342900">
-              <a:lnSpc>
-                <a:spcPct val="100000"/>
-              </a:lnSpc>
-              <a:buFont typeface="Arial" panose="020F0502020204030204" pitchFamily="34" charset="0"/>
-              <a:buChar char="•"/>
-            </a:pPr>
-            <a:r>
               <a:rPr lang="en-US"/>
-              <a:t>Main Menu</a:t>
-            </a:r>
-          </a:p>
-          <a:p>
-            <a:pPr lvl="1">
-              <a:lnSpc>
-                <a:spcPct val="100000"/>
-              </a:lnSpc>
-              <a:buFont typeface="Arial" panose="020F0502020204030204" pitchFamily="34" charset="0"/>
-              <a:buChar char="•"/>
-            </a:pPr>
-            <a:r>
-              <a:rPr lang="en-US" sz="1400">
-                <a:solidFill>
-                  <a:srgbClr val="FFFFFF"/>
-                </a:solidFill>
-              </a:rPr>
-              <a:t>Play: Launches Level 1.</a:t>
-            </a:r>
-          </a:p>
-          <a:p>
-            <a:pPr lvl="1">
-              <a:lnSpc>
-                <a:spcPct val="100000"/>
-              </a:lnSpc>
-              <a:buFont typeface="Arial" panose="020F0502020204030204" pitchFamily="34" charset="0"/>
-              <a:buChar char="•"/>
-            </a:pPr>
-            <a:r>
-              <a:rPr lang="en-US" sz="1400">
-                <a:solidFill>
-                  <a:srgbClr val="FFFFFF"/>
-                </a:solidFill>
-              </a:rPr>
-              <a:t>Options: </a:t>
-            </a:r>
-            <a:r>
-              <a:rPr lang="en-US" sz="1400">
-                <a:solidFill>
-                  <a:srgbClr val="FFFFFF"/>
-                </a:solidFill>
+              <a:t>- Player Movement (High Priority)</a:t>
+            </a:r>
+          </a:p>
+          <a:p>
+            <a:r>
+              <a:rPr lang="en-US">
                 <a:ea typeface="+mn-lt"/>
                 <a:cs typeface="+mn-lt"/>
               </a:rPr>
-              <a:t>"RFU" slider represents anything added to options menu in further development.</a:t>
-            </a:r>
-            <a:endParaRPr lang="en-US" sz="1400">
-              <a:solidFill>
-                <a:srgbClr val="FFFFFF"/>
-              </a:solidFill>
-            </a:endParaRPr>
-          </a:p>
-          <a:p>
-            <a:pPr lvl="1">
-              <a:lnSpc>
-                <a:spcPct val="100000"/>
-              </a:lnSpc>
-              <a:buFont typeface="Arial" panose="020F0502020204030204" pitchFamily="34" charset="0"/>
-              <a:buChar char="•"/>
-            </a:pPr>
-            <a:r>
-              <a:rPr lang="en-US" sz="1400">
-                <a:solidFill>
-                  <a:srgbClr val="FFFFFF"/>
-                </a:solidFill>
+              <a:t>- Player Manager (High Priority)</a:t>
+            </a:r>
+            <a:endParaRPr lang="en-US"/>
+          </a:p>
+          <a:p>
+            <a:r>
+              <a:rPr lang="en-US">
+                <a:ea typeface="+mn-lt"/>
+                <a:cs typeface="+mn-lt"/>
               </a:rPr>
-              <a:t>Quit: Quits application.</a:t>
-            </a:r>
-            <a:endParaRPr lang="en-US" sz="1400"/>
-          </a:p>
-          <a:p>
-            <a:pPr marL="342900" indent="-342900">
-              <a:lnSpc>
-                <a:spcPct val="100000"/>
-              </a:lnSpc>
-              <a:buClr>
-                <a:srgbClr val="1CADE4"/>
-              </a:buClr>
-              <a:buFont typeface="Arial" panose="020F0502020204030204" pitchFamily="34" charset="0"/>
-              <a:buChar char="•"/>
-            </a:pPr>
+              <a:t>- Health Bars (Low Priority)</a:t>
+            </a:r>
+            <a:endParaRPr lang="en-US"/>
+          </a:p>
+          <a:p>
             <a:r>
               <a:rPr lang="en-US"/>
-              <a:t>In-Game Menu (needs implementation)</a:t>
-            </a:r>
-          </a:p>
-          <a:p>
-            <a:pPr lvl="1">
-              <a:lnSpc>
-                <a:spcPct val="100000"/>
-              </a:lnSpc>
-              <a:buFont typeface="Arial" panose="020F0502020204030204" pitchFamily="34" charset="0"/>
-              <a:buChar char="•"/>
-            </a:pPr>
-            <a:r>
-              <a:rPr lang="en-US" sz="1400">
-                <a:solidFill>
-                  <a:srgbClr val="FFFFFF"/>
-                </a:solidFill>
-              </a:rPr>
-              <a:t>Options: Player can change options during gameplay</a:t>
-            </a:r>
-            <a:endParaRPr lang="en-US" sz="1400"/>
-          </a:p>
-          <a:p>
-            <a:pPr lvl="1">
-              <a:lnSpc>
-                <a:spcPct val="100000"/>
-              </a:lnSpc>
-              <a:buFont typeface="Arial" panose="020F0502020204030204" pitchFamily="34" charset="0"/>
-              <a:buChar char="•"/>
-            </a:pPr>
-            <a:r>
-              <a:rPr lang="en-US" sz="1400">
-                <a:solidFill>
-                  <a:srgbClr val="FFFFFF"/>
-                </a:solidFill>
-              </a:rPr>
-              <a:t>Save Game: Saves player progress</a:t>
-            </a:r>
-            <a:endParaRPr lang="en-US" sz="1400"/>
-          </a:p>
-          <a:p>
-            <a:pPr>
-              <a:lnSpc>
-                <a:spcPct val="100000"/>
-              </a:lnSpc>
-              <a:buClr>
-                <a:srgbClr val="1CADE4"/>
-              </a:buClr>
-            </a:pPr>
-            <a:r>
-              <a:rPr lang="en-US" sz="1400"/>
-              <a:t>** More functionality to be determined as game develops, such as load saved games, volume level, and "Dr. BC Mode".</a:t>
-            </a:r>
-          </a:p>
-          <a:p>
-            <a:pPr lvl="1">
-              <a:lnSpc>
-                <a:spcPct val="100000"/>
-              </a:lnSpc>
-              <a:buFont typeface="Arial" panose="020F0502020204030204" pitchFamily="34" charset="0"/>
-              <a:buChar char="•"/>
-            </a:pPr>
-            <a:endParaRPr lang="en-US" sz="1400">
-              <a:solidFill>
-                <a:srgbClr val="404040"/>
-              </a:solidFill>
-            </a:endParaRPr>
-          </a:p>
-          <a:p>
-            <a:pPr marL="285750" indent="-285750">
-              <a:lnSpc>
-                <a:spcPct val="100000"/>
-              </a:lnSpc>
-              <a:buClr>
-                <a:srgbClr val="1CADE4"/>
-              </a:buClr>
-              <a:buFont typeface="Arial" panose="020F0502020204030204" pitchFamily="34" charset="0"/>
-              <a:buChar char="•"/>
-            </a:pPr>
-            <a:endParaRPr lang="en-US"/>
-          </a:p>
-          <a:p>
-            <a:pPr>
-              <a:lnSpc>
-                <a:spcPct val="100000"/>
-              </a:lnSpc>
-              <a:buClr>
-                <a:srgbClr val="1CADE4"/>
-              </a:buClr>
-            </a:pPr>
-            <a:endParaRPr lang="en-US"/>
+              <a:t>- Animations (Low Priority)  </a:t>
+            </a:r>
+          </a:p>
+          <a:p>
+            <a:r>
+              <a:rPr lang="en-US"/>
+              <a:t>- Sprites (Low Priority)</a:t>
+            </a:r>
+          </a:p>
+          <a:p>
+            <a:r>
+              <a:rPr lang="en-US"/>
+              <a:t>- Tile-set (Low Priority)</a:t>
+            </a:r>
           </a:p>
         </p:txBody>
       </p:sp>
       <p:pic>
         <p:nvPicPr>
-          <p:cNvPr id="5" name="Picture 5" descr="Text, whiteboard&#10;&#10;Description automatically generated">
-            <a:extLst>
-              <a:ext uri="{FF2B5EF4-FFF2-40B4-BE49-F238E27FC236}">
-                <a16:creationId xmlns:a16="http://schemas.microsoft.com/office/drawing/2014/main" id="{5BA36FE3-DC43-42AB-81CF-80C307CE3F67}"/>
+          <p:cNvPr id="3" name="Picture 4">
+            <a:extLst>
+              <a:ext uri="{FF2B5EF4-FFF2-40B4-BE49-F238E27FC236}">
+                <a16:creationId xmlns:a16="http://schemas.microsoft.com/office/drawing/2014/main" id="{52FB459C-635B-4879-B026-B012481A9317}"/>
               </a:ext>
             </a:extLst>
           </p:cNvPr>
@@ -7114,8 +6732,8 @@
         </p:blipFill>
         <p:spPr>
           <a:xfrm>
-            <a:off x="1145005" y="125205"/>
-            <a:ext cx="1600201" cy="1253535"/>
+            <a:off x="1530263" y="258644"/>
+            <a:ext cx="1751557" cy="1831340"/>
           </a:xfrm>
           <a:prstGeom prst="rect">
             <a:avLst/>
@@ -7124,37 +6742,152 @@
       </p:pic>
       <p:pic>
         <p:nvPicPr>
-          <p:cNvPr id="7" name="Picture 7" descr="Diagram&#10;&#10;Description automatically generated">
-            <a:extLst>
-              <a:ext uri="{FF2B5EF4-FFF2-40B4-BE49-F238E27FC236}">
-                <a16:creationId xmlns:a16="http://schemas.microsoft.com/office/drawing/2014/main" id="{E5F1CF13-2D2E-4F2E-8C18-982FDBDD7320}"/>
+          <p:cNvPr id="6" name="Picture 5" descr="Diagram&#10;&#10;Description automatically generated">
+            <a:extLst>
+              <a:ext uri="{FF2B5EF4-FFF2-40B4-BE49-F238E27FC236}">
+                <a16:creationId xmlns:a16="http://schemas.microsoft.com/office/drawing/2014/main" id="{168D3042-C828-431F-B133-40272BE3171F}"/>
               </a:ext>
             </a:extLst>
           </p:cNvPr>
           <p:cNvPicPr>
-            <a:picLocks noGrp="1" noChangeAspect="1"/>
+            <a:picLocks noChangeAspect="1"/>
           </p:cNvPicPr>
-          <p:nvPr>
-            <p:ph idx="1"/>
-          </p:nvPr>
+          <p:nvPr/>
         </p:nvPicPr>
         <p:blipFill>
-          <a:blip r:embed="rId3"/>
+          <a:blip r:embed="rId3">
+            <a:extLst>
+              <a:ext uri="{28A0092B-C50C-407E-A947-70E740481C1C}">
+                <a14:useLocalDpi xmlns:a14="http://schemas.microsoft.com/office/drawing/2010/main" val="0"/>
+              </a:ext>
+            </a:extLst>
+          </a:blip>
           <a:stretch>
             <a:fillRect/>
           </a:stretch>
         </p:blipFill>
         <p:spPr>
           <a:xfrm>
-            <a:off x="4406415" y="2024223"/>
-            <a:ext cx="7164021" cy="2451832"/>
-          </a:xfrm>
+            <a:off x="4731428" y="342707"/>
+            <a:ext cx="3581400" cy="2981325"/>
+          </a:xfrm>
+          <a:prstGeom prst="rect">
+            <a:avLst/>
+          </a:prstGeom>
+        </p:spPr>
+      </p:pic>
+      <p:pic>
+        <p:nvPicPr>
+          <p:cNvPr id="8" name="Picture 7" descr="Diagram&#10;&#10;Description automatically generated">
+            <a:extLst>
+              <a:ext uri="{FF2B5EF4-FFF2-40B4-BE49-F238E27FC236}">
+                <a16:creationId xmlns:a16="http://schemas.microsoft.com/office/drawing/2014/main" id="{7C35B889-0EF7-4D48-9760-0289645A0DFA}"/>
+              </a:ext>
+            </a:extLst>
+          </p:cNvPr>
+          <p:cNvPicPr>
+            <a:picLocks noChangeAspect="1"/>
+          </p:cNvPicPr>
+          <p:nvPr/>
+        </p:nvPicPr>
+        <p:blipFill>
+          <a:blip r:embed="rId4">
+            <a:extLst>
+              <a:ext uri="{28A0092B-C50C-407E-A947-70E740481C1C}">
+                <a14:useLocalDpi xmlns:a14="http://schemas.microsoft.com/office/drawing/2010/main" val="0"/>
+              </a:ext>
+            </a:extLst>
+          </a:blip>
+          <a:stretch>
+            <a:fillRect/>
+          </a:stretch>
+        </p:blipFill>
+        <p:spPr>
+          <a:xfrm>
+            <a:off x="8312828" y="258644"/>
+            <a:ext cx="3738563" cy="3044630"/>
+          </a:xfrm>
+          <a:prstGeom prst="rect">
+            <a:avLst/>
+          </a:prstGeom>
+        </p:spPr>
+      </p:pic>
+      <p:pic>
+        <p:nvPicPr>
+          <p:cNvPr id="11" name="Picture 10" descr="Diagram&#10;&#10;Description automatically generated">
+            <a:extLst>
+              <a:ext uri="{FF2B5EF4-FFF2-40B4-BE49-F238E27FC236}">
+                <a16:creationId xmlns:a16="http://schemas.microsoft.com/office/drawing/2014/main" id="{A9E75B36-0F75-49B7-AE0E-3DBF4F650051}"/>
+              </a:ext>
+            </a:extLst>
+          </p:cNvPr>
+          <p:cNvPicPr>
+            <a:picLocks noChangeAspect="1"/>
+          </p:cNvPicPr>
+          <p:nvPr/>
+        </p:nvPicPr>
+        <p:blipFill>
+          <a:blip r:embed="rId5">
+            <a:extLst>
+              <a:ext uri="{28A0092B-C50C-407E-A947-70E740481C1C}">
+                <a14:useLocalDpi xmlns:a14="http://schemas.microsoft.com/office/drawing/2010/main" val="0"/>
+              </a:ext>
+            </a:extLst>
+          </a:blip>
+          <a:stretch>
+            <a:fillRect/>
+          </a:stretch>
+        </p:blipFill>
+        <p:spPr>
+          <a:xfrm>
+            <a:off x="4731428" y="3408095"/>
+            <a:ext cx="4581525" cy="2200275"/>
+          </a:xfrm>
+          <a:prstGeom prst="rect">
+            <a:avLst/>
+          </a:prstGeom>
+        </p:spPr>
+      </p:pic>
+      <p:pic>
+        <p:nvPicPr>
+          <p:cNvPr id="14" name="Picture 13" descr="Diagram&#10;&#10;Description automatically generated">
+            <a:extLst>
+              <a:ext uri="{FF2B5EF4-FFF2-40B4-BE49-F238E27FC236}">
+                <a16:creationId xmlns:a16="http://schemas.microsoft.com/office/drawing/2014/main" id="{797C323E-5665-4152-85B0-934773E6D4B0}"/>
+              </a:ext>
+            </a:extLst>
+          </p:cNvPr>
+          <p:cNvPicPr>
+            <a:picLocks noChangeAspect="1"/>
+          </p:cNvPicPr>
+          <p:nvPr/>
+        </p:nvPicPr>
+        <p:blipFill>
+          <a:blip r:embed="rId6">
+            <a:extLst>
+              <a:ext uri="{28A0092B-C50C-407E-A947-70E740481C1C}">
+                <a14:useLocalDpi xmlns:a14="http://schemas.microsoft.com/office/drawing/2010/main" val="0"/>
+              </a:ext>
+            </a:extLst>
+          </a:blip>
+          <a:stretch>
+            <a:fillRect/>
+          </a:stretch>
+        </p:blipFill>
+        <p:spPr>
+          <a:xfrm>
+            <a:off x="9329506" y="3554727"/>
+            <a:ext cx="2505075" cy="2114550"/>
+          </a:xfrm>
+          <a:prstGeom prst="rect">
+            <a:avLst/>
+          </a:prstGeom>
         </p:spPr>
       </p:pic>
     </p:spTree>
     <p:extLst>
       <p:ext uri="{BB962C8B-B14F-4D97-AF65-F5344CB8AC3E}">
-        <p14:creationId xmlns:p14="http://schemas.microsoft.com/office/powerpoint/2010/main" val="2648191529"/>
+        <p14:creationId xmlns:p14="http://schemas.microsoft.com/office/powerpoint/2010/main" val="881558435"/>
       </p:ext>
     </p:extLst>
   </p:cSld>
@@ -7167,14 +6900,6 @@
 <file path=ppt/slides/slide17.xml><?xml version="1.0" encoding="utf-8"?>
 <p:sld xmlns:a="http://schemas.openxmlformats.org/drawingml/2006/main" xmlns:r="http://schemas.openxmlformats.org/officeDocument/2006/relationships" xmlns:p="http://schemas.openxmlformats.org/presentationml/2006/main">
   <p:cSld>
-    <p:bg>
-      <p:bgPr>
-        <a:solidFill>
-          <a:schemeClr val="bg1"/>
-        </a:solidFill>
-        <a:effectLst/>
-      </p:bgPr>
-    </p:bg>
     <p:spTree>
       <p:nvGrpSpPr>
         <p:cNvPr id="1" name=""/>
@@ -7191,136 +6916,106 @@
       </p:grpSpPr>
       <p:sp>
         <p:nvSpPr>
-          <p:cNvPr id="8" name="Rectangle 7">
-            <a:extLst>
-              <a:ext uri="{FF2B5EF4-FFF2-40B4-BE49-F238E27FC236}">
-                <a16:creationId xmlns:a16="http://schemas.microsoft.com/office/drawing/2014/main" id="{5014DE1B-FD50-40B1-A8A5-304666E7C6AF}"/>
-              </a:ext>
-              <a:ext uri="{C183D7F6-B498-43B3-948B-1728B52AA6E4}">
-                <adec:decorative xmlns:adec="http://schemas.microsoft.com/office/drawing/2017/decorative" val="1"/>
-              </a:ext>
-            </a:extLst>
-          </p:cNvPr>
-          <p:cNvSpPr>
-            <a:spLocks noGrp="1" noRot="1" noChangeAspect="1" noMove="1" noResize="1" noEditPoints="1" noAdjustHandles="1" noChangeArrowheads="1" noChangeShapeType="1" noTextEdit="1"/>
-          </p:cNvSpPr>
-          <p:nvPr>
-            <p:extLst>
-              <p:ext uri="{386F3935-93C4-4BCD-93E2-E3B085C9AB24}">
-                <p16:designElem xmlns:p16="http://schemas.microsoft.com/office/powerpoint/2015/main" val="1"/>
-              </p:ext>
-            </p:extLst>
-          </p:nvPr>
-        </p:nvSpPr>
-        <p:spPr>
-          <a:xfrm>
-            <a:off x="0" y="0"/>
-            <a:ext cx="12192000" cy="6858000"/>
-          </a:xfrm>
-          <a:prstGeom prst="rect">
-            <a:avLst/>
-          </a:prstGeom>
-          <a:solidFill>
-            <a:srgbClr val="262626"/>
-          </a:solidFill>
-          <a:ln>
-            <a:noFill/>
-          </a:ln>
-        </p:spPr>
-        <p:style>
-          <a:lnRef idx="2">
-            <a:schemeClr val="accent1">
-              <a:shade val="50000"/>
-            </a:schemeClr>
-          </a:lnRef>
-          <a:fillRef idx="1">
-            <a:schemeClr val="accent1"/>
-          </a:fillRef>
-          <a:effectRef idx="0">
-            <a:schemeClr val="accent1"/>
-          </a:effectRef>
-          <a:fontRef idx="minor">
-            <a:schemeClr val="lt1"/>
-          </a:fontRef>
-        </p:style>
+          <p:cNvPr id="2" name="Title 1">
+            <a:extLst>
+              <a:ext uri="{FF2B5EF4-FFF2-40B4-BE49-F238E27FC236}">
+                <a16:creationId xmlns:a16="http://schemas.microsoft.com/office/drawing/2014/main" id="{94A4E944-762E-B64E-9FEA-6C1B17942EC7}"/>
+              </a:ext>
+            </a:extLst>
+          </p:cNvPr>
+          <p:cNvSpPr>
+            <a:spLocks noGrp="1"/>
+          </p:cNvSpPr>
+          <p:nvPr>
+            <p:ph type="title"/>
+          </p:nvPr>
+        </p:nvSpPr>
+        <p:spPr/>
         <p:txBody>
-          <a:bodyPr rtlCol="0" anchor="ctr"/>
+          <a:bodyPr/>
           <a:lstStyle/>
           <a:p>
-            <a:pPr algn="ctr"/>
+            <a:r>
+              <a:rPr lang="en-US"/>
+              <a:t>Nathan V.</a:t>
+            </a:r>
+          </a:p>
+        </p:txBody>
+      </p:sp>
+      <p:sp>
+        <p:nvSpPr>
+          <p:cNvPr id="4" name="Text Placeholder 3">
+            <a:extLst>
+              <a:ext uri="{FF2B5EF4-FFF2-40B4-BE49-F238E27FC236}">
+                <a16:creationId xmlns:a16="http://schemas.microsoft.com/office/drawing/2014/main" id="{A1B5656D-9A6C-014B-8080-B1CF4F43691F}"/>
+              </a:ext>
+            </a:extLst>
+          </p:cNvPr>
+          <p:cNvSpPr>
+            <a:spLocks noGrp="1"/>
+          </p:cNvSpPr>
+          <p:nvPr>
+            <p:ph type="body" sz="half" idx="2"/>
+          </p:nvPr>
+        </p:nvSpPr>
+        <p:spPr/>
+        <p:txBody>
+          <a:bodyPr vert="horz" lIns="91440" tIns="45720" rIns="91440" bIns="45720" rtlCol="0" anchor="t">
+            <a:normAutofit/>
+          </a:bodyPr>
+          <a:lstStyle/>
+          <a:p>
+            <a:r>
+              <a:rPr lang="en-US"/>
+              <a:t>- Player Movement (High Priority)</a:t>
+            </a:r>
+          </a:p>
+          <a:p>
+            <a:r>
+              <a:rPr lang="en-US">
+                <a:ea typeface="+mn-lt"/>
+                <a:cs typeface="+mn-lt"/>
+              </a:rPr>
+              <a:t>- Player Manager (High Priority)</a:t>
+            </a:r>
             <a:endParaRPr lang="en-US"/>
           </a:p>
-        </p:txBody>
-      </p:sp>
-      <p:sp>
-        <p:nvSpPr>
-          <p:cNvPr id="10" name="Rectangle 9">
-            <a:extLst>
-              <a:ext uri="{FF2B5EF4-FFF2-40B4-BE49-F238E27FC236}">
-                <a16:creationId xmlns:a16="http://schemas.microsoft.com/office/drawing/2014/main" id="{91B41FE9-4F8F-4675-8668-D3330B371AF8}"/>
-              </a:ext>
-              <a:ext uri="{C183D7F6-B498-43B3-948B-1728B52AA6E4}">
-                <adec:decorative xmlns:adec="http://schemas.microsoft.com/office/drawing/2017/decorative" val="1"/>
-              </a:ext>
-            </a:extLst>
-          </p:cNvPr>
-          <p:cNvSpPr>
-            <a:spLocks noGrp="1" noRot="1" noChangeAspect="1" noMove="1" noResize="1" noEditPoints="1" noAdjustHandles="1" noChangeArrowheads="1" noChangeShapeType="1" noTextEdit="1"/>
-          </p:cNvSpPr>
-          <p:nvPr>
-            <p:extLst>
-              <p:ext uri="{386F3935-93C4-4BCD-93E2-E3B085C9AB24}">
-                <p16:designElem xmlns:p16="http://schemas.microsoft.com/office/powerpoint/2015/main" val="1"/>
-              </p:ext>
-            </p:extLst>
-          </p:nvPr>
-        </p:nvSpPr>
-        <p:spPr>
-          <a:xfrm>
-            <a:off x="477012" y="480060"/>
-            <a:ext cx="11237976" cy="5897880"/>
-          </a:xfrm>
-          <a:prstGeom prst="rect">
-            <a:avLst/>
-          </a:prstGeom>
-          <a:solidFill>
-            <a:srgbClr val="FFFFFF"/>
-          </a:solidFill>
-          <a:ln>
-            <a:noFill/>
-          </a:ln>
-        </p:spPr>
-        <p:style>
-          <a:lnRef idx="2">
-            <a:schemeClr val="accent1">
-              <a:shade val="50000"/>
-            </a:schemeClr>
-          </a:lnRef>
-          <a:fillRef idx="1">
-            <a:schemeClr val="accent1"/>
-          </a:fillRef>
-          <a:effectRef idx="0">
-            <a:schemeClr val="accent1"/>
-          </a:effectRef>
-          <a:fontRef idx="minor">
-            <a:schemeClr val="lt1"/>
-          </a:fontRef>
-        </p:style>
-        <p:txBody>
-          <a:bodyPr rtlCol="0" anchor="ctr"/>
-          <a:lstStyle/>
-          <a:p>
-            <a:pPr algn="ctr"/>
+          <a:p>
+            <a:r>
+              <a:rPr lang="en-US">
+                <a:ea typeface="+mn-lt"/>
+                <a:cs typeface="+mn-lt"/>
+              </a:rPr>
+              <a:t>- Health Bars (Low Priority)</a:t>
+            </a:r>
             <a:endParaRPr lang="en-US"/>
+          </a:p>
+          <a:p>
+            <a:r>
+              <a:rPr lang="en-US"/>
+              <a:t>- Animations (Low Priority)  </a:t>
+            </a:r>
+          </a:p>
+          <a:p>
+            <a:r>
+              <a:rPr lang="en-US"/>
+              <a:t>- Sprites (Low Priority)</a:t>
+            </a:r>
+          </a:p>
+          <a:p>
+            <a:r>
+              <a:rPr lang="en-US"/>
+              <a:t>- Tile-set (Low Priority)</a:t>
+            </a:r>
           </a:p>
         </p:txBody>
       </p:sp>
       <p:pic>
         <p:nvPicPr>
-          <p:cNvPr id="2" name="Picture 2">
-            <a:extLst>
-              <a:ext uri="{FF2B5EF4-FFF2-40B4-BE49-F238E27FC236}">
-                <a16:creationId xmlns:a16="http://schemas.microsoft.com/office/drawing/2014/main" id="{20DE22FB-2756-4A5C-8D8F-2337FED8CC40}"/>
+          <p:cNvPr id="3" name="Picture 4">
+            <a:extLst>
+              <a:ext uri="{FF2B5EF4-FFF2-40B4-BE49-F238E27FC236}">
+                <a16:creationId xmlns:a16="http://schemas.microsoft.com/office/drawing/2014/main" id="{52FB459C-635B-4879-B026-B012481A9317}"/>
               </a:ext>
             </a:extLst>
           </p:cNvPr>
@@ -7337,75 +7032,20 @@
         </p:blipFill>
         <p:spPr>
           <a:xfrm>
-            <a:off x="798745" y="1987292"/>
-            <a:ext cx="5136388" cy="2902058"/>
+            <a:off x="1530263" y="258644"/>
+            <a:ext cx="1751557" cy="1831340"/>
           </a:xfrm>
           <a:prstGeom prst="rect">
             <a:avLst/>
           </a:prstGeom>
         </p:spPr>
       </p:pic>
-      <p:cxnSp>
-        <p:nvCxnSpPr>
-          <p:cNvPr id="12" name="Straight Connector 11">
-            <a:extLst>
-              <a:ext uri="{FF2B5EF4-FFF2-40B4-BE49-F238E27FC236}">
-                <a16:creationId xmlns:a16="http://schemas.microsoft.com/office/drawing/2014/main" id="{E230929C-760C-4746-B0AE-0D09A78A8873}"/>
-              </a:ext>
-              <a:ext uri="{C183D7F6-B498-43B3-948B-1728B52AA6E4}">
-                <adec:decorative xmlns:adec="http://schemas.microsoft.com/office/drawing/2017/decorative" val="1"/>
-              </a:ext>
-            </a:extLst>
-          </p:cNvPr>
-          <p:cNvCxnSpPr>
-            <a:cxnSpLocks noGrp="1" noRot="1" noChangeAspect="1" noMove="1" noResize="1" noEditPoints="1" noAdjustHandles="1" noChangeArrowheads="1" noChangeShapeType="1"/>
-          </p:cNvCxnSpPr>
-          <p:nvPr>
-            <p:extLst>
-              <p:ext uri="{386F3935-93C4-4BCD-93E2-E3B085C9AB24}">
-                <p16:designElem xmlns:p16="http://schemas.microsoft.com/office/powerpoint/2015/main" val="1"/>
-              </p:ext>
-            </p:extLst>
-          </p:nvPr>
-        </p:nvCxnSpPr>
-        <p:spPr>
-          <a:xfrm>
-            <a:off x="6096000" y="1038225"/>
-            <a:ext cx="0" cy="4762500"/>
-          </a:xfrm>
-          <a:prstGeom prst="line">
-            <a:avLst/>
-          </a:prstGeom>
-          <a:ln>
-            <a:solidFill>
-              <a:schemeClr val="tx1">
-                <a:lumMod val="85000"/>
-                <a:lumOff val="15000"/>
-              </a:schemeClr>
-            </a:solidFill>
-          </a:ln>
-        </p:spPr>
-        <p:style>
-          <a:lnRef idx="1">
-            <a:schemeClr val="accent1"/>
-          </a:lnRef>
-          <a:fillRef idx="0">
-            <a:schemeClr val="accent1"/>
-          </a:fillRef>
-          <a:effectRef idx="0">
-            <a:schemeClr val="accent1"/>
-          </a:effectRef>
-          <a:fontRef idx="minor">
-            <a:schemeClr val="tx1"/>
-          </a:fontRef>
-        </p:style>
-      </p:cxnSp>
       <p:pic>
         <p:nvPicPr>
-          <p:cNvPr id="3" name="Picture 3">
-            <a:extLst>
-              <a:ext uri="{FF2B5EF4-FFF2-40B4-BE49-F238E27FC236}">
-                <a16:creationId xmlns:a16="http://schemas.microsoft.com/office/drawing/2014/main" id="{99FD3C23-8A33-4C5C-8363-5017AE3CBBC6}"/>
+          <p:cNvPr id="9" name="Picture 8">
+            <a:extLst>
+              <a:ext uri="{FF2B5EF4-FFF2-40B4-BE49-F238E27FC236}">
+                <a16:creationId xmlns:a16="http://schemas.microsoft.com/office/drawing/2014/main" id="{80311F4B-42B0-4831-88C5-7DFD6CF79AF7}"/>
               </a:ext>
             </a:extLst>
           </p:cNvPr>
@@ -7415,15 +7055,21 @@
           <p:nvPr/>
         </p:nvPicPr>
         <p:blipFill>
-          <a:blip r:embed="rId3"/>
+          <a:blip r:embed="rId3">
+            <a:extLst>
+              <a:ext uri="{28A0092B-C50C-407E-A947-70E740481C1C}">
+                <a14:useLocalDpi xmlns:a14="http://schemas.microsoft.com/office/drawing/2010/main" val="0"/>
+              </a:ext>
+            </a:extLst>
+          </a:blip>
           <a:stretch>
             <a:fillRect/>
           </a:stretch>
         </p:blipFill>
         <p:spPr>
           <a:xfrm>
-            <a:off x="6256866" y="1993712"/>
-            <a:ext cx="5136388" cy="2889217"/>
+            <a:off x="6847068" y="2049252"/>
+            <a:ext cx="476316" cy="352474"/>
           </a:xfrm>
           <a:prstGeom prst="rect">
             <a:avLst/>
@@ -7432,10 +7078,10 @@
       </p:pic>
       <p:pic>
         <p:nvPicPr>
-          <p:cNvPr id="4" name="Picture 3" descr="Logo&#10;&#10;Description automatically generated">
-            <a:extLst>
-              <a:ext uri="{FF2B5EF4-FFF2-40B4-BE49-F238E27FC236}">
-                <a16:creationId xmlns:a16="http://schemas.microsoft.com/office/drawing/2014/main" id="{D9050315-6CA7-4DA3-84C6-DD5C043225E8}"/>
+          <p:cNvPr id="13" name="Picture 12">
+            <a:extLst>
+              <a:ext uri="{FF2B5EF4-FFF2-40B4-BE49-F238E27FC236}">
+                <a16:creationId xmlns:a16="http://schemas.microsoft.com/office/drawing/2014/main" id="{8CDBD8BE-76BA-4975-9498-8429F77E156C}"/>
               </a:ext>
             </a:extLst>
           </p:cNvPr>
@@ -7445,25 +7091,1296 @@
           <p:nvPr/>
         </p:nvPicPr>
         <p:blipFill>
-          <a:blip r:embed="rId4"/>
+          <a:blip r:embed="rId4">
+            <a:extLst>
+              <a:ext uri="{28A0092B-C50C-407E-A947-70E740481C1C}">
+                <a14:useLocalDpi xmlns:a14="http://schemas.microsoft.com/office/drawing/2010/main" val="0"/>
+              </a:ext>
+            </a:extLst>
+          </a:blip>
           <a:stretch>
             <a:fillRect/>
           </a:stretch>
         </p:blipFill>
         <p:spPr>
           <a:xfrm>
-            <a:off x="5591175" y="5715000"/>
-            <a:ext cx="1104900" cy="1104900"/>
+            <a:off x="7322457" y="2049252"/>
+            <a:ext cx="476316" cy="352474"/>
           </a:xfrm>
           <a:prstGeom prst="rect">
             <a:avLst/>
           </a:prstGeom>
         </p:spPr>
       </p:pic>
+      <p:pic>
+        <p:nvPicPr>
+          <p:cNvPr id="16" name="Picture 15">
+            <a:extLst>
+              <a:ext uri="{FF2B5EF4-FFF2-40B4-BE49-F238E27FC236}">
+                <a16:creationId xmlns:a16="http://schemas.microsoft.com/office/drawing/2014/main" id="{5F565DC9-A48A-4817-B503-826C204D0903}"/>
+              </a:ext>
+            </a:extLst>
+          </p:cNvPr>
+          <p:cNvPicPr>
+            <a:picLocks noChangeAspect="1"/>
+          </p:cNvPicPr>
+          <p:nvPr/>
+        </p:nvPicPr>
+        <p:blipFill>
+          <a:blip r:embed="rId5">
+            <a:extLst>
+              <a:ext uri="{28A0092B-C50C-407E-A947-70E740481C1C}">
+                <a14:useLocalDpi xmlns:a14="http://schemas.microsoft.com/office/drawing/2010/main" val="0"/>
+              </a:ext>
+            </a:extLst>
+          </a:blip>
+          <a:stretch>
+            <a:fillRect/>
+          </a:stretch>
+        </p:blipFill>
+        <p:spPr>
+          <a:xfrm>
+            <a:off x="7797846" y="2049252"/>
+            <a:ext cx="476316" cy="352474"/>
+          </a:xfrm>
+          <a:prstGeom prst="rect">
+            <a:avLst/>
+          </a:prstGeom>
+        </p:spPr>
+      </p:pic>
+      <p:pic>
+        <p:nvPicPr>
+          <p:cNvPr id="18" name="Picture 17">
+            <a:extLst>
+              <a:ext uri="{FF2B5EF4-FFF2-40B4-BE49-F238E27FC236}">
+                <a16:creationId xmlns:a16="http://schemas.microsoft.com/office/drawing/2014/main" id="{9B5FFC50-A195-4693-9437-302311C33BFA}"/>
+              </a:ext>
+            </a:extLst>
+          </p:cNvPr>
+          <p:cNvPicPr>
+            <a:picLocks noChangeAspect="1"/>
+          </p:cNvPicPr>
+          <p:nvPr/>
+        </p:nvPicPr>
+        <p:blipFill>
+          <a:blip r:embed="rId6">
+            <a:extLst>
+              <a:ext uri="{28A0092B-C50C-407E-A947-70E740481C1C}">
+                <a14:useLocalDpi xmlns:a14="http://schemas.microsoft.com/office/drawing/2010/main" val="0"/>
+              </a:ext>
+            </a:extLst>
+          </a:blip>
+          <a:stretch>
+            <a:fillRect/>
+          </a:stretch>
+        </p:blipFill>
+        <p:spPr>
+          <a:xfrm>
+            <a:off x="8316383" y="2056473"/>
+            <a:ext cx="476316" cy="345253"/>
+          </a:xfrm>
+          <a:prstGeom prst="rect">
+            <a:avLst/>
+          </a:prstGeom>
+        </p:spPr>
+      </p:pic>
+      <p:pic>
+        <p:nvPicPr>
+          <p:cNvPr id="20" name="Picture 19">
+            <a:extLst>
+              <a:ext uri="{FF2B5EF4-FFF2-40B4-BE49-F238E27FC236}">
+                <a16:creationId xmlns:a16="http://schemas.microsoft.com/office/drawing/2014/main" id="{F19417E5-9D1D-4695-B971-6EF7D3114BDE}"/>
+              </a:ext>
+            </a:extLst>
+          </p:cNvPr>
+          <p:cNvPicPr>
+            <a:picLocks noChangeAspect="1"/>
+          </p:cNvPicPr>
+          <p:nvPr/>
+        </p:nvPicPr>
+        <p:blipFill>
+          <a:blip r:embed="rId7">
+            <a:extLst>
+              <a:ext uri="{28A0092B-C50C-407E-A947-70E740481C1C}">
+                <a14:useLocalDpi xmlns:a14="http://schemas.microsoft.com/office/drawing/2010/main" val="0"/>
+              </a:ext>
+            </a:extLst>
+          </a:blip>
+          <a:stretch>
+            <a:fillRect/>
+          </a:stretch>
+        </p:blipFill>
+        <p:spPr>
+          <a:xfrm>
+            <a:off x="6907909" y="2466201"/>
+            <a:ext cx="476316" cy="352474"/>
+          </a:xfrm>
+          <a:prstGeom prst="rect">
+            <a:avLst/>
+          </a:prstGeom>
+        </p:spPr>
+      </p:pic>
+      <p:pic>
+        <p:nvPicPr>
+          <p:cNvPr id="22" name="Picture 21">
+            <a:extLst>
+              <a:ext uri="{FF2B5EF4-FFF2-40B4-BE49-F238E27FC236}">
+                <a16:creationId xmlns:a16="http://schemas.microsoft.com/office/drawing/2014/main" id="{E7A6B25B-F476-484F-A9AC-2CCBC8E9A6BB}"/>
+              </a:ext>
+            </a:extLst>
+          </p:cNvPr>
+          <p:cNvPicPr>
+            <a:picLocks noChangeAspect="1"/>
+          </p:cNvPicPr>
+          <p:nvPr/>
+        </p:nvPicPr>
+        <p:blipFill>
+          <a:blip r:embed="rId8">
+            <a:extLst>
+              <a:ext uri="{28A0092B-C50C-407E-A947-70E740481C1C}">
+                <a14:useLocalDpi xmlns:a14="http://schemas.microsoft.com/office/drawing/2010/main" val="0"/>
+              </a:ext>
+            </a:extLst>
+          </a:blip>
+          <a:stretch>
+            <a:fillRect/>
+          </a:stretch>
+        </p:blipFill>
+        <p:spPr>
+          <a:xfrm>
+            <a:off x="7298240" y="2466201"/>
+            <a:ext cx="476316" cy="352474"/>
+          </a:xfrm>
+          <a:prstGeom prst="rect">
+            <a:avLst/>
+          </a:prstGeom>
+        </p:spPr>
+      </p:pic>
+      <p:pic>
+        <p:nvPicPr>
+          <p:cNvPr id="24" name="Picture 23">
+            <a:extLst>
+              <a:ext uri="{FF2B5EF4-FFF2-40B4-BE49-F238E27FC236}">
+                <a16:creationId xmlns:a16="http://schemas.microsoft.com/office/drawing/2014/main" id="{6DCFCAD5-4B73-4113-85F5-7BCDE1D102D4}"/>
+              </a:ext>
+            </a:extLst>
+          </p:cNvPr>
+          <p:cNvPicPr>
+            <a:picLocks noChangeAspect="1"/>
+          </p:cNvPicPr>
+          <p:nvPr/>
+        </p:nvPicPr>
+        <p:blipFill>
+          <a:blip r:embed="rId9">
+            <a:extLst>
+              <a:ext uri="{28A0092B-C50C-407E-A947-70E740481C1C}">
+                <a14:useLocalDpi xmlns:a14="http://schemas.microsoft.com/office/drawing/2010/main" val="0"/>
+              </a:ext>
+            </a:extLst>
+          </a:blip>
+          <a:stretch>
+            <a:fillRect/>
+          </a:stretch>
+        </p:blipFill>
+        <p:spPr>
+          <a:xfrm>
+            <a:off x="7747275" y="2466201"/>
+            <a:ext cx="476316" cy="352474"/>
+          </a:xfrm>
+          <a:prstGeom prst="rect">
+            <a:avLst/>
+          </a:prstGeom>
+        </p:spPr>
+      </p:pic>
+      <p:pic>
+        <p:nvPicPr>
+          <p:cNvPr id="26" name="Picture 25">
+            <a:extLst>
+              <a:ext uri="{FF2B5EF4-FFF2-40B4-BE49-F238E27FC236}">
+                <a16:creationId xmlns:a16="http://schemas.microsoft.com/office/drawing/2014/main" id="{166CC8E1-6054-4B67-AFB4-B5D0B3FCFD6A}"/>
+              </a:ext>
+            </a:extLst>
+          </p:cNvPr>
+          <p:cNvPicPr>
+            <a:picLocks noChangeAspect="1"/>
+          </p:cNvPicPr>
+          <p:nvPr/>
+        </p:nvPicPr>
+        <p:blipFill>
+          <a:blip r:embed="rId10">
+            <a:extLst>
+              <a:ext uri="{28A0092B-C50C-407E-A947-70E740481C1C}">
+                <a14:useLocalDpi xmlns:a14="http://schemas.microsoft.com/office/drawing/2010/main" val="0"/>
+              </a:ext>
+            </a:extLst>
+          </a:blip>
+          <a:stretch>
+            <a:fillRect/>
+          </a:stretch>
+        </p:blipFill>
+        <p:spPr>
+          <a:xfrm>
+            <a:off x="8178243" y="2466201"/>
+            <a:ext cx="476316" cy="352474"/>
+          </a:xfrm>
+          <a:prstGeom prst="rect">
+            <a:avLst/>
+          </a:prstGeom>
+        </p:spPr>
+      </p:pic>
+      <p:pic>
+        <p:nvPicPr>
+          <p:cNvPr id="28" name="Picture 27">
+            <a:extLst>
+              <a:ext uri="{FF2B5EF4-FFF2-40B4-BE49-F238E27FC236}">
+                <a16:creationId xmlns:a16="http://schemas.microsoft.com/office/drawing/2014/main" id="{65BFF05D-6826-4665-9C84-2668EC37E39E}"/>
+              </a:ext>
+            </a:extLst>
+          </p:cNvPr>
+          <p:cNvPicPr>
+            <a:picLocks noChangeAspect="1"/>
+          </p:cNvPicPr>
+          <p:nvPr/>
+        </p:nvPicPr>
+        <p:blipFill>
+          <a:blip r:embed="rId11">
+            <a:extLst>
+              <a:ext uri="{28A0092B-C50C-407E-A947-70E740481C1C}">
+                <a14:useLocalDpi xmlns:a14="http://schemas.microsoft.com/office/drawing/2010/main" val="0"/>
+              </a:ext>
+            </a:extLst>
+          </a:blip>
+          <a:stretch>
+            <a:fillRect/>
+          </a:stretch>
+        </p:blipFill>
+        <p:spPr>
+          <a:xfrm>
+            <a:off x="8629481" y="2466201"/>
+            <a:ext cx="476316" cy="352474"/>
+          </a:xfrm>
+          <a:prstGeom prst="rect">
+            <a:avLst/>
+          </a:prstGeom>
+        </p:spPr>
+      </p:pic>
+      <p:pic>
+        <p:nvPicPr>
+          <p:cNvPr id="30" name="Picture 29">
+            <a:extLst>
+              <a:ext uri="{FF2B5EF4-FFF2-40B4-BE49-F238E27FC236}">
+                <a16:creationId xmlns:a16="http://schemas.microsoft.com/office/drawing/2014/main" id="{2D72DE0B-195B-4270-B57A-2570C0D90967}"/>
+              </a:ext>
+            </a:extLst>
+          </p:cNvPr>
+          <p:cNvPicPr>
+            <a:picLocks noChangeAspect="1"/>
+          </p:cNvPicPr>
+          <p:nvPr/>
+        </p:nvPicPr>
+        <p:blipFill>
+          <a:blip r:embed="rId12">
+            <a:extLst>
+              <a:ext uri="{28A0092B-C50C-407E-A947-70E740481C1C}">
+                <a14:useLocalDpi xmlns:a14="http://schemas.microsoft.com/office/drawing/2010/main" val="0"/>
+              </a:ext>
+            </a:extLst>
+          </a:blip>
+          <a:stretch>
+            <a:fillRect/>
+          </a:stretch>
+        </p:blipFill>
+        <p:spPr>
+          <a:xfrm>
+            <a:off x="9105797" y="2466201"/>
+            <a:ext cx="476316" cy="352474"/>
+          </a:xfrm>
+          <a:prstGeom prst="rect">
+            <a:avLst/>
+          </a:prstGeom>
+        </p:spPr>
+      </p:pic>
+      <p:pic>
+        <p:nvPicPr>
+          <p:cNvPr id="32" name="Picture 31">
+            <a:extLst>
+              <a:ext uri="{FF2B5EF4-FFF2-40B4-BE49-F238E27FC236}">
+                <a16:creationId xmlns:a16="http://schemas.microsoft.com/office/drawing/2014/main" id="{5E4DD705-0934-46B1-996D-36376E6522A5}"/>
+              </a:ext>
+            </a:extLst>
+          </p:cNvPr>
+          <p:cNvPicPr>
+            <a:picLocks noChangeAspect="1"/>
+          </p:cNvPicPr>
+          <p:nvPr/>
+        </p:nvPicPr>
+        <p:blipFill>
+          <a:blip r:embed="rId13">
+            <a:extLst>
+              <a:ext uri="{28A0092B-C50C-407E-A947-70E740481C1C}">
+                <a14:useLocalDpi xmlns:a14="http://schemas.microsoft.com/office/drawing/2010/main" val="0"/>
+              </a:ext>
+            </a:extLst>
+          </a:blip>
+          <a:stretch>
+            <a:fillRect/>
+          </a:stretch>
+        </p:blipFill>
+        <p:spPr>
+          <a:xfrm>
+            <a:off x="6895472" y="3252772"/>
+            <a:ext cx="488753" cy="361677"/>
+          </a:xfrm>
+          <a:prstGeom prst="rect">
+            <a:avLst/>
+          </a:prstGeom>
+        </p:spPr>
+      </p:pic>
+      <p:pic>
+        <p:nvPicPr>
+          <p:cNvPr id="34" name="Picture 33">
+            <a:extLst>
+              <a:ext uri="{FF2B5EF4-FFF2-40B4-BE49-F238E27FC236}">
+                <a16:creationId xmlns:a16="http://schemas.microsoft.com/office/drawing/2014/main" id="{CC4D181B-2B34-49DA-AEB4-E8C3DC11FE3D}"/>
+              </a:ext>
+            </a:extLst>
+          </p:cNvPr>
+          <p:cNvPicPr>
+            <a:picLocks noChangeAspect="1"/>
+          </p:cNvPicPr>
+          <p:nvPr/>
+        </p:nvPicPr>
+        <p:blipFill>
+          <a:blip r:embed="rId14">
+            <a:extLst>
+              <a:ext uri="{28A0092B-C50C-407E-A947-70E740481C1C}">
+                <a14:useLocalDpi xmlns:a14="http://schemas.microsoft.com/office/drawing/2010/main" val="0"/>
+              </a:ext>
+            </a:extLst>
+          </a:blip>
+          <a:stretch>
+            <a:fillRect/>
+          </a:stretch>
+        </p:blipFill>
+        <p:spPr>
+          <a:xfrm>
+            <a:off x="7316479" y="3265223"/>
+            <a:ext cx="488753" cy="361677"/>
+          </a:xfrm>
+          <a:prstGeom prst="rect">
+            <a:avLst/>
+          </a:prstGeom>
+        </p:spPr>
+      </p:pic>
+      <p:pic>
+        <p:nvPicPr>
+          <p:cNvPr id="36" name="Picture 35">
+            <a:extLst>
+              <a:ext uri="{FF2B5EF4-FFF2-40B4-BE49-F238E27FC236}">
+                <a16:creationId xmlns:a16="http://schemas.microsoft.com/office/drawing/2014/main" id="{59A1C33F-0788-47F1-987B-EAE6E635EE62}"/>
+              </a:ext>
+            </a:extLst>
+          </p:cNvPr>
+          <p:cNvPicPr>
+            <a:picLocks noChangeAspect="1"/>
+          </p:cNvPicPr>
+          <p:nvPr/>
+        </p:nvPicPr>
+        <p:blipFill>
+          <a:blip r:embed="rId15">
+            <a:extLst>
+              <a:ext uri="{28A0092B-C50C-407E-A947-70E740481C1C}">
+                <a14:useLocalDpi xmlns:a14="http://schemas.microsoft.com/office/drawing/2010/main" val="0"/>
+              </a:ext>
+            </a:extLst>
+          </a:blip>
+          <a:stretch>
+            <a:fillRect/>
+          </a:stretch>
+        </p:blipFill>
+        <p:spPr>
+          <a:xfrm>
+            <a:off x="7786593" y="3248161"/>
+            <a:ext cx="488753" cy="361677"/>
+          </a:xfrm>
+          <a:prstGeom prst="rect">
+            <a:avLst/>
+          </a:prstGeom>
+        </p:spPr>
+      </p:pic>
+      <p:pic>
+        <p:nvPicPr>
+          <p:cNvPr id="38" name="Picture 37">
+            <a:extLst>
+              <a:ext uri="{FF2B5EF4-FFF2-40B4-BE49-F238E27FC236}">
+                <a16:creationId xmlns:a16="http://schemas.microsoft.com/office/drawing/2014/main" id="{EE531243-D159-4268-901C-0C8497544E4F}"/>
+              </a:ext>
+            </a:extLst>
+          </p:cNvPr>
+          <p:cNvPicPr>
+            <a:picLocks noChangeAspect="1"/>
+          </p:cNvPicPr>
+          <p:nvPr/>
+        </p:nvPicPr>
+        <p:blipFill>
+          <a:blip r:embed="rId16">
+            <a:extLst>
+              <a:ext uri="{28A0092B-C50C-407E-A947-70E740481C1C}">
+                <a14:useLocalDpi xmlns:a14="http://schemas.microsoft.com/office/drawing/2010/main" val="0"/>
+              </a:ext>
+            </a:extLst>
+          </a:blip>
+          <a:stretch>
+            <a:fillRect/>
+          </a:stretch>
+        </p:blipFill>
+        <p:spPr>
+          <a:xfrm>
+            <a:off x="8220350" y="3245085"/>
+            <a:ext cx="488753" cy="361677"/>
+          </a:xfrm>
+          <a:prstGeom prst="rect">
+            <a:avLst/>
+          </a:prstGeom>
+        </p:spPr>
+      </p:pic>
+      <p:pic>
+        <p:nvPicPr>
+          <p:cNvPr id="40" name="Picture 39">
+            <a:extLst>
+              <a:ext uri="{FF2B5EF4-FFF2-40B4-BE49-F238E27FC236}">
+                <a16:creationId xmlns:a16="http://schemas.microsoft.com/office/drawing/2014/main" id="{7B5CDE30-41CB-49FA-941D-C004D405B219}"/>
+              </a:ext>
+            </a:extLst>
+          </p:cNvPr>
+          <p:cNvPicPr>
+            <a:picLocks noChangeAspect="1"/>
+          </p:cNvPicPr>
+          <p:nvPr/>
+        </p:nvPicPr>
+        <p:blipFill>
+          <a:blip r:embed="rId17">
+            <a:extLst>
+              <a:ext uri="{28A0092B-C50C-407E-A947-70E740481C1C}">
+                <a14:useLocalDpi xmlns:a14="http://schemas.microsoft.com/office/drawing/2010/main" val="0"/>
+              </a:ext>
+            </a:extLst>
+          </a:blip>
+          <a:stretch>
+            <a:fillRect/>
+          </a:stretch>
+        </p:blipFill>
+        <p:spPr>
+          <a:xfrm>
+            <a:off x="8664589" y="3252772"/>
+            <a:ext cx="488753" cy="361677"/>
+          </a:xfrm>
+          <a:prstGeom prst="rect">
+            <a:avLst/>
+          </a:prstGeom>
+        </p:spPr>
+      </p:pic>
+      <p:pic>
+        <p:nvPicPr>
+          <p:cNvPr id="42" name="Picture 41">
+            <a:extLst>
+              <a:ext uri="{FF2B5EF4-FFF2-40B4-BE49-F238E27FC236}">
+                <a16:creationId xmlns:a16="http://schemas.microsoft.com/office/drawing/2014/main" id="{FFECB40D-0241-4EA9-B3E8-D83FBCE0F477}"/>
+              </a:ext>
+            </a:extLst>
+          </p:cNvPr>
+          <p:cNvPicPr>
+            <a:picLocks noChangeAspect="1"/>
+          </p:cNvPicPr>
+          <p:nvPr/>
+        </p:nvPicPr>
+        <p:blipFill>
+          <a:blip r:embed="rId18">
+            <a:extLst>
+              <a:ext uri="{28A0092B-C50C-407E-A947-70E740481C1C}">
+                <a14:useLocalDpi xmlns:a14="http://schemas.microsoft.com/office/drawing/2010/main" val="0"/>
+              </a:ext>
+            </a:extLst>
+          </a:blip>
+          <a:stretch>
+            <a:fillRect/>
+          </a:stretch>
+        </p:blipFill>
+        <p:spPr>
+          <a:xfrm>
+            <a:off x="9512247" y="3262382"/>
+            <a:ext cx="488753" cy="361677"/>
+          </a:xfrm>
+          <a:prstGeom prst="rect">
+            <a:avLst/>
+          </a:prstGeom>
+        </p:spPr>
+      </p:pic>
+      <p:pic>
+        <p:nvPicPr>
+          <p:cNvPr id="44" name="Picture 43">
+            <a:extLst>
+              <a:ext uri="{FF2B5EF4-FFF2-40B4-BE49-F238E27FC236}">
+                <a16:creationId xmlns:a16="http://schemas.microsoft.com/office/drawing/2014/main" id="{CCC4B0CD-9599-467B-A589-3A5608FCABDD}"/>
+              </a:ext>
+            </a:extLst>
+          </p:cNvPr>
+          <p:cNvPicPr>
+            <a:picLocks noChangeAspect="1"/>
+          </p:cNvPicPr>
+          <p:nvPr/>
+        </p:nvPicPr>
+        <p:blipFill>
+          <a:blip r:embed="rId17">
+            <a:extLst>
+              <a:ext uri="{28A0092B-C50C-407E-A947-70E740481C1C}">
+                <a14:useLocalDpi xmlns:a14="http://schemas.microsoft.com/office/drawing/2010/main" val="0"/>
+              </a:ext>
+            </a:extLst>
+          </a:blip>
+          <a:stretch>
+            <a:fillRect/>
+          </a:stretch>
+        </p:blipFill>
+        <p:spPr>
+          <a:xfrm>
+            <a:off x="9111476" y="3269612"/>
+            <a:ext cx="488753" cy="361677"/>
+          </a:xfrm>
+          <a:prstGeom prst="rect">
+            <a:avLst/>
+          </a:prstGeom>
+        </p:spPr>
+      </p:pic>
+      <p:pic>
+        <p:nvPicPr>
+          <p:cNvPr id="46" name="Picture 45">
+            <a:extLst>
+              <a:ext uri="{FF2B5EF4-FFF2-40B4-BE49-F238E27FC236}">
+                <a16:creationId xmlns:a16="http://schemas.microsoft.com/office/drawing/2014/main" id="{F84AC43F-FF2E-4EBA-9A9F-2CEB253F2BE5}"/>
+              </a:ext>
+            </a:extLst>
+          </p:cNvPr>
+          <p:cNvPicPr>
+            <a:picLocks noChangeAspect="1"/>
+          </p:cNvPicPr>
+          <p:nvPr/>
+        </p:nvPicPr>
+        <p:blipFill>
+          <a:blip r:embed="rId19">
+            <a:extLst>
+              <a:ext uri="{28A0092B-C50C-407E-A947-70E740481C1C}">
+                <a14:useLocalDpi xmlns:a14="http://schemas.microsoft.com/office/drawing/2010/main" val="0"/>
+              </a:ext>
+            </a:extLst>
+          </a:blip>
+          <a:stretch>
+            <a:fillRect/>
+          </a:stretch>
+        </p:blipFill>
+        <p:spPr>
+          <a:xfrm>
+            <a:off x="6907909" y="2873218"/>
+            <a:ext cx="476316" cy="352474"/>
+          </a:xfrm>
+          <a:prstGeom prst="rect">
+            <a:avLst/>
+          </a:prstGeom>
+        </p:spPr>
+      </p:pic>
+      <p:pic>
+        <p:nvPicPr>
+          <p:cNvPr id="48" name="Picture 47">
+            <a:extLst>
+              <a:ext uri="{FF2B5EF4-FFF2-40B4-BE49-F238E27FC236}">
+                <a16:creationId xmlns:a16="http://schemas.microsoft.com/office/drawing/2014/main" id="{9BB4CA09-9649-44C4-8F42-0C78E2D50456}"/>
+              </a:ext>
+            </a:extLst>
+          </p:cNvPr>
+          <p:cNvPicPr>
+            <a:picLocks noChangeAspect="1"/>
+          </p:cNvPicPr>
+          <p:nvPr/>
+        </p:nvPicPr>
+        <p:blipFill>
+          <a:blip r:embed="rId20">
+            <a:extLst>
+              <a:ext uri="{28A0092B-C50C-407E-A947-70E740481C1C}">
+                <a14:useLocalDpi xmlns:a14="http://schemas.microsoft.com/office/drawing/2010/main" val="0"/>
+              </a:ext>
+            </a:extLst>
+          </a:blip>
+          <a:stretch>
+            <a:fillRect/>
+          </a:stretch>
+        </p:blipFill>
+        <p:spPr>
+          <a:xfrm>
+            <a:off x="7298240" y="2889411"/>
+            <a:ext cx="476316" cy="352474"/>
+          </a:xfrm>
+          <a:prstGeom prst="rect">
+            <a:avLst/>
+          </a:prstGeom>
+        </p:spPr>
+      </p:pic>
+      <p:pic>
+        <p:nvPicPr>
+          <p:cNvPr id="50" name="Picture 49">
+            <a:extLst>
+              <a:ext uri="{FF2B5EF4-FFF2-40B4-BE49-F238E27FC236}">
+                <a16:creationId xmlns:a16="http://schemas.microsoft.com/office/drawing/2014/main" id="{150D412D-79AA-46B2-9067-2A351C15A74C}"/>
+              </a:ext>
+            </a:extLst>
+          </p:cNvPr>
+          <p:cNvPicPr>
+            <a:picLocks noChangeAspect="1"/>
+          </p:cNvPicPr>
+          <p:nvPr/>
+        </p:nvPicPr>
+        <p:blipFill>
+          <a:blip r:embed="rId21">
+            <a:extLst>
+              <a:ext uri="{28A0092B-C50C-407E-A947-70E740481C1C}">
+                <a14:useLocalDpi xmlns:a14="http://schemas.microsoft.com/office/drawing/2010/main" val="0"/>
+              </a:ext>
+            </a:extLst>
+          </a:blip>
+          <a:stretch>
+            <a:fillRect/>
+          </a:stretch>
+        </p:blipFill>
+        <p:spPr>
+          <a:xfrm>
+            <a:off x="7766662" y="2931951"/>
+            <a:ext cx="476316" cy="352474"/>
+          </a:xfrm>
+          <a:prstGeom prst="rect">
+            <a:avLst/>
+          </a:prstGeom>
+        </p:spPr>
+      </p:pic>
+      <p:pic>
+        <p:nvPicPr>
+          <p:cNvPr id="52" name="Picture 51">
+            <a:extLst>
+              <a:ext uri="{FF2B5EF4-FFF2-40B4-BE49-F238E27FC236}">
+                <a16:creationId xmlns:a16="http://schemas.microsoft.com/office/drawing/2014/main" id="{1AD495CA-E2F5-4E13-9664-6BEA891F3094}"/>
+              </a:ext>
+            </a:extLst>
+          </p:cNvPr>
+          <p:cNvPicPr>
+            <a:picLocks noChangeAspect="1"/>
+          </p:cNvPicPr>
+          <p:nvPr/>
+        </p:nvPicPr>
+        <p:blipFill>
+          <a:blip r:embed="rId22">
+            <a:extLst>
+              <a:ext uri="{28A0092B-C50C-407E-A947-70E740481C1C}">
+                <a14:useLocalDpi xmlns:a14="http://schemas.microsoft.com/office/drawing/2010/main" val="0"/>
+              </a:ext>
+            </a:extLst>
+          </a:blip>
+          <a:stretch>
+            <a:fillRect/>
+          </a:stretch>
+        </p:blipFill>
+        <p:spPr>
+          <a:xfrm>
+            <a:off x="8242978" y="2931951"/>
+            <a:ext cx="476316" cy="352474"/>
+          </a:xfrm>
+          <a:prstGeom prst="rect">
+            <a:avLst/>
+          </a:prstGeom>
+        </p:spPr>
+      </p:pic>
+      <p:pic>
+        <p:nvPicPr>
+          <p:cNvPr id="54" name="Picture 53">
+            <a:extLst>
+              <a:ext uri="{FF2B5EF4-FFF2-40B4-BE49-F238E27FC236}">
+                <a16:creationId xmlns:a16="http://schemas.microsoft.com/office/drawing/2014/main" id="{0C4DC283-67A6-436B-B42F-5B6E7E2457CC}"/>
+              </a:ext>
+            </a:extLst>
+          </p:cNvPr>
+          <p:cNvPicPr>
+            <a:picLocks noChangeAspect="1"/>
+          </p:cNvPicPr>
+          <p:nvPr/>
+        </p:nvPicPr>
+        <p:blipFill>
+          <a:blip r:embed="rId23">
+            <a:extLst>
+              <a:ext uri="{28A0092B-C50C-407E-A947-70E740481C1C}">
+                <a14:useLocalDpi xmlns:a14="http://schemas.microsoft.com/office/drawing/2010/main" val="0"/>
+              </a:ext>
+            </a:extLst>
+          </a:blip>
+          <a:stretch>
+            <a:fillRect/>
+          </a:stretch>
+        </p:blipFill>
+        <p:spPr>
+          <a:xfrm>
+            <a:off x="8654559" y="2897097"/>
+            <a:ext cx="476316" cy="352474"/>
+          </a:xfrm>
+          <a:prstGeom prst="rect">
+            <a:avLst/>
+          </a:prstGeom>
+        </p:spPr>
+      </p:pic>
+      <p:pic>
+        <p:nvPicPr>
+          <p:cNvPr id="56" name="Picture 55">
+            <a:extLst>
+              <a:ext uri="{FF2B5EF4-FFF2-40B4-BE49-F238E27FC236}">
+                <a16:creationId xmlns:a16="http://schemas.microsoft.com/office/drawing/2014/main" id="{3626C231-BECA-472C-845C-41C285D5358A}"/>
+              </a:ext>
+            </a:extLst>
+          </p:cNvPr>
+          <p:cNvPicPr>
+            <a:picLocks noChangeAspect="1"/>
+          </p:cNvPicPr>
+          <p:nvPr/>
+        </p:nvPicPr>
+        <p:blipFill>
+          <a:blip r:embed="rId24">
+            <a:extLst>
+              <a:ext uri="{28A0092B-C50C-407E-A947-70E740481C1C}">
+                <a14:useLocalDpi xmlns:a14="http://schemas.microsoft.com/office/drawing/2010/main" val="0"/>
+              </a:ext>
+            </a:extLst>
+          </a:blip>
+          <a:stretch>
+            <a:fillRect/>
+          </a:stretch>
+        </p:blipFill>
+        <p:spPr>
+          <a:xfrm>
+            <a:off x="7384225" y="3785778"/>
+            <a:ext cx="304800" cy="238125"/>
+          </a:xfrm>
+          <a:prstGeom prst="rect">
+            <a:avLst/>
+          </a:prstGeom>
+        </p:spPr>
+      </p:pic>
+      <p:pic>
+        <p:nvPicPr>
+          <p:cNvPr id="58" name="Picture 57">
+            <a:extLst>
+              <a:ext uri="{FF2B5EF4-FFF2-40B4-BE49-F238E27FC236}">
+                <a16:creationId xmlns:a16="http://schemas.microsoft.com/office/drawing/2014/main" id="{D377ABEE-0276-4E61-AA91-FD379CCFA422}"/>
+              </a:ext>
+            </a:extLst>
+          </p:cNvPr>
+          <p:cNvPicPr>
+            <a:picLocks noChangeAspect="1"/>
+          </p:cNvPicPr>
+          <p:nvPr/>
+        </p:nvPicPr>
+        <p:blipFill>
+          <a:blip r:embed="rId25">
+            <a:extLst>
+              <a:ext uri="{28A0092B-C50C-407E-A947-70E740481C1C}">
+                <a14:useLocalDpi xmlns:a14="http://schemas.microsoft.com/office/drawing/2010/main" val="0"/>
+              </a:ext>
+            </a:extLst>
+          </a:blip>
+          <a:stretch>
+            <a:fillRect/>
+          </a:stretch>
+        </p:blipFill>
+        <p:spPr>
+          <a:xfrm>
+            <a:off x="6985273" y="3785779"/>
+            <a:ext cx="304800" cy="238125"/>
+          </a:xfrm>
+          <a:prstGeom prst="rect">
+            <a:avLst/>
+          </a:prstGeom>
+        </p:spPr>
+      </p:pic>
+      <p:pic>
+        <p:nvPicPr>
+          <p:cNvPr id="60" name="Picture 59">
+            <a:extLst>
+              <a:ext uri="{FF2B5EF4-FFF2-40B4-BE49-F238E27FC236}">
+                <a16:creationId xmlns:a16="http://schemas.microsoft.com/office/drawing/2014/main" id="{9F8CB035-78B7-401B-A7E3-384A76AD37DB}"/>
+              </a:ext>
+            </a:extLst>
+          </p:cNvPr>
+          <p:cNvPicPr>
+            <a:picLocks noChangeAspect="1"/>
+          </p:cNvPicPr>
+          <p:nvPr/>
+        </p:nvPicPr>
+        <p:blipFill>
+          <a:blip r:embed="rId26">
+            <a:extLst>
+              <a:ext uri="{28A0092B-C50C-407E-A947-70E740481C1C}">
+                <a14:useLocalDpi xmlns:a14="http://schemas.microsoft.com/office/drawing/2010/main" val="0"/>
+              </a:ext>
+            </a:extLst>
+          </a:blip>
+          <a:stretch>
+            <a:fillRect/>
+          </a:stretch>
+        </p:blipFill>
+        <p:spPr>
+          <a:xfrm>
+            <a:off x="7831357" y="3785777"/>
+            <a:ext cx="304800" cy="238125"/>
+          </a:xfrm>
+          <a:prstGeom prst="rect">
+            <a:avLst/>
+          </a:prstGeom>
+        </p:spPr>
+      </p:pic>
+      <p:pic>
+        <p:nvPicPr>
+          <p:cNvPr id="62" name="Picture 61">
+            <a:extLst>
+              <a:ext uri="{FF2B5EF4-FFF2-40B4-BE49-F238E27FC236}">
+                <a16:creationId xmlns:a16="http://schemas.microsoft.com/office/drawing/2014/main" id="{2E93C03F-8F23-4C2B-A2B7-B4DB1D902336}"/>
+              </a:ext>
+            </a:extLst>
+          </p:cNvPr>
+          <p:cNvPicPr>
+            <a:picLocks noChangeAspect="1"/>
+          </p:cNvPicPr>
+          <p:nvPr/>
+        </p:nvPicPr>
+        <p:blipFill>
+          <a:blip r:embed="rId27">
+            <a:extLst>
+              <a:ext uri="{28A0092B-C50C-407E-A947-70E740481C1C}">
+                <a14:useLocalDpi xmlns:a14="http://schemas.microsoft.com/office/drawing/2010/main" val="0"/>
+              </a:ext>
+            </a:extLst>
+          </a:blip>
+          <a:stretch>
+            <a:fillRect/>
+          </a:stretch>
+        </p:blipFill>
+        <p:spPr>
+          <a:xfrm>
+            <a:off x="8272122" y="3778092"/>
+            <a:ext cx="304800" cy="238125"/>
+          </a:xfrm>
+          <a:prstGeom prst="rect">
+            <a:avLst/>
+          </a:prstGeom>
+        </p:spPr>
+      </p:pic>
+      <p:pic>
+        <p:nvPicPr>
+          <p:cNvPr id="64" name="Picture 63">
+            <a:extLst>
+              <a:ext uri="{FF2B5EF4-FFF2-40B4-BE49-F238E27FC236}">
+                <a16:creationId xmlns:a16="http://schemas.microsoft.com/office/drawing/2014/main" id="{D42E4A8D-22AF-4C5B-968F-BE8870870896}"/>
+              </a:ext>
+            </a:extLst>
+          </p:cNvPr>
+          <p:cNvPicPr>
+            <a:picLocks noChangeAspect="1"/>
+          </p:cNvPicPr>
+          <p:nvPr/>
+        </p:nvPicPr>
+        <p:blipFill>
+          <a:blip r:embed="rId28">
+            <a:extLst>
+              <a:ext uri="{28A0092B-C50C-407E-A947-70E740481C1C}">
+                <a14:useLocalDpi xmlns:a14="http://schemas.microsoft.com/office/drawing/2010/main" val="0"/>
+              </a:ext>
+            </a:extLst>
+          </a:blip>
+          <a:stretch>
+            <a:fillRect/>
+          </a:stretch>
+        </p:blipFill>
+        <p:spPr>
+          <a:xfrm>
+            <a:off x="6985273" y="4114585"/>
+            <a:ext cx="304800" cy="238125"/>
+          </a:xfrm>
+          <a:prstGeom prst="rect">
+            <a:avLst/>
+          </a:prstGeom>
+        </p:spPr>
+      </p:pic>
+      <p:pic>
+        <p:nvPicPr>
+          <p:cNvPr id="66" name="Picture 65">
+            <a:extLst>
+              <a:ext uri="{FF2B5EF4-FFF2-40B4-BE49-F238E27FC236}">
+                <a16:creationId xmlns:a16="http://schemas.microsoft.com/office/drawing/2014/main" id="{5BD33EE0-A0FB-4238-8354-97CDB9A6598F}"/>
+              </a:ext>
+            </a:extLst>
+          </p:cNvPr>
+          <p:cNvPicPr>
+            <a:picLocks noChangeAspect="1"/>
+          </p:cNvPicPr>
+          <p:nvPr/>
+        </p:nvPicPr>
+        <p:blipFill>
+          <a:blip r:embed="rId29">
+            <a:extLst>
+              <a:ext uri="{28A0092B-C50C-407E-A947-70E740481C1C}">
+                <a14:useLocalDpi xmlns:a14="http://schemas.microsoft.com/office/drawing/2010/main" val="0"/>
+              </a:ext>
+            </a:extLst>
+          </a:blip>
+          <a:stretch>
+            <a:fillRect/>
+          </a:stretch>
+        </p:blipFill>
+        <p:spPr>
+          <a:xfrm>
+            <a:off x="7384225" y="4114585"/>
+            <a:ext cx="304800" cy="238125"/>
+          </a:xfrm>
+          <a:prstGeom prst="rect">
+            <a:avLst/>
+          </a:prstGeom>
+        </p:spPr>
+      </p:pic>
+      <p:pic>
+        <p:nvPicPr>
+          <p:cNvPr id="68" name="Picture 67">
+            <a:extLst>
+              <a:ext uri="{FF2B5EF4-FFF2-40B4-BE49-F238E27FC236}">
+                <a16:creationId xmlns:a16="http://schemas.microsoft.com/office/drawing/2014/main" id="{3BDB72D0-FF55-491D-B134-FADB5CACC678}"/>
+              </a:ext>
+            </a:extLst>
+          </p:cNvPr>
+          <p:cNvPicPr>
+            <a:picLocks noChangeAspect="1"/>
+          </p:cNvPicPr>
+          <p:nvPr/>
+        </p:nvPicPr>
+        <p:blipFill>
+          <a:blip r:embed="rId30">
+            <a:extLst>
+              <a:ext uri="{28A0092B-C50C-407E-A947-70E740481C1C}">
+                <a14:useLocalDpi xmlns:a14="http://schemas.microsoft.com/office/drawing/2010/main" val="0"/>
+              </a:ext>
+            </a:extLst>
+          </a:blip>
+          <a:stretch>
+            <a:fillRect/>
+          </a:stretch>
+        </p:blipFill>
+        <p:spPr>
+          <a:xfrm>
+            <a:off x="7831357" y="4129315"/>
+            <a:ext cx="304800" cy="238125"/>
+          </a:xfrm>
+          <a:prstGeom prst="rect">
+            <a:avLst/>
+          </a:prstGeom>
+        </p:spPr>
+      </p:pic>
+      <p:pic>
+        <p:nvPicPr>
+          <p:cNvPr id="70" name="Picture 69">
+            <a:extLst>
+              <a:ext uri="{FF2B5EF4-FFF2-40B4-BE49-F238E27FC236}">
+                <a16:creationId xmlns:a16="http://schemas.microsoft.com/office/drawing/2014/main" id="{7A5F5C31-4DDB-4137-9C61-BAAFBEF6029C}"/>
+              </a:ext>
+            </a:extLst>
+          </p:cNvPr>
+          <p:cNvPicPr>
+            <a:picLocks noChangeAspect="1"/>
+          </p:cNvPicPr>
+          <p:nvPr/>
+        </p:nvPicPr>
+        <p:blipFill>
+          <a:blip r:embed="rId31">
+            <a:extLst>
+              <a:ext uri="{28A0092B-C50C-407E-A947-70E740481C1C}">
+                <a14:useLocalDpi xmlns:a14="http://schemas.microsoft.com/office/drawing/2010/main" val="0"/>
+              </a:ext>
+            </a:extLst>
+          </a:blip>
+          <a:stretch>
+            <a:fillRect/>
+          </a:stretch>
+        </p:blipFill>
+        <p:spPr>
+          <a:xfrm>
+            <a:off x="8272122" y="4129314"/>
+            <a:ext cx="304800" cy="238125"/>
+          </a:xfrm>
+          <a:prstGeom prst="rect">
+            <a:avLst/>
+          </a:prstGeom>
+        </p:spPr>
+      </p:pic>
+      <p:pic>
+        <p:nvPicPr>
+          <p:cNvPr id="72" name="Picture 71">
+            <a:extLst>
+              <a:ext uri="{FF2B5EF4-FFF2-40B4-BE49-F238E27FC236}">
+                <a16:creationId xmlns:a16="http://schemas.microsoft.com/office/drawing/2014/main" id="{E66E0F0C-4F66-42CF-B2A0-00316AA32825}"/>
+              </a:ext>
+            </a:extLst>
+          </p:cNvPr>
+          <p:cNvPicPr>
+            <a:picLocks noChangeAspect="1"/>
+          </p:cNvPicPr>
+          <p:nvPr/>
+        </p:nvPicPr>
+        <p:blipFill>
+          <a:blip r:embed="rId32">
+            <a:extLst>
+              <a:ext uri="{28A0092B-C50C-407E-A947-70E740481C1C}">
+                <a14:useLocalDpi xmlns:a14="http://schemas.microsoft.com/office/drawing/2010/main" val="0"/>
+              </a:ext>
+            </a:extLst>
+          </a:blip>
+          <a:stretch>
+            <a:fillRect/>
+          </a:stretch>
+        </p:blipFill>
+        <p:spPr>
+          <a:xfrm>
+            <a:off x="8646136" y="4129314"/>
+            <a:ext cx="304800" cy="238125"/>
+          </a:xfrm>
+          <a:prstGeom prst="rect">
+            <a:avLst/>
+          </a:prstGeom>
+        </p:spPr>
+      </p:pic>
+      <p:pic>
+        <p:nvPicPr>
+          <p:cNvPr id="74" name="Picture 73">
+            <a:extLst>
+              <a:ext uri="{FF2B5EF4-FFF2-40B4-BE49-F238E27FC236}">
+                <a16:creationId xmlns:a16="http://schemas.microsoft.com/office/drawing/2014/main" id="{18E22920-B571-4599-8437-165DD57EDCFB}"/>
+              </a:ext>
+            </a:extLst>
+          </p:cNvPr>
+          <p:cNvPicPr>
+            <a:picLocks noChangeAspect="1"/>
+          </p:cNvPicPr>
+          <p:nvPr/>
+        </p:nvPicPr>
+        <p:blipFill>
+          <a:blip r:embed="rId33">
+            <a:extLst>
+              <a:ext uri="{28A0092B-C50C-407E-A947-70E740481C1C}">
+                <a14:useLocalDpi xmlns:a14="http://schemas.microsoft.com/office/drawing/2010/main" val="0"/>
+              </a:ext>
+            </a:extLst>
+          </a:blip>
+          <a:stretch>
+            <a:fillRect/>
+          </a:stretch>
+        </p:blipFill>
+        <p:spPr>
+          <a:xfrm>
+            <a:off x="7015657" y="4429382"/>
+            <a:ext cx="304800" cy="238125"/>
+          </a:xfrm>
+          <a:prstGeom prst="rect">
+            <a:avLst/>
+          </a:prstGeom>
+        </p:spPr>
+      </p:pic>
+      <p:pic>
+        <p:nvPicPr>
+          <p:cNvPr id="76" name="Picture 75">
+            <a:extLst>
+              <a:ext uri="{FF2B5EF4-FFF2-40B4-BE49-F238E27FC236}">
+                <a16:creationId xmlns:a16="http://schemas.microsoft.com/office/drawing/2014/main" id="{CDC5E084-6518-4D95-82CE-A2AFA1C7F10F}"/>
+              </a:ext>
+            </a:extLst>
+          </p:cNvPr>
+          <p:cNvPicPr>
+            <a:picLocks noChangeAspect="1"/>
+          </p:cNvPicPr>
+          <p:nvPr/>
+        </p:nvPicPr>
+        <p:blipFill>
+          <a:blip r:embed="rId34">
+            <a:extLst>
+              <a:ext uri="{28A0092B-C50C-407E-A947-70E740481C1C}">
+                <a14:useLocalDpi xmlns:a14="http://schemas.microsoft.com/office/drawing/2010/main" val="0"/>
+              </a:ext>
+            </a:extLst>
+          </a:blip>
+          <a:stretch>
+            <a:fillRect/>
+          </a:stretch>
+        </p:blipFill>
+        <p:spPr>
+          <a:xfrm>
+            <a:off x="7424670" y="4447139"/>
+            <a:ext cx="304800" cy="238125"/>
+          </a:xfrm>
+          <a:prstGeom prst="rect">
+            <a:avLst/>
+          </a:prstGeom>
+        </p:spPr>
+      </p:pic>
+      <p:pic>
+        <p:nvPicPr>
+          <p:cNvPr id="78" name="Picture 77">
+            <a:extLst>
+              <a:ext uri="{FF2B5EF4-FFF2-40B4-BE49-F238E27FC236}">
+                <a16:creationId xmlns:a16="http://schemas.microsoft.com/office/drawing/2014/main" id="{9B47FB24-535D-4DE2-BEDE-5D11DC9E307B}"/>
+              </a:ext>
+            </a:extLst>
+          </p:cNvPr>
+          <p:cNvPicPr>
+            <a:picLocks noChangeAspect="1"/>
+          </p:cNvPicPr>
+          <p:nvPr/>
+        </p:nvPicPr>
+        <p:blipFill>
+          <a:blip r:embed="rId35">
+            <a:extLst>
+              <a:ext uri="{28A0092B-C50C-407E-A947-70E740481C1C}">
+                <a14:useLocalDpi xmlns:a14="http://schemas.microsoft.com/office/drawing/2010/main" val="0"/>
+              </a:ext>
+            </a:extLst>
+          </a:blip>
+          <a:stretch>
+            <a:fillRect/>
+          </a:stretch>
+        </p:blipFill>
+        <p:spPr>
+          <a:xfrm>
+            <a:off x="7851571" y="4429381"/>
+            <a:ext cx="304800" cy="238125"/>
+          </a:xfrm>
+          <a:prstGeom prst="rect">
+            <a:avLst/>
+          </a:prstGeom>
+        </p:spPr>
+      </p:pic>
+      <p:pic>
+        <p:nvPicPr>
+          <p:cNvPr id="80" name="Picture 79" descr="Graphical user interface&#10;&#10;Description automatically generated">
+            <a:extLst>
+              <a:ext uri="{FF2B5EF4-FFF2-40B4-BE49-F238E27FC236}">
+                <a16:creationId xmlns:a16="http://schemas.microsoft.com/office/drawing/2014/main" id="{76123F71-9555-40B3-8011-D0129CA2B50C}"/>
+              </a:ext>
+            </a:extLst>
+          </p:cNvPr>
+          <p:cNvPicPr>
+            <a:picLocks noChangeAspect="1"/>
+          </p:cNvPicPr>
+          <p:nvPr/>
+        </p:nvPicPr>
+        <p:blipFill>
+          <a:blip r:embed="rId36">
+            <a:extLst>
+              <a:ext uri="{28A0092B-C50C-407E-A947-70E740481C1C}">
+                <a14:useLocalDpi xmlns:a14="http://schemas.microsoft.com/office/drawing/2010/main" val="0"/>
+              </a:ext>
+            </a:extLst>
+          </a:blip>
+          <a:stretch>
+            <a:fillRect/>
+          </a:stretch>
+        </p:blipFill>
+        <p:spPr>
+          <a:xfrm>
+            <a:off x="6985273" y="4832215"/>
+            <a:ext cx="3164468" cy="1384454"/>
+          </a:xfrm>
+          <a:prstGeom prst="rect">
+            <a:avLst/>
+          </a:prstGeom>
+        </p:spPr>
+      </p:pic>
+      <p:sp>
+        <p:nvSpPr>
+          <p:cNvPr id="82" name="TextBox 81">
+            <a:extLst>
+              <a:ext uri="{FF2B5EF4-FFF2-40B4-BE49-F238E27FC236}">
+                <a16:creationId xmlns:a16="http://schemas.microsoft.com/office/drawing/2014/main" id="{C7E65176-661F-459B-82DA-39F1FFEEF01F}"/>
+              </a:ext>
+            </a:extLst>
+          </p:cNvPr>
+          <p:cNvSpPr txBox="1"/>
+          <p:nvPr/>
+        </p:nvSpPr>
+        <p:spPr>
+          <a:xfrm>
+            <a:off x="4776186" y="1873188"/>
+            <a:ext cx="4202229" cy="3693319"/>
+          </a:xfrm>
+          <a:prstGeom prst="rect">
+            <a:avLst/>
+          </a:prstGeom>
+          <a:noFill/>
+        </p:spPr>
+        <p:txBody>
+          <a:bodyPr wrap="square" rtlCol="0">
+            <a:spAutoFit/>
+          </a:bodyPr>
+          <a:lstStyle/>
+          <a:p>
+            <a:endParaRPr lang="en-US"/>
+          </a:p>
+          <a:p>
+            <a:endParaRPr lang="en-US"/>
+          </a:p>
+          <a:p>
+            <a:endParaRPr lang="en-US"/>
+          </a:p>
+          <a:p>
+            <a:r>
+              <a:rPr lang="en-US"/>
+              <a:t>Player Animations:</a:t>
+            </a:r>
+          </a:p>
+          <a:p>
+            <a:endParaRPr lang="en-US"/>
+          </a:p>
+          <a:p>
+            <a:endParaRPr lang="en-US"/>
+          </a:p>
+          <a:p>
+            <a:endParaRPr lang="en-US"/>
+          </a:p>
+          <a:p>
+            <a:endParaRPr lang="en-US"/>
+          </a:p>
+          <a:p>
+            <a:r>
+              <a:rPr lang="en-US"/>
+              <a:t>Slime Animations:</a:t>
+            </a:r>
+          </a:p>
+          <a:p>
+            <a:endParaRPr lang="en-US"/>
+          </a:p>
+          <a:p>
+            <a:endParaRPr lang="en-US"/>
+          </a:p>
+          <a:p>
+            <a:endParaRPr lang="en-US"/>
+          </a:p>
+          <a:p>
+            <a:r>
+              <a:rPr lang="en-US"/>
+              <a:t>Tile-Set:</a:t>
+            </a:r>
+          </a:p>
+        </p:txBody>
+      </p:sp>
     </p:spTree>
     <p:extLst>
       <p:ext uri="{BB962C8B-B14F-4D97-AF65-F5344CB8AC3E}">
-        <p14:creationId xmlns:p14="http://schemas.microsoft.com/office/powerpoint/2010/main" val="2066295673"/>
+        <p14:creationId xmlns:p14="http://schemas.microsoft.com/office/powerpoint/2010/main" val="2140794774"/>
       </p:ext>
     </p:extLst>
   </p:cSld>
@@ -7495,7 +8412,7 @@
           <p:cNvPr id="2" name="Title 1">
             <a:extLst>
               <a:ext uri="{FF2B5EF4-FFF2-40B4-BE49-F238E27FC236}">
-                <a16:creationId xmlns:a16="http://schemas.microsoft.com/office/drawing/2014/main" id="{94A4E944-762E-B64E-9FEA-6C1B17942EC7}"/>
+                <a16:creationId xmlns:a16="http://schemas.microsoft.com/office/drawing/2014/main" id="{F04C28DE-F11A-7A46-AA6E-C3AEB79696A3}"/>
               </a:ext>
             </a:extLst>
           </p:cNvPr>
@@ -7506,69 +8423,145 @@
             <p:ph type="title"/>
           </p:nvPr>
         </p:nvSpPr>
-        <p:spPr/>
+        <p:spPr>
+          <a:xfrm>
+            <a:off x="343839" y="0"/>
+            <a:ext cx="3517567" cy="2093975"/>
+          </a:xfrm>
+        </p:spPr>
         <p:txBody>
           <a:bodyPr/>
           <a:lstStyle/>
           <a:p>
             <a:r>
               <a:rPr lang="en-US"/>
-              <a:t>Scott M.</a:t>
-            </a:r>
-          </a:p>
-        </p:txBody>
-      </p:sp>
-      <p:sp>
-        <p:nvSpPr>
-          <p:cNvPr id="4" name="Text Placeholder 3">
-            <a:extLst>
-              <a:ext uri="{FF2B5EF4-FFF2-40B4-BE49-F238E27FC236}">
-                <a16:creationId xmlns:a16="http://schemas.microsoft.com/office/drawing/2014/main" id="{A1B5656D-9A6C-014B-8080-B1CF4F43691F}"/>
-              </a:ext>
-            </a:extLst>
-          </p:cNvPr>
-          <p:cNvSpPr>
-            <a:spLocks noGrp="1"/>
-          </p:cNvSpPr>
-          <p:nvPr>
-            <p:ph type="body" sz="half" idx="2"/>
-          </p:nvPr>
-        </p:nvSpPr>
-        <p:spPr/>
-        <p:txBody>
-          <a:bodyPr vert="horz" lIns="91440" tIns="45720" rIns="91440" bIns="45720" rtlCol="0" anchor="t">
-            <a:normAutofit/>
-          </a:bodyPr>
-          <a:lstStyle/>
-          <a:p>
-            <a:r>
-              <a:rPr lang="en-US"/>
-              <a:t>- Change Level: High Priority</a:t>
-            </a:r>
-          </a:p>
-          <a:p>
-            <a:r>
-              <a:rPr lang="en-US"/>
-              <a:t>- Open Chest: Medium Priority</a:t>
-            </a:r>
-          </a:p>
-          <a:p>
-            <a:r>
-              <a:rPr lang="en-US"/>
-              <a:t>- Obstacles: Low Priority</a:t>
-            </a:r>
-          </a:p>
-          <a:p>
-            <a:endParaRPr lang="en-US"/>
+              <a:t>Matt M.</a:t>
+            </a:r>
           </a:p>
         </p:txBody>
       </p:sp>
       <p:pic>
         <p:nvPicPr>
-          <p:cNvPr id="6" name="Picture 6" descr="A picture containing linedrawing&#10;&#10;Description automatically generated">
-            <a:extLst>
-              <a:ext uri="{FF2B5EF4-FFF2-40B4-BE49-F238E27FC236}">
-                <a16:creationId xmlns:a16="http://schemas.microsoft.com/office/drawing/2014/main" id="{9D78A6A5-E526-4B40-A971-2C5E9E3E80D7}"/>
+          <p:cNvPr id="6" name="Picture 6" descr="A picture containing text, clipart&#10;&#10;Description automatically generated">
+            <a:extLst>
+              <a:ext uri="{FF2B5EF4-FFF2-40B4-BE49-F238E27FC236}">
+                <a16:creationId xmlns:a16="http://schemas.microsoft.com/office/drawing/2014/main" id="{F94000F8-3462-4862-9148-024DF95773DA}"/>
+              </a:ext>
+            </a:extLst>
+          </p:cNvPr>
+          <p:cNvPicPr>
+            <a:picLocks noGrp="1" noChangeAspect="1"/>
+          </p:cNvPicPr>
+          <p:nvPr>
+            <p:ph idx="1"/>
+          </p:nvPr>
+        </p:nvPicPr>
+        <p:blipFill>
+          <a:blip r:embed="rId2"/>
+          <a:stretch>
+            <a:fillRect/>
+          </a:stretch>
+        </p:blipFill>
+        <p:spPr>
+          <a:xfrm>
+            <a:off x="1056220" y="155905"/>
+            <a:ext cx="2091847" cy="1207327"/>
+          </a:xfrm>
+        </p:spPr>
+      </p:pic>
+      <p:sp>
+        <p:nvSpPr>
+          <p:cNvPr id="4" name="Text Placeholder 3">
+            <a:extLst>
+              <a:ext uri="{FF2B5EF4-FFF2-40B4-BE49-F238E27FC236}">
+                <a16:creationId xmlns:a16="http://schemas.microsoft.com/office/drawing/2014/main" id="{6C62D82B-216F-E542-BF98-54EE55738AF1}"/>
+              </a:ext>
+            </a:extLst>
+          </p:cNvPr>
+          <p:cNvSpPr>
+            <a:spLocks noGrp="1"/>
+          </p:cNvSpPr>
+          <p:nvPr>
+            <p:ph type="body" sz="half" idx="2"/>
+          </p:nvPr>
+        </p:nvSpPr>
+        <p:spPr>
+          <a:xfrm>
+            <a:off x="37973" y="2550543"/>
+            <a:ext cx="3517567" cy="4307457"/>
+          </a:xfrm>
+        </p:spPr>
+        <p:txBody>
+          <a:bodyPr/>
+          <a:lstStyle/>
+          <a:p>
+            <a:pPr marL="285750" indent="-285750">
+              <a:buFont typeface="Arial" panose="020B0604020202020204" pitchFamily="34" charset="0"/>
+              <a:buChar char="•"/>
+            </a:pPr>
+            <a:r>
+              <a:rPr lang="en-US" dirty="0"/>
+              <a:t>Enemy AI patrol and detection</a:t>
+            </a:r>
+          </a:p>
+          <a:p>
+            <a:pPr marL="285750" indent="-285750">
+              <a:buFont typeface="Arial" panose="020B0604020202020204" pitchFamily="34" charset="0"/>
+              <a:buChar char="•"/>
+            </a:pPr>
+            <a:r>
+              <a:rPr lang="en-US" dirty="0"/>
+              <a:t>Top Priority given the necessity to have interactable enemies in a game</a:t>
+            </a:r>
+          </a:p>
+          <a:p>
+            <a:pPr marL="285750" indent="-285750">
+              <a:buFont typeface="Arial" panose="020B0604020202020204" pitchFamily="34" charset="0"/>
+              <a:buChar char="•"/>
+            </a:pPr>
+            <a:r>
+              <a:rPr lang="en-US" dirty="0"/>
+              <a:t>The work was a learning curve but once a foundation was established it was easy to implement more features onto it</a:t>
+            </a:r>
+          </a:p>
+        </p:txBody>
+      </p:sp>
+      <p:pic>
+        <p:nvPicPr>
+          <p:cNvPr id="5" name="Picture 6" descr="Diagram&#10;&#10;Description automatically generated">
+            <a:extLst>
+              <a:ext uri="{FF2B5EF4-FFF2-40B4-BE49-F238E27FC236}">
+                <a16:creationId xmlns:a16="http://schemas.microsoft.com/office/drawing/2014/main" id="{B2AC0BF4-E962-418F-BDC0-4BE119C27CD3}"/>
+              </a:ext>
+            </a:extLst>
+          </p:cNvPr>
+          <p:cNvPicPr>
+            <a:picLocks noChangeAspect="1"/>
+          </p:cNvPicPr>
+          <p:nvPr/>
+        </p:nvPicPr>
+        <p:blipFill>
+          <a:blip r:embed="rId3"/>
+          <a:stretch>
+            <a:fillRect/>
+          </a:stretch>
+        </p:blipFill>
+        <p:spPr>
+          <a:xfrm>
+            <a:off x="4724400" y="1356531"/>
+            <a:ext cx="7200180" cy="2451603"/>
+          </a:xfrm>
+          <a:prstGeom prst="rect">
+            <a:avLst/>
+          </a:prstGeom>
+        </p:spPr>
+      </p:pic>
+      <p:pic>
+        <p:nvPicPr>
+          <p:cNvPr id="10" name="Picture 6" descr="A picture containing text, clipart&#10;&#10;Description automatically generated">
+            <a:extLst>
+              <a:ext uri="{FF2B5EF4-FFF2-40B4-BE49-F238E27FC236}">
+                <a16:creationId xmlns:a16="http://schemas.microsoft.com/office/drawing/2014/main" id="{31C00C3D-CAB0-FC4D-BF46-69CA11BD0FAE}"/>
               </a:ext>
             </a:extLst>
           </p:cNvPr>
@@ -7585,97 +8578,8 @@
         </p:blipFill>
         <p:spPr>
           <a:xfrm>
-            <a:off x="1295400" y="332191"/>
-            <a:ext cx="1911016" cy="1782039"/>
-          </a:xfrm>
-          <a:prstGeom prst="rect">
-            <a:avLst/>
-          </a:prstGeom>
-        </p:spPr>
-      </p:pic>
-      <p:pic>
-        <p:nvPicPr>
-          <p:cNvPr id="7" name="Picture 8" descr="Diagram&#10;&#10;Description automatically generated">
-            <a:extLst>
-              <a:ext uri="{FF2B5EF4-FFF2-40B4-BE49-F238E27FC236}">
-                <a16:creationId xmlns:a16="http://schemas.microsoft.com/office/drawing/2014/main" id="{A9E262E6-6F66-4E94-B9AF-22B7C73B24D5}"/>
-              </a:ext>
-            </a:extLst>
-          </p:cNvPr>
-          <p:cNvPicPr>
-            <a:picLocks noGrp="1" noChangeAspect="1"/>
-          </p:cNvPicPr>
-          <p:nvPr>
-            <p:ph idx="1"/>
-          </p:nvPr>
-        </p:nvPicPr>
-        <p:blipFill>
-          <a:blip r:embed="rId3"/>
-          <a:stretch>
-            <a:fillRect/>
-          </a:stretch>
-        </p:blipFill>
-        <p:spPr>
-          <a:xfrm>
-            <a:off x="4667251" y="781766"/>
-            <a:ext cx="7123621" cy="2438218"/>
-          </a:xfrm>
-        </p:spPr>
-      </p:pic>
-      <p:pic>
-        <p:nvPicPr>
-          <p:cNvPr id="9" name="Picture 9" descr="Diagram&#10;&#10;Description automatically generated">
-            <a:extLst>
-              <a:ext uri="{FF2B5EF4-FFF2-40B4-BE49-F238E27FC236}">
-                <a16:creationId xmlns:a16="http://schemas.microsoft.com/office/drawing/2014/main" id="{E4EF289E-AC31-492C-90E4-6A27CB3C63F1}"/>
-              </a:ext>
-            </a:extLst>
-          </p:cNvPr>
-          <p:cNvPicPr>
-            <a:picLocks noChangeAspect="1"/>
-          </p:cNvPicPr>
-          <p:nvPr/>
-        </p:nvPicPr>
-        <p:blipFill>
-          <a:blip r:embed="rId4"/>
-          <a:stretch>
-            <a:fillRect/>
-          </a:stretch>
-        </p:blipFill>
-        <p:spPr>
-          <a:xfrm>
-            <a:off x="4755761" y="3933466"/>
-            <a:ext cx="2047875" cy="1924050"/>
-          </a:xfrm>
-          <a:prstGeom prst="rect">
-            <a:avLst/>
-          </a:prstGeom>
-        </p:spPr>
-      </p:pic>
-      <p:pic>
-        <p:nvPicPr>
-          <p:cNvPr id="10" name="Picture 10" descr="Diagram&#10;&#10;Description automatically generated">
-            <a:extLst>
-              <a:ext uri="{FF2B5EF4-FFF2-40B4-BE49-F238E27FC236}">
-                <a16:creationId xmlns:a16="http://schemas.microsoft.com/office/drawing/2014/main" id="{D5C5436B-1053-49B9-876E-260DCBDFD886}"/>
-              </a:ext>
-            </a:extLst>
-          </p:cNvPr>
-          <p:cNvPicPr>
-            <a:picLocks noChangeAspect="1"/>
-          </p:cNvPicPr>
-          <p:nvPr/>
-        </p:nvPicPr>
-        <p:blipFill>
-          <a:blip r:embed="rId5"/>
-          <a:stretch>
-            <a:fillRect/>
-          </a:stretch>
-        </p:blipFill>
-        <p:spPr>
-          <a:xfrm>
-            <a:off x="6981466" y="3936700"/>
-            <a:ext cx="1162050" cy="1428750"/>
+            <a:off x="1056220" y="149204"/>
+            <a:ext cx="2091847" cy="1207327"/>
           </a:xfrm>
           <a:prstGeom prst="rect">
             <a:avLst/>
@@ -7685,7 +8589,7 @@
     </p:spTree>
     <p:extLst>
       <p:ext uri="{BB962C8B-B14F-4D97-AF65-F5344CB8AC3E}">
-        <p14:creationId xmlns:p14="http://schemas.microsoft.com/office/powerpoint/2010/main" val="1384095005"/>
+        <p14:creationId xmlns:p14="http://schemas.microsoft.com/office/powerpoint/2010/main" val="1508664037"/>
       </p:ext>
     </p:extLst>
   </p:cSld>
@@ -7717,7 +8621,7 @@
           <p:cNvPr id="2" name="Title 1">
             <a:extLst>
               <a:ext uri="{FF2B5EF4-FFF2-40B4-BE49-F238E27FC236}">
-                <a16:creationId xmlns:a16="http://schemas.microsoft.com/office/drawing/2014/main" id="{3835FBDD-A08B-8F40-9D1A-9BE60A9E01A4}"/>
+                <a16:creationId xmlns:a16="http://schemas.microsoft.com/office/drawing/2014/main" id="{5A2BBE6B-C273-C441-B54B-6AA81EB21151}"/>
               </a:ext>
             </a:extLst>
           </p:cNvPr>
@@ -7726,6 +8630,74 @@
           </p:cNvSpPr>
           <p:nvPr>
             <p:ph type="title"/>
+          </p:nvPr>
+        </p:nvSpPr>
+        <p:spPr>
+          <a:xfrm>
+            <a:off x="415844" y="1358395"/>
+            <a:ext cx="3517567" cy="709056"/>
+          </a:xfrm>
+        </p:spPr>
+        <p:txBody>
+          <a:bodyPr/>
+          <a:lstStyle/>
+          <a:p>
+            <a:r>
+              <a:rPr lang="en-US" dirty="0"/>
+              <a:t>Matt M.</a:t>
+            </a:r>
+          </a:p>
+        </p:txBody>
+      </p:sp>
+      <p:pic>
+        <p:nvPicPr>
+          <p:cNvPr id="6" name="Content Placeholder 5" descr="Diagram&#10;&#10;Description automatically generated">
+            <a:extLst>
+              <a:ext uri="{FF2B5EF4-FFF2-40B4-BE49-F238E27FC236}">
+                <a16:creationId xmlns:a16="http://schemas.microsoft.com/office/drawing/2014/main" id="{517A1FF9-1D3E-814D-846A-09A50485E5C1}"/>
+              </a:ext>
+            </a:extLst>
+          </p:cNvPr>
+          <p:cNvPicPr>
+            <a:picLocks noGrp="1" noChangeAspect="1"/>
+          </p:cNvPicPr>
+          <p:nvPr>
+            <p:ph idx="1"/>
+          </p:nvPr>
+        </p:nvPicPr>
+        <p:blipFill>
+          <a:blip r:embed="rId2">
+            <a:extLst>
+              <a:ext uri="{28A0092B-C50C-407E-A947-70E740481C1C}">
+                <a14:useLocalDpi xmlns:a14="http://schemas.microsoft.com/office/drawing/2010/main" val="0"/>
+              </a:ext>
+            </a:extLst>
+          </a:blip>
+          <a:stretch>
+            <a:fillRect/>
+          </a:stretch>
+        </p:blipFill>
+        <p:spPr>
+          <a:xfrm>
+            <a:off x="4718756" y="0"/>
+            <a:ext cx="7473244" cy="6858000"/>
+          </a:xfrm>
+        </p:spPr>
+      </p:pic>
+      <p:sp>
+        <p:nvSpPr>
+          <p:cNvPr id="4" name="Text Placeholder 3">
+            <a:extLst>
+              <a:ext uri="{FF2B5EF4-FFF2-40B4-BE49-F238E27FC236}">
+                <a16:creationId xmlns:a16="http://schemas.microsoft.com/office/drawing/2014/main" id="{46782950-AB44-FD4F-B42B-3575C9546A49}"/>
+              </a:ext>
+            </a:extLst>
+          </p:cNvPr>
+          <p:cNvSpPr>
+            <a:spLocks noGrp="1"/>
+          </p:cNvSpPr>
+          <p:nvPr>
+            <p:ph type="body" sz="half" idx="2"/>
           </p:nvPr>
         </p:nvSpPr>
         <p:spPr/>
@@ -7733,71 +8705,74 @@
           <a:bodyPr/>
           <a:lstStyle/>
           <a:p>
-            <a:r>
-              <a:rPr lang="en-US"/>
-              <a:t>Final Questions?</a:t>
-            </a:r>
+            <a:pPr marL="285750" indent="-285750">
+              <a:buFont typeface="Arial" panose="020B0604020202020204" pitchFamily="34" charset="0"/>
+              <a:buChar char="•"/>
+            </a:pPr>
+            <a:r>
+              <a:rPr lang="en-US" dirty="0"/>
+              <a:t>The Enemy AI can move in all directions dictated by whether it is following its search path or chasing a player.</a:t>
+            </a:r>
+          </a:p>
+          <a:p>
+            <a:pPr marL="285750" indent="-285750">
+              <a:buFont typeface="Arial" panose="020B0604020202020204" pitchFamily="34" charset="0"/>
+              <a:buChar char="•"/>
+            </a:pPr>
+            <a:r>
+              <a:rPr lang="en-US" dirty="0"/>
+              <a:t>This is determined by the “can see player” function</a:t>
+            </a:r>
+          </a:p>
+          <a:p>
+            <a:pPr marL="285750" indent="-285750">
+              <a:buFont typeface="Arial" panose="020B0604020202020204" pitchFamily="34" charset="0"/>
+              <a:buChar char="•"/>
+            </a:pPr>
+            <a:r>
+              <a:rPr lang="en-US" dirty="0"/>
+              <a:t>Uses a rotational ray cast to  detect player from any approach </a:t>
+            </a:r>
+          </a:p>
+          <a:p>
+            <a:endParaRPr lang="en-US" dirty="0"/>
           </a:p>
         </p:txBody>
       </p:sp>
       <p:pic>
         <p:nvPicPr>
-          <p:cNvPr id="5" name="Picture 5">
-            <a:extLst>
-              <a:ext uri="{FF2B5EF4-FFF2-40B4-BE49-F238E27FC236}">
-                <a16:creationId xmlns:a16="http://schemas.microsoft.com/office/drawing/2014/main" id="{5817596E-3E3B-4B47-B79A-4768469F7F8A}"/>
+          <p:cNvPr id="7" name="Picture 6" descr="A picture containing text, clipart&#10;&#10;Description automatically generated">
+            <a:extLst>
+              <a:ext uri="{FF2B5EF4-FFF2-40B4-BE49-F238E27FC236}">
+                <a16:creationId xmlns:a16="http://schemas.microsoft.com/office/drawing/2014/main" id="{DC00F34A-57FE-6046-9D75-A76FE8039FC5}"/>
               </a:ext>
             </a:extLst>
           </p:cNvPr>
           <p:cNvPicPr>
-            <a:picLocks noGrp="1" noChangeAspect="1"/>
+            <a:picLocks noChangeAspect="1"/>
           </p:cNvPicPr>
-          <p:nvPr>
-            <p:ph idx="1"/>
-          </p:nvPr>
+          <p:nvPr/>
         </p:nvPicPr>
         <p:blipFill>
-          <a:blip r:embed="rId2"/>
+          <a:blip r:embed="rId3"/>
           <a:stretch>
             <a:fillRect/>
           </a:stretch>
         </p:blipFill>
         <p:spPr>
           <a:xfrm>
-            <a:off x="4621427" y="1"/>
-            <a:ext cx="7570573" cy="6858000"/>
-          </a:xfrm>
+            <a:off x="1056220" y="149204"/>
+            <a:ext cx="2091847" cy="1207327"/>
+          </a:xfrm>
+          <a:prstGeom prst="rect">
+            <a:avLst/>
+          </a:prstGeom>
         </p:spPr>
       </p:pic>
-      <p:sp>
-        <p:nvSpPr>
-          <p:cNvPr id="4" name="Text Placeholder 3">
-            <a:extLst>
-              <a:ext uri="{FF2B5EF4-FFF2-40B4-BE49-F238E27FC236}">
-                <a16:creationId xmlns:a16="http://schemas.microsoft.com/office/drawing/2014/main" id="{8302400D-72BF-B64E-BD07-34C94D8F9A8B}"/>
-              </a:ext>
-            </a:extLst>
-          </p:cNvPr>
-          <p:cNvSpPr>
-            <a:spLocks noGrp="1"/>
-          </p:cNvSpPr>
-          <p:nvPr>
-            <p:ph type="body" sz="half" idx="2"/>
-          </p:nvPr>
-        </p:nvSpPr>
-        <p:spPr/>
-        <p:txBody>
-          <a:bodyPr/>
-          <a:lstStyle/>
-          <a:p>
-            <a:endParaRPr lang="en-US"/>
-          </a:p>
-        </p:txBody>
-      </p:sp>
     </p:spTree>
     <p:extLst>
       <p:ext uri="{BB962C8B-B14F-4D97-AF65-F5344CB8AC3E}">
-        <p14:creationId xmlns:p14="http://schemas.microsoft.com/office/powerpoint/2010/main" val="2400740985"/>
+        <p14:creationId xmlns:p14="http://schemas.microsoft.com/office/powerpoint/2010/main" val="1107415904"/>
       </p:ext>
     </p:extLst>
   </p:cSld>
@@ -8093,6 +9068,1436 @@
     <p:extLst>
       <p:ext uri="{BB962C8B-B14F-4D97-AF65-F5344CB8AC3E}">
         <p14:creationId xmlns:p14="http://schemas.microsoft.com/office/powerpoint/2010/main" val="1087654509"/>
+      </p:ext>
+    </p:extLst>
+  </p:cSld>
+  <p:clrMapOvr>
+    <a:masterClrMapping/>
+  </p:clrMapOvr>
+</p:sld>
+</file>
+
+<file path=ppt/slides/slide20.xml><?xml version="1.0" encoding="utf-8"?>
+<p:sld xmlns:a="http://schemas.openxmlformats.org/drawingml/2006/main" xmlns:r="http://schemas.openxmlformats.org/officeDocument/2006/relationships" xmlns:p="http://schemas.openxmlformats.org/presentationml/2006/main">
+  <p:cSld>
+    <p:bg>
+      <p:bgPr>
+        <a:solidFill>
+          <a:schemeClr val="bg1"/>
+        </a:solidFill>
+        <a:effectLst/>
+      </p:bgPr>
+    </p:bg>
+    <p:spTree>
+      <p:nvGrpSpPr>
+        <p:cNvPr id="1" name=""/>
+        <p:cNvGrpSpPr/>
+        <p:nvPr/>
+      </p:nvGrpSpPr>
+      <p:grpSpPr>
+        <a:xfrm>
+          <a:off x="0" y="0"/>
+          <a:ext cx="0" cy="0"/>
+          <a:chOff x="0" y="0"/>
+          <a:chExt cx="0" cy="0"/>
+        </a:xfrm>
+      </p:grpSpPr>
+      <p:sp>
+        <p:nvSpPr>
+          <p:cNvPr id="10" name="Rectangle 9">
+            <a:extLst>
+              <a:ext uri="{FF2B5EF4-FFF2-40B4-BE49-F238E27FC236}">
+                <a16:creationId xmlns:a16="http://schemas.microsoft.com/office/drawing/2014/main" id="{416A0E3C-60E6-4F39-BC55-5F7C224E1F7C}"/>
+              </a:ext>
+              <a:ext uri="{C183D7F6-B498-43B3-948B-1728B52AA6E4}">
+                <adec:decorative xmlns:adec="http://schemas.microsoft.com/office/drawing/2017/decorative" val="1"/>
+              </a:ext>
+            </a:extLst>
+          </p:cNvPr>
+          <p:cNvSpPr>
+            <a:spLocks noGrp="1" noRot="1" noChangeAspect="1" noMove="1" noResize="1" noEditPoints="1" noAdjustHandles="1" noChangeArrowheads="1" noChangeShapeType="1" noTextEdit="1"/>
+          </p:cNvSpPr>
+          <p:nvPr>
+            <p:extLst>
+              <p:ext uri="{386F3935-93C4-4BCD-93E2-E3B085C9AB24}">
+                <p16:designElem xmlns:p16="http://schemas.microsoft.com/office/powerpoint/2015/main" val="1"/>
+              </p:ext>
+            </p:extLst>
+          </p:nvPr>
+        </p:nvSpPr>
+        <p:spPr>
+          <a:xfrm>
+            <a:off x="3175" y="6400800"/>
+            <a:ext cx="12188825" cy="457200"/>
+          </a:xfrm>
+          <a:prstGeom prst="rect">
+            <a:avLst/>
+          </a:prstGeom>
+          <a:solidFill>
+            <a:srgbClr val="262626"/>
+          </a:solidFill>
+          <a:ln>
+            <a:noFill/>
+          </a:ln>
+        </p:spPr>
+        <p:style>
+          <a:lnRef idx="2">
+            <a:schemeClr val="accent1">
+              <a:shade val="50000"/>
+            </a:schemeClr>
+          </a:lnRef>
+          <a:fillRef idx="1">
+            <a:schemeClr val="accent1"/>
+          </a:fillRef>
+          <a:effectRef idx="0">
+            <a:schemeClr val="accent1"/>
+          </a:effectRef>
+          <a:fontRef idx="minor">
+            <a:schemeClr val="lt1"/>
+          </a:fontRef>
+        </p:style>
+      </p:sp>
+      <p:cxnSp>
+        <p:nvCxnSpPr>
+          <p:cNvPr id="12" name="Straight Connector 11">
+            <a:extLst>
+              <a:ext uri="{FF2B5EF4-FFF2-40B4-BE49-F238E27FC236}">
+                <a16:creationId xmlns:a16="http://schemas.microsoft.com/office/drawing/2014/main" id="{C5025DAC-8B93-4160-B017-3A274A5828C0}"/>
+              </a:ext>
+              <a:ext uri="{C183D7F6-B498-43B3-948B-1728B52AA6E4}">
+                <adec:decorative xmlns:adec="http://schemas.microsoft.com/office/drawing/2017/decorative" val="1"/>
+              </a:ext>
+            </a:extLst>
+          </p:cNvPr>
+          <p:cNvCxnSpPr>
+            <a:cxnSpLocks noGrp="1" noRot="1" noChangeAspect="1" noMove="1" noResize="1" noEditPoints="1" noAdjustHandles="1" noChangeArrowheads="1" noChangeShapeType="1"/>
+          </p:cNvCxnSpPr>
+          <p:nvPr>
+            <p:extLst>
+              <p:ext uri="{386F3935-93C4-4BCD-93E2-E3B085C9AB24}">
+                <p16:designElem xmlns:p16="http://schemas.microsoft.com/office/powerpoint/2015/main" val="1"/>
+              </p:ext>
+            </p:extLst>
+          </p:nvPr>
+        </p:nvCxnSpPr>
+        <p:spPr>
+          <a:xfrm>
+            <a:off x="1193532" y="1897380"/>
+            <a:ext cx="9966960" cy="0"/>
+          </a:xfrm>
+          <a:prstGeom prst="line">
+            <a:avLst/>
+          </a:prstGeom>
+          <a:ln w="12700">
+            <a:solidFill>
+              <a:schemeClr val="tx1">
+                <a:lumMod val="75000"/>
+                <a:lumOff val="25000"/>
+              </a:schemeClr>
+            </a:solidFill>
+          </a:ln>
+        </p:spPr>
+        <p:style>
+          <a:lnRef idx="1">
+            <a:schemeClr val="accent1"/>
+          </a:lnRef>
+          <a:fillRef idx="0">
+            <a:schemeClr val="accent1"/>
+          </a:fillRef>
+          <a:effectRef idx="0">
+            <a:schemeClr val="accent1"/>
+          </a:effectRef>
+          <a:fontRef idx="minor">
+            <a:schemeClr val="tx1"/>
+          </a:fontRef>
+        </p:style>
+      </p:cxnSp>
+      <p:sp useBgFill="1">
+        <p:nvSpPr>
+          <p:cNvPr id="14" name="Rectangle 13">
+            <a:extLst>
+              <a:ext uri="{FF2B5EF4-FFF2-40B4-BE49-F238E27FC236}">
+                <a16:creationId xmlns:a16="http://schemas.microsoft.com/office/drawing/2014/main" id="{0AB6E427-3F73-4C06-A5D5-AE52C3883B50}"/>
+              </a:ext>
+              <a:ext uri="{C183D7F6-B498-43B3-948B-1728B52AA6E4}">
+                <adec:decorative xmlns:adec="http://schemas.microsoft.com/office/drawing/2017/decorative" val="1"/>
+              </a:ext>
+            </a:extLst>
+          </p:cNvPr>
+          <p:cNvSpPr>
+            <a:spLocks noGrp="1" noRot="1" noChangeAspect="1" noMove="1" noResize="1" noEditPoints="1" noAdjustHandles="1" noChangeArrowheads="1" noChangeShapeType="1" noTextEdit="1"/>
+          </p:cNvSpPr>
+          <p:nvPr>
+            <p:extLst>
+              <p:ext uri="{386F3935-93C4-4BCD-93E2-E3B085C9AB24}">
+                <p16:designElem xmlns:p16="http://schemas.microsoft.com/office/powerpoint/2015/main" val="1"/>
+              </p:ext>
+            </p:extLst>
+          </p:nvPr>
+        </p:nvSpPr>
+        <p:spPr>
+          <a:xfrm>
+            <a:off x="5685" y="0"/>
+            <a:ext cx="12186315" cy="6858000"/>
+          </a:xfrm>
+          <a:prstGeom prst="rect">
+            <a:avLst/>
+          </a:prstGeom>
+          <a:ln>
+            <a:noFill/>
+          </a:ln>
+        </p:spPr>
+        <p:style>
+          <a:lnRef idx="2">
+            <a:schemeClr val="accent6">
+              <a:shade val="50000"/>
+            </a:schemeClr>
+          </a:lnRef>
+          <a:fillRef idx="1001">
+            <a:schemeClr val="lt1"/>
+          </a:fillRef>
+          <a:effectRef idx="0">
+            <a:schemeClr val="accent6"/>
+          </a:effectRef>
+          <a:fontRef idx="minor">
+            <a:schemeClr val="lt1"/>
+          </a:fontRef>
+        </p:style>
+        <p:txBody>
+          <a:bodyPr rtlCol="0" anchor="ctr"/>
+          <a:lstStyle/>
+          <a:p>
+            <a:pPr algn="ctr"/>
+            <a:endParaRPr lang="en-US"/>
+          </a:p>
+        </p:txBody>
+      </p:sp>
+      <p:sp>
+        <p:nvSpPr>
+          <p:cNvPr id="16" name="Rectangle 15">
+            <a:extLst>
+              <a:ext uri="{FF2B5EF4-FFF2-40B4-BE49-F238E27FC236}">
+                <a16:creationId xmlns:a16="http://schemas.microsoft.com/office/drawing/2014/main" id="{D8C9BDAA-0390-4B39-9B5C-BC95E5120DA4}"/>
+              </a:ext>
+              <a:ext uri="{C183D7F6-B498-43B3-948B-1728B52AA6E4}">
+                <adec:decorative xmlns:adec="http://schemas.microsoft.com/office/drawing/2017/decorative" val="1"/>
+              </a:ext>
+            </a:extLst>
+          </p:cNvPr>
+          <p:cNvSpPr>
+            <a:spLocks noGrp="1" noRot="1" noChangeAspect="1" noMove="1" noResize="1" noEditPoints="1" noAdjustHandles="1" noChangeArrowheads="1" noChangeShapeType="1" noTextEdit="1"/>
+          </p:cNvSpPr>
+          <p:nvPr>
+            <p:extLst>
+              <p:ext uri="{386F3935-93C4-4BCD-93E2-E3B085C9AB24}">
+                <p16:designElem xmlns:p16="http://schemas.microsoft.com/office/powerpoint/2015/main" val="1"/>
+              </p:ext>
+            </p:extLst>
+          </p:nvPr>
+        </p:nvSpPr>
+        <p:spPr>
+          <a:xfrm>
+            <a:off x="16" y="0"/>
+            <a:ext cx="4059919" cy="6858000"/>
+          </a:xfrm>
+          <a:prstGeom prst="rect">
+            <a:avLst/>
+          </a:prstGeom>
+          <a:solidFill>
+            <a:srgbClr val="262626"/>
+          </a:solidFill>
+          <a:ln>
+            <a:noFill/>
+          </a:ln>
+        </p:spPr>
+        <p:style>
+          <a:lnRef idx="2">
+            <a:schemeClr val="accent1">
+              <a:shade val="50000"/>
+            </a:schemeClr>
+          </a:lnRef>
+          <a:fillRef idx="1">
+            <a:schemeClr val="accent1"/>
+          </a:fillRef>
+          <a:effectRef idx="0">
+            <a:schemeClr val="accent1"/>
+          </a:effectRef>
+          <a:fontRef idx="minor">
+            <a:schemeClr val="lt1"/>
+          </a:fontRef>
+        </p:style>
+      </p:sp>
+      <p:sp>
+        <p:nvSpPr>
+          <p:cNvPr id="2" name="Title 1">
+            <a:extLst>
+              <a:ext uri="{FF2B5EF4-FFF2-40B4-BE49-F238E27FC236}">
+                <a16:creationId xmlns:a16="http://schemas.microsoft.com/office/drawing/2014/main" id="{520FC691-6D9B-4C79-8BB5-0C179541A584}"/>
+              </a:ext>
+            </a:extLst>
+          </p:cNvPr>
+          <p:cNvSpPr>
+            <a:spLocks noGrp="1"/>
+          </p:cNvSpPr>
+          <p:nvPr>
+            <p:ph type="title"/>
+          </p:nvPr>
+        </p:nvSpPr>
+        <p:spPr>
+          <a:xfrm>
+            <a:off x="492370" y="516836"/>
+            <a:ext cx="3084844" cy="1505745"/>
+          </a:xfrm>
+        </p:spPr>
+        <p:txBody>
+          <a:bodyPr vert="horz" lIns="91440" tIns="45720" rIns="91440" bIns="45720" rtlCol="0" anchor="b">
+            <a:normAutofit/>
+          </a:bodyPr>
+          <a:lstStyle/>
+          <a:p>
+            <a:r>
+              <a:rPr lang="en-US" sz="4000"/>
+              <a:t>Dawson H.</a:t>
+            </a:r>
+          </a:p>
+        </p:txBody>
+      </p:sp>
+      <p:cxnSp>
+        <p:nvCxnSpPr>
+          <p:cNvPr id="18" name="Straight Connector 17">
+            <a:extLst>
+              <a:ext uri="{FF2B5EF4-FFF2-40B4-BE49-F238E27FC236}">
+                <a16:creationId xmlns:a16="http://schemas.microsoft.com/office/drawing/2014/main" id="{E04A321A-A039-4720-87B4-66A4210E0D57}"/>
+              </a:ext>
+              <a:ext uri="{C183D7F6-B498-43B3-948B-1728B52AA6E4}">
+                <adec:decorative xmlns:adec="http://schemas.microsoft.com/office/drawing/2017/decorative" val="1"/>
+              </a:ext>
+            </a:extLst>
+          </p:cNvPr>
+          <p:cNvCxnSpPr>
+            <a:cxnSpLocks noGrp="1" noRot="1" noChangeAspect="1" noMove="1" noResize="1" noEditPoints="1" noAdjustHandles="1" noChangeArrowheads="1" noChangeShapeType="1"/>
+          </p:cNvCxnSpPr>
+          <p:nvPr>
+            <p:extLst>
+              <p:ext uri="{386F3935-93C4-4BCD-93E2-E3B085C9AB24}">
+                <p16:designElem xmlns:p16="http://schemas.microsoft.com/office/powerpoint/2015/main" val="1"/>
+              </p:ext>
+            </p:extLst>
+          </p:nvPr>
+        </p:nvCxnSpPr>
+        <p:spPr>
+          <a:xfrm>
+            <a:off x="571752" y="2638787"/>
+            <a:ext cx="2743200" cy="0"/>
+          </a:xfrm>
+          <a:prstGeom prst="line">
+            <a:avLst/>
+          </a:prstGeom>
+          <a:ln w="19050">
+            <a:solidFill>
+              <a:schemeClr val="accent1"/>
+            </a:solidFill>
+          </a:ln>
+        </p:spPr>
+        <p:style>
+          <a:lnRef idx="1">
+            <a:schemeClr val="accent1"/>
+          </a:lnRef>
+          <a:fillRef idx="0">
+            <a:schemeClr val="accent1"/>
+          </a:fillRef>
+          <a:effectRef idx="0">
+            <a:schemeClr val="accent1"/>
+          </a:effectRef>
+          <a:fontRef idx="minor">
+            <a:schemeClr val="tx1"/>
+          </a:fontRef>
+        </p:style>
+      </p:cxnSp>
+      <p:sp>
+        <p:nvSpPr>
+          <p:cNvPr id="4" name="Text Placeholder 3">
+            <a:extLst>
+              <a:ext uri="{FF2B5EF4-FFF2-40B4-BE49-F238E27FC236}">
+                <a16:creationId xmlns:a16="http://schemas.microsoft.com/office/drawing/2014/main" id="{DA5DCBDF-480D-4858-AD00-C46748D9C825}"/>
+              </a:ext>
+            </a:extLst>
+          </p:cNvPr>
+          <p:cNvSpPr>
+            <a:spLocks noGrp="1"/>
+          </p:cNvSpPr>
+          <p:nvPr>
+            <p:ph type="body" sz="half" idx="2"/>
+          </p:nvPr>
+        </p:nvSpPr>
+        <p:spPr>
+          <a:xfrm>
+            <a:off x="79241" y="2232802"/>
+            <a:ext cx="3981193" cy="4239737"/>
+          </a:xfrm>
+        </p:spPr>
+        <p:txBody>
+          <a:bodyPr vert="horz" lIns="0" tIns="45720" rIns="0" bIns="45720" rtlCol="0" anchor="t">
+            <a:normAutofit/>
+          </a:bodyPr>
+          <a:lstStyle/>
+          <a:p>
+            <a:pPr>
+              <a:lnSpc>
+                <a:spcPct val="100000"/>
+              </a:lnSpc>
+            </a:pPr>
+            <a:r>
+              <a:rPr lang="en-US" sz="2000"/>
+              <a:t>Main Menu/Game Menu (Medium)</a:t>
+            </a:r>
+          </a:p>
+          <a:p>
+            <a:pPr marL="342900" indent="-342900">
+              <a:lnSpc>
+                <a:spcPct val="100000"/>
+              </a:lnSpc>
+              <a:buFont typeface="Arial" panose="020F0502020204030204" pitchFamily="34" charset="0"/>
+              <a:buChar char="•"/>
+            </a:pPr>
+            <a:r>
+              <a:rPr lang="en-US"/>
+              <a:t>Main Menu</a:t>
+            </a:r>
+          </a:p>
+          <a:p>
+            <a:pPr lvl="1">
+              <a:lnSpc>
+                <a:spcPct val="100000"/>
+              </a:lnSpc>
+              <a:buFont typeface="Arial" panose="020F0502020204030204" pitchFamily="34" charset="0"/>
+              <a:buChar char="•"/>
+            </a:pPr>
+            <a:r>
+              <a:rPr lang="en-US" sz="1400">
+                <a:solidFill>
+                  <a:srgbClr val="FFFFFF"/>
+                </a:solidFill>
+              </a:rPr>
+              <a:t>Play: Launches Level 1.</a:t>
+            </a:r>
+          </a:p>
+          <a:p>
+            <a:pPr lvl="1">
+              <a:lnSpc>
+                <a:spcPct val="100000"/>
+              </a:lnSpc>
+              <a:buFont typeface="Arial" panose="020F0502020204030204" pitchFamily="34" charset="0"/>
+              <a:buChar char="•"/>
+            </a:pPr>
+            <a:r>
+              <a:rPr lang="en-US" sz="1400">
+                <a:solidFill>
+                  <a:srgbClr val="FFFFFF"/>
+                </a:solidFill>
+              </a:rPr>
+              <a:t>Options: </a:t>
+            </a:r>
+            <a:r>
+              <a:rPr lang="en-US" sz="1400">
+                <a:solidFill>
+                  <a:srgbClr val="FFFFFF"/>
+                </a:solidFill>
+                <a:ea typeface="+mn-lt"/>
+                <a:cs typeface="+mn-lt"/>
+              </a:rPr>
+              <a:t>"RFU" slider represents anything added to options menu in further development.</a:t>
+            </a:r>
+            <a:endParaRPr lang="en-US" sz="1400">
+              <a:solidFill>
+                <a:srgbClr val="FFFFFF"/>
+              </a:solidFill>
+            </a:endParaRPr>
+          </a:p>
+          <a:p>
+            <a:pPr lvl="1">
+              <a:lnSpc>
+                <a:spcPct val="100000"/>
+              </a:lnSpc>
+              <a:buFont typeface="Arial" panose="020F0502020204030204" pitchFamily="34" charset="0"/>
+              <a:buChar char="•"/>
+            </a:pPr>
+            <a:r>
+              <a:rPr lang="en-US" sz="1400">
+                <a:solidFill>
+                  <a:srgbClr val="FFFFFF"/>
+                </a:solidFill>
+              </a:rPr>
+              <a:t>Quit: Quits application.</a:t>
+            </a:r>
+            <a:endParaRPr lang="en-US" sz="1400"/>
+          </a:p>
+          <a:p>
+            <a:pPr marL="342900" indent="-342900">
+              <a:lnSpc>
+                <a:spcPct val="100000"/>
+              </a:lnSpc>
+              <a:buClr>
+                <a:srgbClr val="1CADE4"/>
+              </a:buClr>
+              <a:buFont typeface="Arial" panose="020F0502020204030204" pitchFamily="34" charset="0"/>
+              <a:buChar char="•"/>
+            </a:pPr>
+            <a:r>
+              <a:rPr lang="en-US"/>
+              <a:t>In-Game Menu (needs implementation)</a:t>
+            </a:r>
+          </a:p>
+          <a:p>
+            <a:pPr lvl="1">
+              <a:lnSpc>
+                <a:spcPct val="100000"/>
+              </a:lnSpc>
+              <a:buFont typeface="Arial" panose="020F0502020204030204" pitchFamily="34" charset="0"/>
+              <a:buChar char="•"/>
+            </a:pPr>
+            <a:r>
+              <a:rPr lang="en-US" sz="1400">
+                <a:solidFill>
+                  <a:srgbClr val="FFFFFF"/>
+                </a:solidFill>
+              </a:rPr>
+              <a:t>Options: Player can change options during gameplay</a:t>
+            </a:r>
+            <a:endParaRPr lang="en-US" sz="1400"/>
+          </a:p>
+          <a:p>
+            <a:pPr lvl="1">
+              <a:lnSpc>
+                <a:spcPct val="100000"/>
+              </a:lnSpc>
+              <a:buFont typeface="Arial" panose="020F0502020204030204" pitchFamily="34" charset="0"/>
+              <a:buChar char="•"/>
+            </a:pPr>
+            <a:r>
+              <a:rPr lang="en-US" sz="1400">
+                <a:solidFill>
+                  <a:srgbClr val="FFFFFF"/>
+                </a:solidFill>
+              </a:rPr>
+              <a:t>Save Game: Saves player progress</a:t>
+            </a:r>
+            <a:endParaRPr lang="en-US" sz="1400"/>
+          </a:p>
+          <a:p>
+            <a:pPr>
+              <a:lnSpc>
+                <a:spcPct val="100000"/>
+              </a:lnSpc>
+              <a:buClr>
+                <a:srgbClr val="1CADE4"/>
+              </a:buClr>
+            </a:pPr>
+            <a:r>
+              <a:rPr lang="en-US" sz="1400"/>
+              <a:t>** More functionality to be determined as game develops, such as load saved games, volume level, and "Dr. BC Mode".</a:t>
+            </a:r>
+          </a:p>
+          <a:p>
+            <a:pPr lvl="1">
+              <a:lnSpc>
+                <a:spcPct val="100000"/>
+              </a:lnSpc>
+              <a:buFont typeface="Arial" panose="020F0502020204030204" pitchFamily="34" charset="0"/>
+              <a:buChar char="•"/>
+            </a:pPr>
+            <a:endParaRPr lang="en-US" sz="1400">
+              <a:solidFill>
+                <a:srgbClr val="404040"/>
+              </a:solidFill>
+            </a:endParaRPr>
+          </a:p>
+          <a:p>
+            <a:pPr marL="285750" indent="-285750">
+              <a:lnSpc>
+                <a:spcPct val="100000"/>
+              </a:lnSpc>
+              <a:buClr>
+                <a:srgbClr val="1CADE4"/>
+              </a:buClr>
+              <a:buFont typeface="Arial" panose="020F0502020204030204" pitchFamily="34" charset="0"/>
+              <a:buChar char="•"/>
+            </a:pPr>
+            <a:endParaRPr lang="en-US"/>
+          </a:p>
+          <a:p>
+            <a:pPr>
+              <a:lnSpc>
+                <a:spcPct val="100000"/>
+              </a:lnSpc>
+              <a:buClr>
+                <a:srgbClr val="1CADE4"/>
+              </a:buClr>
+            </a:pPr>
+            <a:endParaRPr lang="en-US"/>
+          </a:p>
+        </p:txBody>
+      </p:sp>
+      <p:pic>
+        <p:nvPicPr>
+          <p:cNvPr id="5" name="Picture 5" descr="Text, whiteboard&#10;&#10;Description automatically generated">
+            <a:extLst>
+              <a:ext uri="{FF2B5EF4-FFF2-40B4-BE49-F238E27FC236}">
+                <a16:creationId xmlns:a16="http://schemas.microsoft.com/office/drawing/2014/main" id="{5BA36FE3-DC43-42AB-81CF-80C307CE3F67}"/>
+              </a:ext>
+            </a:extLst>
+          </p:cNvPr>
+          <p:cNvPicPr>
+            <a:picLocks noChangeAspect="1"/>
+          </p:cNvPicPr>
+          <p:nvPr/>
+        </p:nvPicPr>
+        <p:blipFill>
+          <a:blip r:embed="rId2"/>
+          <a:stretch>
+            <a:fillRect/>
+          </a:stretch>
+        </p:blipFill>
+        <p:spPr>
+          <a:xfrm>
+            <a:off x="1145005" y="125205"/>
+            <a:ext cx="1600201" cy="1253535"/>
+          </a:xfrm>
+          <a:prstGeom prst="rect">
+            <a:avLst/>
+          </a:prstGeom>
+        </p:spPr>
+      </p:pic>
+      <p:pic>
+        <p:nvPicPr>
+          <p:cNvPr id="7" name="Picture 7" descr="Diagram&#10;&#10;Description automatically generated">
+            <a:extLst>
+              <a:ext uri="{FF2B5EF4-FFF2-40B4-BE49-F238E27FC236}">
+                <a16:creationId xmlns:a16="http://schemas.microsoft.com/office/drawing/2014/main" id="{E5F1CF13-2D2E-4F2E-8C18-982FDBDD7320}"/>
+              </a:ext>
+            </a:extLst>
+          </p:cNvPr>
+          <p:cNvPicPr>
+            <a:picLocks noGrp="1" noChangeAspect="1"/>
+          </p:cNvPicPr>
+          <p:nvPr>
+            <p:ph idx="1"/>
+          </p:nvPr>
+        </p:nvPicPr>
+        <p:blipFill>
+          <a:blip r:embed="rId3"/>
+          <a:stretch>
+            <a:fillRect/>
+          </a:stretch>
+        </p:blipFill>
+        <p:spPr>
+          <a:xfrm>
+            <a:off x="4406415" y="2024223"/>
+            <a:ext cx="7164021" cy="2451832"/>
+          </a:xfrm>
+        </p:spPr>
+      </p:pic>
+    </p:spTree>
+    <p:extLst>
+      <p:ext uri="{BB962C8B-B14F-4D97-AF65-F5344CB8AC3E}">
+        <p14:creationId xmlns:p14="http://schemas.microsoft.com/office/powerpoint/2010/main" val="2648191529"/>
+      </p:ext>
+    </p:extLst>
+  </p:cSld>
+  <p:clrMapOvr>
+    <a:masterClrMapping/>
+  </p:clrMapOvr>
+</p:sld>
+</file>
+
+<file path=ppt/slides/slide21.xml><?xml version="1.0" encoding="utf-8"?>
+<p:sld xmlns:a="http://schemas.openxmlformats.org/drawingml/2006/main" xmlns:r="http://schemas.openxmlformats.org/officeDocument/2006/relationships" xmlns:p="http://schemas.openxmlformats.org/presentationml/2006/main">
+  <p:cSld>
+    <p:bg>
+      <p:bgPr>
+        <a:solidFill>
+          <a:schemeClr val="bg1"/>
+        </a:solidFill>
+        <a:effectLst/>
+      </p:bgPr>
+    </p:bg>
+    <p:spTree>
+      <p:nvGrpSpPr>
+        <p:cNvPr id="1" name=""/>
+        <p:cNvGrpSpPr/>
+        <p:nvPr/>
+      </p:nvGrpSpPr>
+      <p:grpSpPr>
+        <a:xfrm>
+          <a:off x="0" y="0"/>
+          <a:ext cx="0" cy="0"/>
+          <a:chOff x="0" y="0"/>
+          <a:chExt cx="0" cy="0"/>
+        </a:xfrm>
+      </p:grpSpPr>
+      <p:sp>
+        <p:nvSpPr>
+          <p:cNvPr id="8" name="Rectangle 7">
+            <a:extLst>
+              <a:ext uri="{FF2B5EF4-FFF2-40B4-BE49-F238E27FC236}">
+                <a16:creationId xmlns:a16="http://schemas.microsoft.com/office/drawing/2014/main" id="{5014DE1B-FD50-40B1-A8A5-304666E7C6AF}"/>
+              </a:ext>
+              <a:ext uri="{C183D7F6-B498-43B3-948B-1728B52AA6E4}">
+                <adec:decorative xmlns:adec="http://schemas.microsoft.com/office/drawing/2017/decorative" val="1"/>
+              </a:ext>
+            </a:extLst>
+          </p:cNvPr>
+          <p:cNvSpPr>
+            <a:spLocks noGrp="1" noRot="1" noChangeAspect="1" noMove="1" noResize="1" noEditPoints="1" noAdjustHandles="1" noChangeArrowheads="1" noChangeShapeType="1" noTextEdit="1"/>
+          </p:cNvSpPr>
+          <p:nvPr>
+            <p:extLst>
+              <p:ext uri="{386F3935-93C4-4BCD-93E2-E3B085C9AB24}">
+                <p16:designElem xmlns:p16="http://schemas.microsoft.com/office/powerpoint/2015/main" val="1"/>
+              </p:ext>
+            </p:extLst>
+          </p:nvPr>
+        </p:nvSpPr>
+        <p:spPr>
+          <a:xfrm>
+            <a:off x="0" y="0"/>
+            <a:ext cx="12192000" cy="6858000"/>
+          </a:xfrm>
+          <a:prstGeom prst="rect">
+            <a:avLst/>
+          </a:prstGeom>
+          <a:solidFill>
+            <a:srgbClr val="262626"/>
+          </a:solidFill>
+          <a:ln>
+            <a:noFill/>
+          </a:ln>
+        </p:spPr>
+        <p:style>
+          <a:lnRef idx="2">
+            <a:schemeClr val="accent1">
+              <a:shade val="50000"/>
+            </a:schemeClr>
+          </a:lnRef>
+          <a:fillRef idx="1">
+            <a:schemeClr val="accent1"/>
+          </a:fillRef>
+          <a:effectRef idx="0">
+            <a:schemeClr val="accent1"/>
+          </a:effectRef>
+          <a:fontRef idx="minor">
+            <a:schemeClr val="lt1"/>
+          </a:fontRef>
+        </p:style>
+        <p:txBody>
+          <a:bodyPr rtlCol="0" anchor="ctr"/>
+          <a:lstStyle/>
+          <a:p>
+            <a:pPr algn="ctr"/>
+            <a:endParaRPr lang="en-US"/>
+          </a:p>
+        </p:txBody>
+      </p:sp>
+      <p:sp>
+        <p:nvSpPr>
+          <p:cNvPr id="10" name="Rectangle 9">
+            <a:extLst>
+              <a:ext uri="{FF2B5EF4-FFF2-40B4-BE49-F238E27FC236}">
+                <a16:creationId xmlns:a16="http://schemas.microsoft.com/office/drawing/2014/main" id="{91B41FE9-4F8F-4675-8668-D3330B371AF8}"/>
+              </a:ext>
+              <a:ext uri="{C183D7F6-B498-43B3-948B-1728B52AA6E4}">
+                <adec:decorative xmlns:adec="http://schemas.microsoft.com/office/drawing/2017/decorative" val="1"/>
+              </a:ext>
+            </a:extLst>
+          </p:cNvPr>
+          <p:cNvSpPr>
+            <a:spLocks noGrp="1" noRot="1" noChangeAspect="1" noMove="1" noResize="1" noEditPoints="1" noAdjustHandles="1" noChangeArrowheads="1" noChangeShapeType="1" noTextEdit="1"/>
+          </p:cNvSpPr>
+          <p:nvPr>
+            <p:extLst>
+              <p:ext uri="{386F3935-93C4-4BCD-93E2-E3B085C9AB24}">
+                <p16:designElem xmlns:p16="http://schemas.microsoft.com/office/powerpoint/2015/main" val="1"/>
+              </p:ext>
+            </p:extLst>
+          </p:nvPr>
+        </p:nvSpPr>
+        <p:spPr>
+          <a:xfrm>
+            <a:off x="477012" y="480060"/>
+            <a:ext cx="11237976" cy="5897880"/>
+          </a:xfrm>
+          <a:prstGeom prst="rect">
+            <a:avLst/>
+          </a:prstGeom>
+          <a:solidFill>
+            <a:srgbClr val="FFFFFF"/>
+          </a:solidFill>
+          <a:ln>
+            <a:noFill/>
+          </a:ln>
+        </p:spPr>
+        <p:style>
+          <a:lnRef idx="2">
+            <a:schemeClr val="accent1">
+              <a:shade val="50000"/>
+            </a:schemeClr>
+          </a:lnRef>
+          <a:fillRef idx="1">
+            <a:schemeClr val="accent1"/>
+          </a:fillRef>
+          <a:effectRef idx="0">
+            <a:schemeClr val="accent1"/>
+          </a:effectRef>
+          <a:fontRef idx="minor">
+            <a:schemeClr val="lt1"/>
+          </a:fontRef>
+        </p:style>
+        <p:txBody>
+          <a:bodyPr rtlCol="0" anchor="ctr"/>
+          <a:lstStyle/>
+          <a:p>
+            <a:pPr algn="ctr"/>
+            <a:endParaRPr lang="en-US"/>
+          </a:p>
+        </p:txBody>
+      </p:sp>
+      <p:pic>
+        <p:nvPicPr>
+          <p:cNvPr id="2" name="Picture 2">
+            <a:extLst>
+              <a:ext uri="{FF2B5EF4-FFF2-40B4-BE49-F238E27FC236}">
+                <a16:creationId xmlns:a16="http://schemas.microsoft.com/office/drawing/2014/main" id="{20DE22FB-2756-4A5C-8D8F-2337FED8CC40}"/>
+              </a:ext>
+            </a:extLst>
+          </p:cNvPr>
+          <p:cNvPicPr>
+            <a:picLocks noChangeAspect="1"/>
+          </p:cNvPicPr>
+          <p:nvPr/>
+        </p:nvPicPr>
+        <p:blipFill>
+          <a:blip r:embed="rId2"/>
+          <a:stretch>
+            <a:fillRect/>
+          </a:stretch>
+        </p:blipFill>
+        <p:spPr>
+          <a:xfrm>
+            <a:off x="798745" y="1987292"/>
+            <a:ext cx="5136388" cy="2902058"/>
+          </a:xfrm>
+          <a:prstGeom prst="rect">
+            <a:avLst/>
+          </a:prstGeom>
+        </p:spPr>
+      </p:pic>
+      <p:cxnSp>
+        <p:nvCxnSpPr>
+          <p:cNvPr id="12" name="Straight Connector 11">
+            <a:extLst>
+              <a:ext uri="{FF2B5EF4-FFF2-40B4-BE49-F238E27FC236}">
+                <a16:creationId xmlns:a16="http://schemas.microsoft.com/office/drawing/2014/main" id="{E230929C-760C-4746-B0AE-0D09A78A8873}"/>
+              </a:ext>
+              <a:ext uri="{C183D7F6-B498-43B3-948B-1728B52AA6E4}">
+                <adec:decorative xmlns:adec="http://schemas.microsoft.com/office/drawing/2017/decorative" val="1"/>
+              </a:ext>
+            </a:extLst>
+          </p:cNvPr>
+          <p:cNvCxnSpPr>
+            <a:cxnSpLocks noGrp="1" noRot="1" noChangeAspect="1" noMove="1" noResize="1" noEditPoints="1" noAdjustHandles="1" noChangeArrowheads="1" noChangeShapeType="1"/>
+          </p:cNvCxnSpPr>
+          <p:nvPr>
+            <p:extLst>
+              <p:ext uri="{386F3935-93C4-4BCD-93E2-E3B085C9AB24}">
+                <p16:designElem xmlns:p16="http://schemas.microsoft.com/office/powerpoint/2015/main" val="1"/>
+              </p:ext>
+            </p:extLst>
+          </p:nvPr>
+        </p:nvCxnSpPr>
+        <p:spPr>
+          <a:xfrm>
+            <a:off x="6096000" y="1038225"/>
+            <a:ext cx="0" cy="4762500"/>
+          </a:xfrm>
+          <a:prstGeom prst="line">
+            <a:avLst/>
+          </a:prstGeom>
+          <a:ln>
+            <a:solidFill>
+              <a:schemeClr val="tx1">
+                <a:lumMod val="85000"/>
+                <a:lumOff val="15000"/>
+              </a:schemeClr>
+            </a:solidFill>
+          </a:ln>
+        </p:spPr>
+        <p:style>
+          <a:lnRef idx="1">
+            <a:schemeClr val="accent1"/>
+          </a:lnRef>
+          <a:fillRef idx="0">
+            <a:schemeClr val="accent1"/>
+          </a:fillRef>
+          <a:effectRef idx="0">
+            <a:schemeClr val="accent1"/>
+          </a:effectRef>
+          <a:fontRef idx="minor">
+            <a:schemeClr val="tx1"/>
+          </a:fontRef>
+        </p:style>
+      </p:cxnSp>
+      <p:pic>
+        <p:nvPicPr>
+          <p:cNvPr id="3" name="Picture 3">
+            <a:extLst>
+              <a:ext uri="{FF2B5EF4-FFF2-40B4-BE49-F238E27FC236}">
+                <a16:creationId xmlns:a16="http://schemas.microsoft.com/office/drawing/2014/main" id="{99FD3C23-8A33-4C5C-8363-5017AE3CBBC6}"/>
+              </a:ext>
+            </a:extLst>
+          </p:cNvPr>
+          <p:cNvPicPr>
+            <a:picLocks noChangeAspect="1"/>
+          </p:cNvPicPr>
+          <p:nvPr/>
+        </p:nvPicPr>
+        <p:blipFill>
+          <a:blip r:embed="rId3"/>
+          <a:stretch>
+            <a:fillRect/>
+          </a:stretch>
+        </p:blipFill>
+        <p:spPr>
+          <a:xfrm>
+            <a:off x="6256866" y="1993712"/>
+            <a:ext cx="5136388" cy="2889217"/>
+          </a:xfrm>
+          <a:prstGeom prst="rect">
+            <a:avLst/>
+          </a:prstGeom>
+        </p:spPr>
+      </p:pic>
+      <p:pic>
+        <p:nvPicPr>
+          <p:cNvPr id="4" name="Picture 3" descr="Logo&#10;&#10;Description automatically generated">
+            <a:extLst>
+              <a:ext uri="{FF2B5EF4-FFF2-40B4-BE49-F238E27FC236}">
+                <a16:creationId xmlns:a16="http://schemas.microsoft.com/office/drawing/2014/main" id="{D9050315-6CA7-4DA3-84C6-DD5C043225E8}"/>
+              </a:ext>
+            </a:extLst>
+          </p:cNvPr>
+          <p:cNvPicPr>
+            <a:picLocks noChangeAspect="1"/>
+          </p:cNvPicPr>
+          <p:nvPr/>
+        </p:nvPicPr>
+        <p:blipFill>
+          <a:blip r:embed="rId4"/>
+          <a:stretch>
+            <a:fillRect/>
+          </a:stretch>
+        </p:blipFill>
+        <p:spPr>
+          <a:xfrm>
+            <a:off x="5591175" y="5715000"/>
+            <a:ext cx="1104900" cy="1104900"/>
+          </a:xfrm>
+          <a:prstGeom prst="rect">
+            <a:avLst/>
+          </a:prstGeom>
+        </p:spPr>
+      </p:pic>
+    </p:spTree>
+    <p:extLst>
+      <p:ext uri="{BB962C8B-B14F-4D97-AF65-F5344CB8AC3E}">
+        <p14:creationId xmlns:p14="http://schemas.microsoft.com/office/powerpoint/2010/main" val="2066295673"/>
+      </p:ext>
+    </p:extLst>
+  </p:cSld>
+  <p:clrMapOvr>
+    <a:masterClrMapping/>
+  </p:clrMapOvr>
+</p:sld>
+</file>
+
+<file path=ppt/slides/slide22.xml><?xml version="1.0" encoding="utf-8"?>
+<p:sld xmlns:a="http://schemas.openxmlformats.org/drawingml/2006/main" xmlns:r="http://schemas.openxmlformats.org/officeDocument/2006/relationships" xmlns:p="http://schemas.openxmlformats.org/presentationml/2006/main">
+  <p:cSld>
+    <p:spTree>
+      <p:nvGrpSpPr>
+        <p:cNvPr id="1" name=""/>
+        <p:cNvGrpSpPr/>
+        <p:nvPr/>
+      </p:nvGrpSpPr>
+      <p:grpSpPr>
+        <a:xfrm>
+          <a:off x="0" y="0"/>
+          <a:ext cx="0" cy="0"/>
+          <a:chOff x="0" y="0"/>
+          <a:chExt cx="0" cy="0"/>
+        </a:xfrm>
+      </p:grpSpPr>
+      <p:sp>
+        <p:nvSpPr>
+          <p:cNvPr id="2" name="Title 1">
+            <a:extLst>
+              <a:ext uri="{FF2B5EF4-FFF2-40B4-BE49-F238E27FC236}">
+                <a16:creationId xmlns:a16="http://schemas.microsoft.com/office/drawing/2014/main" id="{94A4E944-762E-B64E-9FEA-6C1B17942EC7}"/>
+              </a:ext>
+            </a:extLst>
+          </p:cNvPr>
+          <p:cNvSpPr>
+            <a:spLocks noGrp="1"/>
+          </p:cNvSpPr>
+          <p:nvPr>
+            <p:ph type="title"/>
+          </p:nvPr>
+        </p:nvSpPr>
+        <p:spPr/>
+        <p:txBody>
+          <a:bodyPr/>
+          <a:lstStyle/>
+          <a:p>
+            <a:r>
+              <a:rPr lang="en-US"/>
+              <a:t>Scott M.</a:t>
+            </a:r>
+          </a:p>
+        </p:txBody>
+      </p:sp>
+      <p:sp>
+        <p:nvSpPr>
+          <p:cNvPr id="4" name="Text Placeholder 3">
+            <a:extLst>
+              <a:ext uri="{FF2B5EF4-FFF2-40B4-BE49-F238E27FC236}">
+                <a16:creationId xmlns:a16="http://schemas.microsoft.com/office/drawing/2014/main" id="{A1B5656D-9A6C-014B-8080-B1CF4F43691F}"/>
+              </a:ext>
+            </a:extLst>
+          </p:cNvPr>
+          <p:cNvSpPr>
+            <a:spLocks noGrp="1"/>
+          </p:cNvSpPr>
+          <p:nvPr>
+            <p:ph type="body" sz="half" idx="2"/>
+          </p:nvPr>
+        </p:nvSpPr>
+        <p:spPr/>
+        <p:txBody>
+          <a:bodyPr vert="horz" lIns="91440" tIns="45720" rIns="91440" bIns="45720" rtlCol="0" anchor="t">
+            <a:normAutofit/>
+          </a:bodyPr>
+          <a:lstStyle/>
+          <a:p>
+            <a:r>
+              <a:rPr lang="en-US"/>
+              <a:t>- Change Level: High Priority</a:t>
+            </a:r>
+          </a:p>
+          <a:p>
+            <a:r>
+              <a:rPr lang="en-US"/>
+              <a:t>- Chest: Medium Priority</a:t>
+            </a:r>
+          </a:p>
+          <a:p>
+            <a:endParaRPr lang="en-US"/>
+          </a:p>
+          <a:p>
+            <a:endParaRPr lang="en-US"/>
+          </a:p>
+        </p:txBody>
+      </p:sp>
+      <p:pic>
+        <p:nvPicPr>
+          <p:cNvPr id="6" name="Picture 6" descr="A picture containing linedrawing&#10;&#10;Description automatically generated">
+            <a:extLst>
+              <a:ext uri="{FF2B5EF4-FFF2-40B4-BE49-F238E27FC236}">
+                <a16:creationId xmlns:a16="http://schemas.microsoft.com/office/drawing/2014/main" id="{9D78A6A5-E526-4B40-A971-2C5E9E3E80D7}"/>
+              </a:ext>
+            </a:extLst>
+          </p:cNvPr>
+          <p:cNvPicPr>
+            <a:picLocks noChangeAspect="1"/>
+          </p:cNvPicPr>
+          <p:nvPr/>
+        </p:nvPicPr>
+        <p:blipFill>
+          <a:blip r:embed="rId2"/>
+          <a:stretch>
+            <a:fillRect/>
+          </a:stretch>
+        </p:blipFill>
+        <p:spPr>
+          <a:xfrm>
+            <a:off x="1295400" y="332191"/>
+            <a:ext cx="1911016" cy="1782039"/>
+          </a:xfrm>
+          <a:prstGeom prst="rect">
+            <a:avLst/>
+          </a:prstGeom>
+        </p:spPr>
+      </p:pic>
+      <p:pic>
+        <p:nvPicPr>
+          <p:cNvPr id="7" name="Picture 8" descr="Diagram&#10;&#10;Description automatically generated">
+            <a:extLst>
+              <a:ext uri="{FF2B5EF4-FFF2-40B4-BE49-F238E27FC236}">
+                <a16:creationId xmlns:a16="http://schemas.microsoft.com/office/drawing/2014/main" id="{A9E262E6-6F66-4E94-B9AF-22B7C73B24D5}"/>
+              </a:ext>
+            </a:extLst>
+          </p:cNvPr>
+          <p:cNvPicPr>
+            <a:picLocks noGrp="1" noChangeAspect="1"/>
+          </p:cNvPicPr>
+          <p:nvPr>
+            <p:ph idx="1"/>
+          </p:nvPr>
+        </p:nvPicPr>
+        <p:blipFill>
+          <a:blip r:embed="rId3"/>
+          <a:stretch>
+            <a:fillRect/>
+          </a:stretch>
+        </p:blipFill>
+        <p:spPr>
+          <a:xfrm>
+            <a:off x="4667251" y="781766"/>
+            <a:ext cx="7123621" cy="2438218"/>
+          </a:xfrm>
+        </p:spPr>
+      </p:pic>
+      <p:pic>
+        <p:nvPicPr>
+          <p:cNvPr id="9" name="Picture 9" descr="Diagram&#10;&#10;Description automatically generated">
+            <a:extLst>
+              <a:ext uri="{FF2B5EF4-FFF2-40B4-BE49-F238E27FC236}">
+                <a16:creationId xmlns:a16="http://schemas.microsoft.com/office/drawing/2014/main" id="{E4EF289E-AC31-492C-90E4-6A27CB3C63F1}"/>
+              </a:ext>
+            </a:extLst>
+          </p:cNvPr>
+          <p:cNvPicPr>
+            <a:picLocks noChangeAspect="1"/>
+          </p:cNvPicPr>
+          <p:nvPr/>
+        </p:nvPicPr>
+        <p:blipFill>
+          <a:blip r:embed="rId4"/>
+          <a:stretch>
+            <a:fillRect/>
+          </a:stretch>
+        </p:blipFill>
+        <p:spPr>
+          <a:xfrm>
+            <a:off x="5267627" y="3489360"/>
+            <a:ext cx="2633982" cy="2474718"/>
+          </a:xfrm>
+          <a:prstGeom prst="rect">
+            <a:avLst/>
+          </a:prstGeom>
+        </p:spPr>
+      </p:pic>
+      <p:pic>
+        <p:nvPicPr>
+          <p:cNvPr id="10" name="Picture 10" descr="Diagram&#10;&#10;Description automatically generated">
+            <a:extLst>
+              <a:ext uri="{FF2B5EF4-FFF2-40B4-BE49-F238E27FC236}">
+                <a16:creationId xmlns:a16="http://schemas.microsoft.com/office/drawing/2014/main" id="{D5C5436B-1053-49B9-876E-260DCBDFD886}"/>
+              </a:ext>
+            </a:extLst>
+          </p:cNvPr>
+          <p:cNvPicPr>
+            <a:picLocks noChangeAspect="1"/>
+          </p:cNvPicPr>
+          <p:nvPr/>
+        </p:nvPicPr>
+        <p:blipFill>
+          <a:blip r:embed="rId5"/>
+          <a:stretch>
+            <a:fillRect/>
+          </a:stretch>
+        </p:blipFill>
+        <p:spPr>
+          <a:xfrm>
+            <a:off x="9008204" y="3489360"/>
+            <a:ext cx="1645700" cy="2023402"/>
+          </a:xfrm>
+          <a:prstGeom prst="rect">
+            <a:avLst/>
+          </a:prstGeom>
+        </p:spPr>
+      </p:pic>
+    </p:spTree>
+    <p:extLst>
+      <p:ext uri="{BB962C8B-B14F-4D97-AF65-F5344CB8AC3E}">
+        <p14:creationId xmlns:p14="http://schemas.microsoft.com/office/powerpoint/2010/main" val="1384095005"/>
+      </p:ext>
+    </p:extLst>
+  </p:cSld>
+  <p:clrMapOvr>
+    <a:masterClrMapping/>
+  </p:clrMapOvr>
+</p:sld>
+</file>
+
+<file path=ppt/slides/slide23.xml><?xml version="1.0" encoding="utf-8"?>
+<p:sld xmlns:a="http://schemas.openxmlformats.org/drawingml/2006/main" xmlns:r="http://schemas.openxmlformats.org/officeDocument/2006/relationships" xmlns:p="http://schemas.openxmlformats.org/presentationml/2006/main">
+  <p:cSld>
+    <p:spTree>
+      <p:nvGrpSpPr>
+        <p:cNvPr id="1" name=""/>
+        <p:cNvGrpSpPr/>
+        <p:nvPr/>
+      </p:nvGrpSpPr>
+      <p:grpSpPr>
+        <a:xfrm>
+          <a:off x="0" y="0"/>
+          <a:ext cx="0" cy="0"/>
+          <a:chOff x="0" y="0"/>
+          <a:chExt cx="0" cy="0"/>
+        </a:xfrm>
+      </p:grpSpPr>
+      <p:sp>
+        <p:nvSpPr>
+          <p:cNvPr id="2" name="Title 1">
+            <a:extLst>
+              <a:ext uri="{FF2B5EF4-FFF2-40B4-BE49-F238E27FC236}">
+                <a16:creationId xmlns:a16="http://schemas.microsoft.com/office/drawing/2014/main" id="{4D1C01CC-2986-439F-A15E-6F5DEA3291BC}"/>
+              </a:ext>
+            </a:extLst>
+          </p:cNvPr>
+          <p:cNvSpPr>
+            <a:spLocks noGrp="1"/>
+          </p:cNvSpPr>
+          <p:nvPr>
+            <p:ph type="title"/>
+          </p:nvPr>
+        </p:nvSpPr>
+        <p:spPr/>
+        <p:txBody>
+          <a:bodyPr/>
+          <a:lstStyle/>
+          <a:p>
+            <a:r>
+              <a:rPr lang="en-US"/>
+              <a:t>Scott M.</a:t>
+            </a:r>
+          </a:p>
+        </p:txBody>
+      </p:sp>
+      <p:pic>
+        <p:nvPicPr>
+          <p:cNvPr id="7" name="Content Placeholder 6" descr="Diagram&#10;&#10;Description automatically generated">
+            <a:extLst>
+              <a:ext uri="{FF2B5EF4-FFF2-40B4-BE49-F238E27FC236}">
+                <a16:creationId xmlns:a16="http://schemas.microsoft.com/office/drawing/2014/main" id="{06855552-41B4-440D-A4C4-94767A248053}"/>
+              </a:ext>
+            </a:extLst>
+          </p:cNvPr>
+          <p:cNvPicPr>
+            <a:picLocks noGrp="1" noChangeAspect="1"/>
+          </p:cNvPicPr>
+          <p:nvPr>
+            <p:ph idx="1"/>
+          </p:nvPr>
+        </p:nvPicPr>
+        <p:blipFill>
+          <a:blip r:embed="rId2">
+            <a:extLst>
+              <a:ext uri="{28A0092B-C50C-407E-A947-70E740481C1C}">
+                <a14:useLocalDpi xmlns:a14="http://schemas.microsoft.com/office/drawing/2010/main" val="0"/>
+              </a:ext>
+            </a:extLst>
+          </a:blip>
+          <a:stretch>
+            <a:fillRect/>
+          </a:stretch>
+        </p:blipFill>
+        <p:spPr>
+          <a:xfrm>
+            <a:off x="4810282" y="1065733"/>
+            <a:ext cx="6859994" cy="3629250"/>
+          </a:xfrm>
+        </p:spPr>
+      </p:pic>
+      <p:sp>
+        <p:nvSpPr>
+          <p:cNvPr id="4" name="Text Placeholder 3">
+            <a:extLst>
+              <a:ext uri="{FF2B5EF4-FFF2-40B4-BE49-F238E27FC236}">
+                <a16:creationId xmlns:a16="http://schemas.microsoft.com/office/drawing/2014/main" id="{825980ED-619A-4B7A-8E81-A3B61F5D9938}"/>
+              </a:ext>
+            </a:extLst>
+          </p:cNvPr>
+          <p:cNvSpPr>
+            <a:spLocks noGrp="1"/>
+          </p:cNvSpPr>
+          <p:nvPr>
+            <p:ph type="body" sz="half" idx="2"/>
+          </p:nvPr>
+        </p:nvSpPr>
+        <p:spPr/>
+        <p:txBody>
+          <a:bodyPr/>
+          <a:lstStyle/>
+          <a:p>
+            <a:r>
+              <a:rPr lang="en-US"/>
+              <a:t>Change Level: High Priority</a:t>
+            </a:r>
+          </a:p>
+          <a:p>
+            <a:r>
+              <a:rPr lang="en-US"/>
+              <a:t>Chess: Medium Priority</a:t>
+            </a:r>
+          </a:p>
+        </p:txBody>
+      </p:sp>
+      <p:pic>
+        <p:nvPicPr>
+          <p:cNvPr id="5" name="Picture 6" descr="A picture containing linedrawing&#10;&#10;Description automatically generated">
+            <a:extLst>
+              <a:ext uri="{FF2B5EF4-FFF2-40B4-BE49-F238E27FC236}">
+                <a16:creationId xmlns:a16="http://schemas.microsoft.com/office/drawing/2014/main" id="{E61A277A-DBC0-4C5F-8D39-F8612375B146}"/>
+              </a:ext>
+            </a:extLst>
+          </p:cNvPr>
+          <p:cNvPicPr>
+            <a:picLocks noChangeAspect="1"/>
+          </p:cNvPicPr>
+          <p:nvPr/>
+        </p:nvPicPr>
+        <p:blipFill>
+          <a:blip r:embed="rId3"/>
+          <a:stretch>
+            <a:fillRect/>
+          </a:stretch>
+        </p:blipFill>
+        <p:spPr>
+          <a:xfrm>
+            <a:off x="1295400" y="332191"/>
+            <a:ext cx="1911016" cy="1782039"/>
+          </a:xfrm>
+          <a:prstGeom prst="rect">
+            <a:avLst/>
+          </a:prstGeom>
+        </p:spPr>
+      </p:pic>
+    </p:spTree>
+    <p:extLst>
+      <p:ext uri="{BB962C8B-B14F-4D97-AF65-F5344CB8AC3E}">
+        <p14:creationId xmlns:p14="http://schemas.microsoft.com/office/powerpoint/2010/main" val="3929783256"/>
+      </p:ext>
+    </p:extLst>
+  </p:cSld>
+  <p:clrMapOvr>
+    <a:masterClrMapping/>
+  </p:clrMapOvr>
+</p:sld>
+</file>
+
+<file path=ppt/slides/slide24.xml><?xml version="1.0" encoding="utf-8"?>
+<p:sld xmlns:a="http://schemas.openxmlformats.org/drawingml/2006/main" xmlns:r="http://schemas.openxmlformats.org/officeDocument/2006/relationships" xmlns:p="http://schemas.openxmlformats.org/presentationml/2006/main">
+  <p:cSld>
+    <p:spTree>
+      <p:nvGrpSpPr>
+        <p:cNvPr id="1" name=""/>
+        <p:cNvGrpSpPr/>
+        <p:nvPr/>
+      </p:nvGrpSpPr>
+      <p:grpSpPr>
+        <a:xfrm>
+          <a:off x="0" y="0"/>
+          <a:ext cx="0" cy="0"/>
+          <a:chOff x="0" y="0"/>
+          <a:chExt cx="0" cy="0"/>
+        </a:xfrm>
+      </p:grpSpPr>
+      <p:sp>
+        <p:nvSpPr>
+          <p:cNvPr id="2" name="Title 1">
+            <a:extLst>
+              <a:ext uri="{FF2B5EF4-FFF2-40B4-BE49-F238E27FC236}">
+                <a16:creationId xmlns:a16="http://schemas.microsoft.com/office/drawing/2014/main" id="{3835FBDD-A08B-8F40-9D1A-9BE60A9E01A4}"/>
+              </a:ext>
+            </a:extLst>
+          </p:cNvPr>
+          <p:cNvSpPr>
+            <a:spLocks noGrp="1"/>
+          </p:cNvSpPr>
+          <p:nvPr>
+            <p:ph type="title"/>
+          </p:nvPr>
+        </p:nvSpPr>
+        <p:spPr/>
+        <p:txBody>
+          <a:bodyPr/>
+          <a:lstStyle/>
+          <a:p>
+            <a:r>
+              <a:rPr lang="en-US"/>
+              <a:t>Final Questions?</a:t>
+            </a:r>
+          </a:p>
+        </p:txBody>
+      </p:sp>
+      <p:pic>
+        <p:nvPicPr>
+          <p:cNvPr id="5" name="Picture 5">
+            <a:extLst>
+              <a:ext uri="{FF2B5EF4-FFF2-40B4-BE49-F238E27FC236}">
+                <a16:creationId xmlns:a16="http://schemas.microsoft.com/office/drawing/2014/main" id="{5817596E-3E3B-4B47-B79A-4768469F7F8A}"/>
+              </a:ext>
+            </a:extLst>
+          </p:cNvPr>
+          <p:cNvPicPr>
+            <a:picLocks noGrp="1" noChangeAspect="1"/>
+          </p:cNvPicPr>
+          <p:nvPr>
+            <p:ph idx="1"/>
+          </p:nvPr>
+        </p:nvPicPr>
+        <p:blipFill>
+          <a:blip r:embed="rId2"/>
+          <a:stretch>
+            <a:fillRect/>
+          </a:stretch>
+        </p:blipFill>
+        <p:spPr>
+          <a:xfrm>
+            <a:off x="4621427" y="1"/>
+            <a:ext cx="7570573" cy="6858000"/>
+          </a:xfrm>
+        </p:spPr>
+      </p:pic>
+      <p:sp>
+        <p:nvSpPr>
+          <p:cNvPr id="4" name="Text Placeholder 3">
+            <a:extLst>
+              <a:ext uri="{FF2B5EF4-FFF2-40B4-BE49-F238E27FC236}">
+                <a16:creationId xmlns:a16="http://schemas.microsoft.com/office/drawing/2014/main" id="{8302400D-72BF-B64E-BD07-34C94D8F9A8B}"/>
+              </a:ext>
+            </a:extLst>
+          </p:cNvPr>
+          <p:cNvSpPr>
+            <a:spLocks noGrp="1"/>
+          </p:cNvSpPr>
+          <p:nvPr>
+            <p:ph type="body" sz="half" idx="2"/>
+          </p:nvPr>
+        </p:nvSpPr>
+        <p:spPr/>
+        <p:txBody>
+          <a:bodyPr/>
+          <a:lstStyle/>
+          <a:p>
+            <a:endParaRPr lang="en-US"/>
+          </a:p>
+        </p:txBody>
+      </p:sp>
+    </p:spTree>
+    <p:extLst>
+      <p:ext uri="{BB962C8B-B14F-4D97-AF65-F5344CB8AC3E}">
+        <p14:creationId xmlns:p14="http://schemas.microsoft.com/office/powerpoint/2010/main" val="2400740985"/>
       </p:ext>
     </p:extLst>
   </p:cSld>
